--- a/Beginner Workshop/Introductory Concepts in R.pptx
+++ b/Beginner Workshop/Introductory Concepts in R.pptx
@@ -8,6 +8,11 @@
     <p:sldId id="256" r:id="rId2"/>
     <p:sldId id="257" r:id="rId3"/>
     <p:sldId id="258" r:id="rId4"/>
+    <p:sldId id="259" r:id="rId5"/>
+    <p:sldId id="260" r:id="rId6"/>
+    <p:sldId id="261" r:id="rId7"/>
+    <p:sldId id="262" r:id="rId8"/>
+    <p:sldId id="263" r:id="rId9"/>
   </p:sldIdLst>
   <p:sldSz cx="12192000" cy="6858000"/>
   <p:notesSz cx="6858000" cy="9144000"/>
@@ -106,6 +111,51 @@
       </a:defRPr>
     </a:lvl9pPr>
   </p:defaultTextStyle>
+  <p:extLst>
+    <p:ext uri="{521415D9-36F7-43E2-AB2F-B90AF26B5E84}">
+      <p14:sectionLst xmlns:p14="http://schemas.microsoft.com/office/powerpoint/2010/main">
+        <p14:section name="Default Section" id="{29E2A5D3-01C8-4E0C-8109-74F2903C83D5}">
+          <p14:sldIdLst>
+            <p14:sldId id="256"/>
+            <p14:sldId id="257"/>
+          </p14:sldIdLst>
+        </p14:section>
+        <p14:section name="R Projects and R Markdown" id="{EBAC49C4-D09F-419A-84A3-E7C1A9FF55D0}">
+          <p14:sldIdLst>
+            <p14:sldId id="258"/>
+          </p14:sldIdLst>
+        </p14:section>
+        <p14:section name="Principles of Clean Coding" id="{4FEAD148-0483-4865-B4F3-57C236E15355}">
+          <p14:sldIdLst>
+            <p14:sldId id="259"/>
+          </p14:sldIdLst>
+        </p14:section>
+        <p14:section name="Finding Help" id="{E70C57F1-D4D0-4A5F-B422-7EC6CFE09FDB}">
+          <p14:sldIdLst>
+            <p14:sldId id="260"/>
+          </p14:sldIdLst>
+        </p14:section>
+        <p14:section name="Common Mistakes" id="{192603A6-0979-4324-AF09-6720654E1F2B}">
+          <p14:sldIdLst>
+            <p14:sldId id="261"/>
+          </p14:sldIdLst>
+        </p14:section>
+        <p14:section name="Error Interpretation" id="{FB7A2C02-7B90-4864-BEBA-5A290269CD1E}">
+          <p14:sldIdLst>
+            <p14:sldId id="262"/>
+          </p14:sldIdLst>
+        </p14:section>
+        <p14:section name="Resources" id="{0E96B1A4-2441-41EC-AD5D-D14B47B3E824}">
+          <p14:sldIdLst>
+            <p14:sldId id="263"/>
+          </p14:sldIdLst>
+        </p14:section>
+      </p14:sectionLst>
+    </p:ext>
+    <p:ext uri="{EFAFB233-063F-42B5-8137-9DF3F51BA10A}">
+      <p15:sldGuideLst xmlns:p15="http://schemas.microsoft.com/office/powerpoint/2012/main"/>
+    </p:ext>
+  </p:extLst>
 </p:presentation>
 </file>
 
@@ -3589,6 +3639,549 @@
 </p:sld>
 </file>
 
+<file path=ppt/slides/slide4.xml><?xml version="1.0" encoding="utf-8"?>
+<p:sld xmlns:a="http://schemas.openxmlformats.org/drawingml/2006/main" xmlns:r="http://schemas.openxmlformats.org/officeDocument/2006/relationships" xmlns:p="http://schemas.openxmlformats.org/presentationml/2006/main">
+  <p:cSld>
+    <p:spTree>
+      <p:nvGrpSpPr>
+        <p:cNvPr id="1" name=""/>
+        <p:cNvGrpSpPr/>
+        <p:nvPr/>
+      </p:nvGrpSpPr>
+      <p:grpSpPr>
+        <a:xfrm>
+          <a:off x="0" y="0"/>
+          <a:ext cx="0" cy="0"/>
+          <a:chOff x="0" y="0"/>
+          <a:chExt cx="0" cy="0"/>
+        </a:xfrm>
+      </p:grpSpPr>
+      <p:sp>
+        <p:nvSpPr>
+          <p:cNvPr id="2" name="Title 1">
+            <a:extLst>
+              <a:ext uri="{FF2B5EF4-FFF2-40B4-BE49-F238E27FC236}">
+                <a16:creationId xmlns:a16="http://schemas.microsoft.com/office/drawing/2014/main" id="{D084B736-440B-42AD-970B-6E335B51E270}"/>
+              </a:ext>
+            </a:extLst>
+          </p:cNvPr>
+          <p:cNvSpPr>
+            <a:spLocks noGrp="1"/>
+          </p:cNvSpPr>
+          <p:nvPr>
+            <p:ph type="title"/>
+          </p:nvPr>
+        </p:nvSpPr>
+        <p:spPr/>
+        <p:txBody>
+          <a:bodyPr/>
+          <a:lstStyle/>
+          <a:p>
+            <a:r>
+              <a:rPr lang="en-CA" dirty="0"/>
+              <a:t>Principles of Clean Coding</a:t>
+            </a:r>
+            <a:endParaRPr lang="en-US" dirty="0"/>
+          </a:p>
+        </p:txBody>
+      </p:sp>
+      <p:sp>
+        <p:nvSpPr>
+          <p:cNvPr id="3" name="Content Placeholder 2">
+            <a:extLst>
+              <a:ext uri="{FF2B5EF4-FFF2-40B4-BE49-F238E27FC236}">
+                <a16:creationId xmlns:a16="http://schemas.microsoft.com/office/drawing/2014/main" id="{FBFB55E0-2F63-437C-8FA7-8AD34C79A8E3}"/>
+              </a:ext>
+            </a:extLst>
+          </p:cNvPr>
+          <p:cNvSpPr>
+            <a:spLocks noGrp="1"/>
+          </p:cNvSpPr>
+          <p:nvPr>
+            <p:ph idx="1"/>
+          </p:nvPr>
+        </p:nvSpPr>
+        <p:spPr/>
+        <p:txBody>
+          <a:bodyPr/>
+          <a:lstStyle/>
+          <a:p>
+            <a:endParaRPr lang="en-US"/>
+          </a:p>
+        </p:txBody>
+      </p:sp>
+    </p:spTree>
+    <p:extLst>
+      <p:ext uri="{BB962C8B-B14F-4D97-AF65-F5344CB8AC3E}">
+        <p14:creationId xmlns:p14="http://schemas.microsoft.com/office/powerpoint/2010/main" val="2060947819"/>
+      </p:ext>
+    </p:extLst>
+  </p:cSld>
+  <p:clrMapOvr>
+    <a:masterClrMapping/>
+  </p:clrMapOvr>
+</p:sld>
+</file>
+
+<file path=ppt/slides/slide5.xml><?xml version="1.0" encoding="utf-8"?>
+<p:sld xmlns:a="http://schemas.openxmlformats.org/drawingml/2006/main" xmlns:r="http://schemas.openxmlformats.org/officeDocument/2006/relationships" xmlns:p="http://schemas.openxmlformats.org/presentationml/2006/main">
+  <p:cSld>
+    <p:spTree>
+      <p:nvGrpSpPr>
+        <p:cNvPr id="1" name=""/>
+        <p:cNvGrpSpPr/>
+        <p:nvPr/>
+      </p:nvGrpSpPr>
+      <p:grpSpPr>
+        <a:xfrm>
+          <a:off x="0" y="0"/>
+          <a:ext cx="0" cy="0"/>
+          <a:chOff x="0" y="0"/>
+          <a:chExt cx="0" cy="0"/>
+        </a:xfrm>
+      </p:grpSpPr>
+      <p:sp>
+        <p:nvSpPr>
+          <p:cNvPr id="2" name="Title 1">
+            <a:extLst>
+              <a:ext uri="{FF2B5EF4-FFF2-40B4-BE49-F238E27FC236}">
+                <a16:creationId xmlns:a16="http://schemas.microsoft.com/office/drawing/2014/main" id="{61D9DC3D-7038-4887-98E3-3B0C7F5C9965}"/>
+              </a:ext>
+            </a:extLst>
+          </p:cNvPr>
+          <p:cNvSpPr>
+            <a:spLocks noGrp="1"/>
+          </p:cNvSpPr>
+          <p:nvPr>
+            <p:ph type="title"/>
+          </p:nvPr>
+        </p:nvSpPr>
+        <p:spPr/>
+        <p:txBody>
+          <a:bodyPr/>
+          <a:lstStyle/>
+          <a:p>
+            <a:r>
+              <a:rPr lang="en-CA" dirty="0"/>
+              <a:t>Finding Help in R</a:t>
+            </a:r>
+            <a:endParaRPr lang="en-US" dirty="0"/>
+          </a:p>
+        </p:txBody>
+      </p:sp>
+      <p:sp>
+        <p:nvSpPr>
+          <p:cNvPr id="3" name="Content Placeholder 2">
+            <a:extLst>
+              <a:ext uri="{FF2B5EF4-FFF2-40B4-BE49-F238E27FC236}">
+                <a16:creationId xmlns:a16="http://schemas.microsoft.com/office/drawing/2014/main" id="{8750FB0C-EF35-44A6-A643-F0776007D555}"/>
+              </a:ext>
+            </a:extLst>
+          </p:cNvPr>
+          <p:cNvSpPr>
+            <a:spLocks noGrp="1"/>
+          </p:cNvSpPr>
+          <p:nvPr>
+            <p:ph idx="1"/>
+          </p:nvPr>
+        </p:nvSpPr>
+        <p:spPr/>
+        <p:txBody>
+          <a:bodyPr>
+            <a:normAutofit fontScale="92500" lnSpcReduction="10000"/>
+          </a:bodyPr>
+          <a:lstStyle/>
+          <a:p>
+            <a:r>
+              <a:rPr lang="en-CA" dirty="0"/>
+              <a:t>R itself – typing ? before a function will open the help file</a:t>
+            </a:r>
+          </a:p>
+          <a:p>
+            <a:endParaRPr lang="en-CA" dirty="0"/>
+          </a:p>
+          <a:p>
+            <a:r>
+              <a:rPr lang="en-CA" dirty="0"/>
+              <a:t>Package website on CRAN, GitHub, or </a:t>
+            </a:r>
+            <a:r>
+              <a:rPr lang="en-CA" dirty="0" err="1"/>
+              <a:t>BitBucket</a:t>
+            </a:r>
+            <a:r>
+              <a:rPr lang="en-CA" dirty="0"/>
+              <a:t> – Packages often have vignettes that show you how to use them!</a:t>
+            </a:r>
+          </a:p>
+          <a:p>
+            <a:endParaRPr lang="en-CA" dirty="0"/>
+          </a:p>
+          <a:p>
+            <a:r>
+              <a:rPr lang="en-CA" dirty="0"/>
+              <a:t>Google – Stack Exchange and various blogs address many issues in R</a:t>
+            </a:r>
+          </a:p>
+          <a:p>
+            <a:endParaRPr lang="en-CA" dirty="0"/>
+          </a:p>
+          <a:p>
+            <a:r>
+              <a:rPr lang="en-CA" dirty="0"/>
+              <a:t>Twitter – the #</a:t>
+            </a:r>
+            <a:r>
+              <a:rPr lang="en-CA" dirty="0" err="1"/>
+              <a:t>rstats</a:t>
+            </a:r>
+            <a:r>
+              <a:rPr lang="en-CA" dirty="0"/>
+              <a:t> community is pretty friendly and responsive</a:t>
+            </a:r>
+          </a:p>
+          <a:p>
+            <a:endParaRPr lang="en-CA" dirty="0"/>
+          </a:p>
+          <a:p>
+            <a:r>
+              <a:rPr lang="en-CA" dirty="0"/>
+              <a:t>Books – check out the resources section at the end for some good ones</a:t>
+            </a:r>
+          </a:p>
+          <a:p>
+            <a:endParaRPr lang="en-CA" dirty="0"/>
+          </a:p>
+          <a:p>
+            <a:endParaRPr lang="en-US" dirty="0"/>
+          </a:p>
+        </p:txBody>
+      </p:sp>
+    </p:spTree>
+    <p:extLst>
+      <p:ext uri="{BB962C8B-B14F-4D97-AF65-F5344CB8AC3E}">
+        <p14:creationId xmlns:p14="http://schemas.microsoft.com/office/powerpoint/2010/main" val="2719216652"/>
+      </p:ext>
+    </p:extLst>
+  </p:cSld>
+  <p:clrMapOvr>
+    <a:masterClrMapping/>
+  </p:clrMapOvr>
+</p:sld>
+</file>
+
+<file path=ppt/slides/slide6.xml><?xml version="1.0" encoding="utf-8"?>
+<p:sld xmlns:a="http://schemas.openxmlformats.org/drawingml/2006/main" xmlns:r="http://schemas.openxmlformats.org/officeDocument/2006/relationships" xmlns:p="http://schemas.openxmlformats.org/presentationml/2006/main">
+  <p:cSld>
+    <p:spTree>
+      <p:nvGrpSpPr>
+        <p:cNvPr id="1" name=""/>
+        <p:cNvGrpSpPr/>
+        <p:nvPr/>
+      </p:nvGrpSpPr>
+      <p:grpSpPr>
+        <a:xfrm>
+          <a:off x="0" y="0"/>
+          <a:ext cx="0" cy="0"/>
+          <a:chOff x="0" y="0"/>
+          <a:chExt cx="0" cy="0"/>
+        </a:xfrm>
+      </p:grpSpPr>
+      <p:sp>
+        <p:nvSpPr>
+          <p:cNvPr id="2" name="Title 1">
+            <a:extLst>
+              <a:ext uri="{FF2B5EF4-FFF2-40B4-BE49-F238E27FC236}">
+                <a16:creationId xmlns:a16="http://schemas.microsoft.com/office/drawing/2014/main" id="{D0A8A79C-3C52-4246-888A-EA3533A1EDE3}"/>
+              </a:ext>
+            </a:extLst>
+          </p:cNvPr>
+          <p:cNvSpPr>
+            <a:spLocks noGrp="1"/>
+          </p:cNvSpPr>
+          <p:nvPr>
+            <p:ph type="title"/>
+          </p:nvPr>
+        </p:nvSpPr>
+        <p:spPr/>
+        <p:txBody>
+          <a:bodyPr/>
+          <a:lstStyle/>
+          <a:p>
+            <a:endParaRPr lang="en-US"/>
+          </a:p>
+        </p:txBody>
+      </p:sp>
+      <p:sp>
+        <p:nvSpPr>
+          <p:cNvPr id="3" name="Content Placeholder 2">
+            <a:extLst>
+              <a:ext uri="{FF2B5EF4-FFF2-40B4-BE49-F238E27FC236}">
+                <a16:creationId xmlns:a16="http://schemas.microsoft.com/office/drawing/2014/main" id="{E8C5BDBF-6AA1-48E1-9FF6-70D2D41B5971}"/>
+              </a:ext>
+            </a:extLst>
+          </p:cNvPr>
+          <p:cNvSpPr>
+            <a:spLocks noGrp="1"/>
+          </p:cNvSpPr>
+          <p:nvPr>
+            <p:ph idx="1"/>
+          </p:nvPr>
+        </p:nvSpPr>
+        <p:spPr/>
+        <p:txBody>
+          <a:bodyPr/>
+          <a:lstStyle/>
+          <a:p>
+            <a:endParaRPr lang="en-US"/>
+          </a:p>
+        </p:txBody>
+      </p:sp>
+    </p:spTree>
+    <p:extLst>
+      <p:ext uri="{BB962C8B-B14F-4D97-AF65-F5344CB8AC3E}">
+        <p14:creationId xmlns:p14="http://schemas.microsoft.com/office/powerpoint/2010/main" val="1319705431"/>
+      </p:ext>
+    </p:extLst>
+  </p:cSld>
+  <p:clrMapOvr>
+    <a:masterClrMapping/>
+  </p:clrMapOvr>
+</p:sld>
+</file>
+
+<file path=ppt/slides/slide7.xml><?xml version="1.0" encoding="utf-8"?>
+<p:sld xmlns:a="http://schemas.openxmlformats.org/drawingml/2006/main" xmlns:r="http://schemas.openxmlformats.org/officeDocument/2006/relationships" xmlns:p="http://schemas.openxmlformats.org/presentationml/2006/main">
+  <p:cSld>
+    <p:spTree>
+      <p:nvGrpSpPr>
+        <p:cNvPr id="1" name=""/>
+        <p:cNvGrpSpPr/>
+        <p:nvPr/>
+      </p:nvGrpSpPr>
+      <p:grpSpPr>
+        <a:xfrm>
+          <a:off x="0" y="0"/>
+          <a:ext cx="0" cy="0"/>
+          <a:chOff x="0" y="0"/>
+          <a:chExt cx="0" cy="0"/>
+        </a:xfrm>
+      </p:grpSpPr>
+      <p:sp>
+        <p:nvSpPr>
+          <p:cNvPr id="2" name="Title 1">
+            <a:extLst>
+              <a:ext uri="{FF2B5EF4-FFF2-40B4-BE49-F238E27FC236}">
+                <a16:creationId xmlns:a16="http://schemas.microsoft.com/office/drawing/2014/main" id="{494DEA53-3D56-4391-8250-31E77C4CD97D}"/>
+              </a:ext>
+            </a:extLst>
+          </p:cNvPr>
+          <p:cNvSpPr>
+            <a:spLocks noGrp="1"/>
+          </p:cNvSpPr>
+          <p:nvPr>
+            <p:ph type="title"/>
+          </p:nvPr>
+        </p:nvSpPr>
+        <p:spPr/>
+        <p:txBody>
+          <a:bodyPr/>
+          <a:lstStyle/>
+          <a:p>
+            <a:endParaRPr lang="en-US"/>
+          </a:p>
+        </p:txBody>
+      </p:sp>
+      <p:sp>
+        <p:nvSpPr>
+          <p:cNvPr id="3" name="Content Placeholder 2">
+            <a:extLst>
+              <a:ext uri="{FF2B5EF4-FFF2-40B4-BE49-F238E27FC236}">
+                <a16:creationId xmlns:a16="http://schemas.microsoft.com/office/drawing/2014/main" id="{D5876679-0D8E-46E7-9530-BE0FBC8B2420}"/>
+              </a:ext>
+            </a:extLst>
+          </p:cNvPr>
+          <p:cNvSpPr>
+            <a:spLocks noGrp="1"/>
+          </p:cNvSpPr>
+          <p:nvPr>
+            <p:ph idx="1"/>
+          </p:nvPr>
+        </p:nvSpPr>
+        <p:spPr/>
+        <p:txBody>
+          <a:bodyPr/>
+          <a:lstStyle/>
+          <a:p>
+            <a:endParaRPr lang="en-US"/>
+          </a:p>
+        </p:txBody>
+      </p:sp>
+    </p:spTree>
+    <p:extLst>
+      <p:ext uri="{BB962C8B-B14F-4D97-AF65-F5344CB8AC3E}">
+        <p14:creationId xmlns:p14="http://schemas.microsoft.com/office/powerpoint/2010/main" val="3989568792"/>
+      </p:ext>
+    </p:extLst>
+  </p:cSld>
+  <p:clrMapOvr>
+    <a:masterClrMapping/>
+  </p:clrMapOvr>
+</p:sld>
+</file>
+
+<file path=ppt/slides/slide8.xml><?xml version="1.0" encoding="utf-8"?>
+<p:sld xmlns:a="http://schemas.openxmlformats.org/drawingml/2006/main" xmlns:r="http://schemas.openxmlformats.org/officeDocument/2006/relationships" xmlns:p="http://schemas.openxmlformats.org/presentationml/2006/main">
+  <p:cSld>
+    <p:spTree>
+      <p:nvGrpSpPr>
+        <p:cNvPr id="1" name=""/>
+        <p:cNvGrpSpPr/>
+        <p:nvPr/>
+      </p:nvGrpSpPr>
+      <p:grpSpPr>
+        <a:xfrm>
+          <a:off x="0" y="0"/>
+          <a:ext cx="0" cy="0"/>
+          <a:chOff x="0" y="0"/>
+          <a:chExt cx="0" cy="0"/>
+        </a:xfrm>
+      </p:grpSpPr>
+      <p:sp>
+        <p:nvSpPr>
+          <p:cNvPr id="2" name="Title 1">
+            <a:extLst>
+              <a:ext uri="{FF2B5EF4-FFF2-40B4-BE49-F238E27FC236}">
+                <a16:creationId xmlns:a16="http://schemas.microsoft.com/office/drawing/2014/main" id="{36AC1023-7B18-4705-8424-B17B894F0250}"/>
+              </a:ext>
+            </a:extLst>
+          </p:cNvPr>
+          <p:cNvSpPr>
+            <a:spLocks noGrp="1"/>
+          </p:cNvSpPr>
+          <p:nvPr>
+            <p:ph type="title"/>
+          </p:nvPr>
+        </p:nvSpPr>
+        <p:spPr/>
+        <p:txBody>
+          <a:bodyPr/>
+          <a:lstStyle/>
+          <a:p>
+            <a:r>
+              <a:rPr lang="en-CA" dirty="0"/>
+              <a:t>Resources</a:t>
+            </a:r>
+            <a:endParaRPr lang="en-US" dirty="0"/>
+          </a:p>
+        </p:txBody>
+      </p:sp>
+      <p:sp>
+        <p:nvSpPr>
+          <p:cNvPr id="3" name="Content Placeholder 2">
+            <a:extLst>
+              <a:ext uri="{FF2B5EF4-FFF2-40B4-BE49-F238E27FC236}">
+                <a16:creationId xmlns:a16="http://schemas.microsoft.com/office/drawing/2014/main" id="{E32C73C2-8A9A-415C-9182-EDE714C2DF5D}"/>
+              </a:ext>
+            </a:extLst>
+          </p:cNvPr>
+          <p:cNvSpPr>
+            <a:spLocks noGrp="1"/>
+          </p:cNvSpPr>
+          <p:nvPr>
+            <p:ph idx="1"/>
+          </p:nvPr>
+        </p:nvSpPr>
+        <p:spPr>
+          <a:xfrm>
+            <a:off x="838200" y="1825625"/>
+            <a:ext cx="10515600" cy="4351338"/>
+          </a:xfrm>
+        </p:spPr>
+        <p:txBody>
+          <a:bodyPr>
+            <a:normAutofit/>
+          </a:bodyPr>
+          <a:lstStyle/>
+          <a:p>
+            <a:r>
+              <a:rPr lang="en-US" dirty="0"/>
+              <a:t>Burns. The R Inferno. https://www.burns-stat.com/pages/Tutor/R_inferno.pdf    </a:t>
+            </a:r>
+          </a:p>
+          <a:p>
+            <a:pPr lvl="1"/>
+            <a:r>
+              <a:rPr lang="en-US" dirty="0"/>
+              <a:t>Great resource that goes over common pitfalls that for the nine circles of R hell. Based loosely on Dante's Inferno.</a:t>
+            </a:r>
+          </a:p>
+          <a:p>
+            <a:r>
+              <a:rPr lang="en-US" dirty="0" err="1"/>
+              <a:t>Grolemund</a:t>
+            </a:r>
+            <a:r>
+              <a:rPr lang="en-US" dirty="0"/>
+              <a:t> &amp; Wickham. R for Data Science. https://r4ds.had.co.nz/    </a:t>
+            </a:r>
+          </a:p>
+          <a:p>
+            <a:pPr lvl="1"/>
+            <a:r>
+              <a:rPr lang="en-US" dirty="0"/>
+              <a:t>Solid resource for how to analyze data using R.</a:t>
+            </a:r>
+          </a:p>
+          <a:p>
+            <a:r>
+              <a:rPr lang="en-US" dirty="0"/>
+              <a:t>Long &amp; </a:t>
+            </a:r>
+            <a:r>
+              <a:rPr lang="en-US" dirty="0" err="1"/>
+              <a:t>Teetor</a:t>
+            </a:r>
+            <a:r>
+              <a:rPr lang="en-US" dirty="0"/>
+              <a:t>. R Cookbook. https://rc2e.com/    </a:t>
+            </a:r>
+          </a:p>
+          <a:p>
+            <a:pPr lvl="1"/>
+            <a:r>
+              <a:rPr lang="en-US" dirty="0"/>
+              <a:t>Solid resource for everything from using R to data visualization and statistics.</a:t>
+            </a:r>
+          </a:p>
+          <a:p>
+            <a:r>
+              <a:rPr lang="en-US" dirty="0"/>
+              <a:t>Wickham. Advanced R. http://adv-r.had.co.nz/    </a:t>
+            </a:r>
+          </a:p>
+          <a:p>
+            <a:pPr lvl="1"/>
+            <a:r>
+              <a:rPr lang="en-US" dirty="0"/>
+              <a:t>An excellent resource for those who want to start modifying R itself.</a:t>
+            </a:r>
+          </a:p>
+        </p:txBody>
+      </p:sp>
+    </p:spTree>
+    <p:extLst>
+      <p:ext uri="{BB962C8B-B14F-4D97-AF65-F5344CB8AC3E}">
+        <p14:creationId xmlns:p14="http://schemas.microsoft.com/office/powerpoint/2010/main" val="3253790593"/>
+      </p:ext>
+    </p:extLst>
+  </p:cSld>
+  <p:clrMapOvr>
+    <a:masterClrMapping/>
+  </p:clrMapOvr>
+</p:sld>
+</file>
+
 <file path=ppt/theme/theme1.xml><?xml version="1.0" encoding="utf-8"?>
 <a:theme xmlns:a="http://schemas.openxmlformats.org/drawingml/2006/main" name="Office Theme">
   <a:themeElements>

--- a/Beginner Workshop/Introductory Concepts in R.pptx
+++ b/Beginner Workshop/Introductory Concepts in R.pptx
@@ -8,11 +8,13 @@
     <p:sldId id="256" r:id="rId2"/>
     <p:sldId id="257" r:id="rId3"/>
     <p:sldId id="258" r:id="rId4"/>
-    <p:sldId id="259" r:id="rId5"/>
-    <p:sldId id="260" r:id="rId6"/>
-    <p:sldId id="261" r:id="rId7"/>
-    <p:sldId id="262" r:id="rId8"/>
-    <p:sldId id="263" r:id="rId9"/>
+    <p:sldId id="264" r:id="rId5"/>
+    <p:sldId id="259" r:id="rId6"/>
+    <p:sldId id="265" r:id="rId7"/>
+    <p:sldId id="260" r:id="rId8"/>
+    <p:sldId id="261" r:id="rId9"/>
+    <p:sldId id="262" r:id="rId10"/>
+    <p:sldId id="263" r:id="rId11"/>
   </p:sldIdLst>
   <p:sldSz cx="12192000" cy="6858000"/>
   <p:notesSz cx="6858000" cy="9144000"/>
@@ -123,11 +125,13 @@
         <p14:section name="R Projects and R Markdown" id="{EBAC49C4-D09F-419A-84A3-E7C1A9FF55D0}">
           <p14:sldIdLst>
             <p14:sldId id="258"/>
+            <p14:sldId id="264"/>
           </p14:sldIdLst>
         </p14:section>
         <p14:section name="Principles of Clean Coding" id="{4FEAD148-0483-4865-B4F3-57C236E15355}">
           <p14:sldIdLst>
             <p14:sldId id="259"/>
+            <p14:sldId id="265"/>
           </p14:sldIdLst>
         </p14:section>
         <p14:section name="Finding Help" id="{E70C57F1-D4D0-4A5F-B422-7EC6CFE09FDB}">
@@ -306,7 +310,7 @@
           <a:p>
             <a:fld id="{5F762F9F-E6EA-480B-A6EE-0D217F01FE68}" type="datetimeFigureOut">
               <a:rPr lang="en-US" smtClean="0"/>
-              <a:t>2/6/2020</a:t>
+              <a:t>2/12/2020</a:t>
             </a:fld>
             <a:endParaRPr lang="en-US"/>
           </a:p>
@@ -504,7 +508,7 @@
           <a:p>
             <a:fld id="{5F762F9F-E6EA-480B-A6EE-0D217F01FE68}" type="datetimeFigureOut">
               <a:rPr lang="en-US" smtClean="0"/>
-              <a:t>2/6/2020</a:t>
+              <a:t>2/12/2020</a:t>
             </a:fld>
             <a:endParaRPr lang="en-US"/>
           </a:p>
@@ -712,7 +716,7 @@
           <a:p>
             <a:fld id="{5F762F9F-E6EA-480B-A6EE-0D217F01FE68}" type="datetimeFigureOut">
               <a:rPr lang="en-US" smtClean="0"/>
-              <a:t>2/6/2020</a:t>
+              <a:t>2/12/2020</a:t>
             </a:fld>
             <a:endParaRPr lang="en-US"/>
           </a:p>
@@ -910,7 +914,7 @@
           <a:p>
             <a:fld id="{5F762F9F-E6EA-480B-A6EE-0D217F01FE68}" type="datetimeFigureOut">
               <a:rPr lang="en-US" smtClean="0"/>
-              <a:t>2/6/2020</a:t>
+              <a:t>2/12/2020</a:t>
             </a:fld>
             <a:endParaRPr lang="en-US"/>
           </a:p>
@@ -1185,7 +1189,7 @@
           <a:p>
             <a:fld id="{5F762F9F-E6EA-480B-A6EE-0D217F01FE68}" type="datetimeFigureOut">
               <a:rPr lang="en-US" smtClean="0"/>
-              <a:t>2/6/2020</a:t>
+              <a:t>2/12/2020</a:t>
             </a:fld>
             <a:endParaRPr lang="en-US"/>
           </a:p>
@@ -1450,7 +1454,7 @@
           <a:p>
             <a:fld id="{5F762F9F-E6EA-480B-A6EE-0D217F01FE68}" type="datetimeFigureOut">
               <a:rPr lang="en-US" smtClean="0"/>
-              <a:t>2/6/2020</a:t>
+              <a:t>2/12/2020</a:t>
             </a:fld>
             <a:endParaRPr lang="en-US"/>
           </a:p>
@@ -1862,7 +1866,7 @@
           <a:p>
             <a:fld id="{5F762F9F-E6EA-480B-A6EE-0D217F01FE68}" type="datetimeFigureOut">
               <a:rPr lang="en-US" smtClean="0"/>
-              <a:t>2/6/2020</a:t>
+              <a:t>2/12/2020</a:t>
             </a:fld>
             <a:endParaRPr lang="en-US"/>
           </a:p>
@@ -2003,7 +2007,7 @@
           <a:p>
             <a:fld id="{5F762F9F-E6EA-480B-A6EE-0D217F01FE68}" type="datetimeFigureOut">
               <a:rPr lang="en-US" smtClean="0"/>
-              <a:t>2/6/2020</a:t>
+              <a:t>2/12/2020</a:t>
             </a:fld>
             <a:endParaRPr lang="en-US"/>
           </a:p>
@@ -2116,7 +2120,7 @@
           <a:p>
             <a:fld id="{5F762F9F-E6EA-480B-A6EE-0D217F01FE68}" type="datetimeFigureOut">
               <a:rPr lang="en-US" smtClean="0"/>
-              <a:t>2/6/2020</a:t>
+              <a:t>2/12/2020</a:t>
             </a:fld>
             <a:endParaRPr lang="en-US"/>
           </a:p>
@@ -2427,7 +2431,7 @@
           <a:p>
             <a:fld id="{5F762F9F-E6EA-480B-A6EE-0D217F01FE68}" type="datetimeFigureOut">
               <a:rPr lang="en-US" smtClean="0"/>
-              <a:t>2/6/2020</a:t>
+              <a:t>2/12/2020</a:t>
             </a:fld>
             <a:endParaRPr lang="en-US"/>
           </a:p>
@@ -2715,7 +2719,7 @@
           <a:p>
             <a:fld id="{5F762F9F-E6EA-480B-A6EE-0D217F01FE68}" type="datetimeFigureOut">
               <a:rPr lang="en-US" smtClean="0"/>
-              <a:t>2/6/2020</a:t>
+              <a:t>2/12/2020</a:t>
             </a:fld>
             <a:endParaRPr lang="en-US"/>
           </a:p>
@@ -2956,7 +2960,7 @@
           <a:p>
             <a:fld id="{5F762F9F-E6EA-480B-A6EE-0D217F01FE68}" type="datetimeFigureOut">
               <a:rPr lang="en-US" smtClean="0"/>
-              <a:t>2/6/2020</a:t>
+              <a:t>2/12/2020</a:t>
             </a:fld>
             <a:endParaRPr lang="en-US"/>
           </a:p>
@@ -3456,6 +3460,158 @@
 </p:sld>
 </file>
 
+<file path=ppt/slides/slide10.xml><?xml version="1.0" encoding="utf-8"?>
+<p:sld xmlns:a="http://schemas.openxmlformats.org/drawingml/2006/main" xmlns:r="http://schemas.openxmlformats.org/officeDocument/2006/relationships" xmlns:p="http://schemas.openxmlformats.org/presentationml/2006/main">
+  <p:cSld>
+    <p:spTree>
+      <p:nvGrpSpPr>
+        <p:cNvPr id="1" name=""/>
+        <p:cNvGrpSpPr/>
+        <p:nvPr/>
+      </p:nvGrpSpPr>
+      <p:grpSpPr>
+        <a:xfrm>
+          <a:off x="0" y="0"/>
+          <a:ext cx="0" cy="0"/>
+          <a:chOff x="0" y="0"/>
+          <a:chExt cx="0" cy="0"/>
+        </a:xfrm>
+      </p:grpSpPr>
+      <p:sp>
+        <p:nvSpPr>
+          <p:cNvPr id="2" name="Title 1">
+            <a:extLst>
+              <a:ext uri="{FF2B5EF4-FFF2-40B4-BE49-F238E27FC236}">
+                <a16:creationId xmlns:a16="http://schemas.microsoft.com/office/drawing/2014/main" id="{36AC1023-7B18-4705-8424-B17B894F0250}"/>
+              </a:ext>
+            </a:extLst>
+          </p:cNvPr>
+          <p:cNvSpPr>
+            <a:spLocks noGrp="1"/>
+          </p:cNvSpPr>
+          <p:nvPr>
+            <p:ph type="title"/>
+          </p:nvPr>
+        </p:nvSpPr>
+        <p:spPr/>
+        <p:txBody>
+          <a:bodyPr/>
+          <a:lstStyle/>
+          <a:p>
+            <a:r>
+              <a:rPr lang="en-CA" dirty="0"/>
+              <a:t>Resources</a:t>
+            </a:r>
+            <a:endParaRPr lang="en-US" dirty="0"/>
+          </a:p>
+        </p:txBody>
+      </p:sp>
+      <p:sp>
+        <p:nvSpPr>
+          <p:cNvPr id="3" name="Content Placeholder 2">
+            <a:extLst>
+              <a:ext uri="{FF2B5EF4-FFF2-40B4-BE49-F238E27FC236}">
+                <a16:creationId xmlns:a16="http://schemas.microsoft.com/office/drawing/2014/main" id="{E32C73C2-8A9A-415C-9182-EDE714C2DF5D}"/>
+              </a:ext>
+            </a:extLst>
+          </p:cNvPr>
+          <p:cNvSpPr>
+            <a:spLocks noGrp="1"/>
+          </p:cNvSpPr>
+          <p:nvPr>
+            <p:ph idx="1"/>
+          </p:nvPr>
+        </p:nvSpPr>
+        <p:spPr>
+          <a:xfrm>
+            <a:off x="838200" y="1825625"/>
+            <a:ext cx="10515600" cy="4351338"/>
+          </a:xfrm>
+        </p:spPr>
+        <p:txBody>
+          <a:bodyPr>
+            <a:normAutofit/>
+          </a:bodyPr>
+          <a:lstStyle/>
+          <a:p>
+            <a:r>
+              <a:rPr lang="en-US" dirty="0"/>
+              <a:t>Burns. The R Inferno. https://www.burns-stat.com/pages/Tutor/R_inferno.pdf    </a:t>
+            </a:r>
+          </a:p>
+          <a:p>
+            <a:pPr lvl="1"/>
+            <a:r>
+              <a:rPr lang="en-US" dirty="0"/>
+              <a:t>Great resource that goes over common pitfalls that for the nine circles of R hell. Based loosely on Dante's Inferno.</a:t>
+            </a:r>
+          </a:p>
+          <a:p>
+            <a:r>
+              <a:rPr lang="en-US" dirty="0" err="1"/>
+              <a:t>Grolemund</a:t>
+            </a:r>
+            <a:r>
+              <a:rPr lang="en-US" dirty="0"/>
+              <a:t> &amp; Wickham. R for Data Science. https://r4ds.had.co.nz/    </a:t>
+            </a:r>
+          </a:p>
+          <a:p>
+            <a:pPr lvl="1"/>
+            <a:r>
+              <a:rPr lang="en-US" dirty="0"/>
+              <a:t>Solid resource for how to analyze data using R.</a:t>
+            </a:r>
+          </a:p>
+          <a:p>
+            <a:r>
+              <a:rPr lang="en-US" dirty="0"/>
+              <a:t>Long &amp; </a:t>
+            </a:r>
+            <a:r>
+              <a:rPr lang="en-US" dirty="0" err="1"/>
+              <a:t>Teetor</a:t>
+            </a:r>
+            <a:r>
+              <a:rPr lang="en-US" dirty="0"/>
+              <a:t>. R Cookbook. https://rc2e.com/    </a:t>
+            </a:r>
+          </a:p>
+          <a:p>
+            <a:pPr lvl="1"/>
+            <a:r>
+              <a:rPr lang="en-US" dirty="0"/>
+              <a:t>Solid resource for everything from using R to data visualization and statistics.</a:t>
+            </a:r>
+          </a:p>
+          <a:p>
+            <a:r>
+              <a:rPr lang="en-US" dirty="0"/>
+              <a:t>Wickham. Advanced R. http://adv-r.had.co.nz/    </a:t>
+            </a:r>
+          </a:p>
+          <a:p>
+            <a:pPr lvl="1"/>
+            <a:r>
+              <a:rPr lang="en-US" dirty="0"/>
+              <a:t>An excellent resource for those who want to start modifying R itself.</a:t>
+            </a:r>
+          </a:p>
+        </p:txBody>
+      </p:sp>
+    </p:spTree>
+    <p:extLst>
+      <p:ext uri="{BB962C8B-B14F-4D97-AF65-F5344CB8AC3E}">
+        <p14:creationId xmlns:p14="http://schemas.microsoft.com/office/powerpoint/2010/main" val="3253790593"/>
+      </p:ext>
+    </p:extLst>
+  </p:cSld>
+  <p:clrMapOvr>
+    <a:masterClrMapping/>
+  </p:clrMapOvr>
+</p:sld>
+</file>
+
 <file path=ppt/slides/slide2.xml><?xml version="1.0" encoding="utf-8"?>
 <p:sld xmlns:a="http://schemas.openxmlformats.org/drawingml/2006/main" xmlns:r="http://schemas.openxmlformats.org/officeDocument/2006/relationships" xmlns:p="http://schemas.openxmlformats.org/presentationml/2006/main">
   <p:cSld>
@@ -3597,6 +3753,10 @@
           <a:bodyPr/>
           <a:lstStyle/>
           <a:p>
+            <a:r>
+              <a:rPr lang="en-CA" dirty="0"/>
+              <a:t>R Projects</a:t>
+            </a:r>
             <a:endParaRPr lang="en-US" dirty="0"/>
           </a:p>
         </p:txBody>
@@ -3622,7 +3782,58 @@
           <a:bodyPr/>
           <a:lstStyle/>
           <a:p>
-            <a:endParaRPr lang="en-US"/>
+            <a:r>
+              <a:rPr lang="en-CA" dirty="0"/>
+              <a:t>R projects are a convenient tool to keep your code and data together in one place</a:t>
+            </a:r>
+          </a:p>
+          <a:p>
+            <a:endParaRPr lang="en-CA" dirty="0"/>
+          </a:p>
+          <a:p>
+            <a:r>
+              <a:rPr lang="en-CA" dirty="0"/>
+              <a:t>Automatically sets the working directory, saving potential headaches</a:t>
+            </a:r>
+          </a:p>
+          <a:p>
+            <a:endParaRPr lang="en-CA" dirty="0"/>
+          </a:p>
+          <a:p>
+            <a:r>
+              <a:rPr lang="en-CA" dirty="0"/>
+              <a:t>When you save &amp; close RStudio for the day, opening the .</a:t>
+            </a:r>
+            <a:r>
+              <a:rPr lang="en-CA" dirty="0" err="1"/>
+              <a:t>Rproj</a:t>
+            </a:r>
+            <a:r>
+              <a:rPr lang="en-CA" dirty="0"/>
+              <a:t> file will return you to the last code file you were working with</a:t>
+            </a:r>
+          </a:p>
+          <a:p>
+            <a:endParaRPr lang="en-CA" dirty="0"/>
+          </a:p>
+          <a:p>
+            <a:r>
+              <a:rPr lang="en-CA" dirty="0"/>
+              <a:t>Live example of using .</a:t>
+            </a:r>
+            <a:r>
+              <a:rPr lang="en-CA" dirty="0" err="1"/>
+              <a:t>RProj</a:t>
+            </a:r>
+            <a:r>
+              <a:rPr lang="en-CA" dirty="0"/>
+              <a:t>, creating .</a:t>
+            </a:r>
+            <a:r>
+              <a:rPr lang="en-CA" dirty="0" err="1"/>
+              <a:t>RProj</a:t>
+            </a:r>
+            <a:endParaRPr lang="en-US" dirty="0"/>
           </a:p>
         </p:txBody>
       </p:sp>
@@ -3661,7 +3872,7 @@
           <p:cNvPr id="2" name="Title 1">
             <a:extLst>
               <a:ext uri="{FF2B5EF4-FFF2-40B4-BE49-F238E27FC236}">
-                <a16:creationId xmlns:a16="http://schemas.microsoft.com/office/drawing/2014/main" id="{D084B736-440B-42AD-970B-6E335B51E270}"/>
+                <a16:creationId xmlns:a16="http://schemas.microsoft.com/office/drawing/2014/main" id="{AE13BFD9-ECA5-4BC3-84B4-125243760515}"/>
               </a:ext>
             </a:extLst>
           </p:cNvPr>
@@ -3679,7 +3890,7 @@
           <a:p>
             <a:r>
               <a:rPr lang="en-CA" dirty="0"/>
-              <a:t>Principles of Clean Coding</a:t>
+              <a:t>R Markdown</a:t>
             </a:r>
             <a:endParaRPr lang="en-US" dirty="0"/>
           </a:p>
@@ -3690,7 +3901,7 @@
           <p:cNvPr id="3" name="Content Placeholder 2">
             <a:extLst>
               <a:ext uri="{FF2B5EF4-FFF2-40B4-BE49-F238E27FC236}">
-                <a16:creationId xmlns:a16="http://schemas.microsoft.com/office/drawing/2014/main" id="{FBFB55E0-2F63-437C-8FA7-8AD34C79A8E3}"/>
+                <a16:creationId xmlns:a16="http://schemas.microsoft.com/office/drawing/2014/main" id="{528764D8-500F-4CEE-A7EE-480DF4C98240}"/>
               </a:ext>
             </a:extLst>
           </p:cNvPr>
@@ -3706,14 +3917,27 @@
           <a:bodyPr/>
           <a:lstStyle/>
           <a:p>
-            <a:endParaRPr lang="en-US"/>
+            <a:r>
+              <a:rPr lang="en-CA" dirty="0"/>
+              <a:t>Allows formatting of text and code</a:t>
+            </a:r>
+          </a:p>
+          <a:p>
+            <a:endParaRPr lang="en-CA" dirty="0"/>
+          </a:p>
+          <a:p>
+            <a:r>
+              <a:rPr lang="en-CA" dirty="0"/>
+              <a:t>Can separate code into chunks – useful for troubleshooting</a:t>
+            </a:r>
+            <a:endParaRPr lang="en-US" dirty="0"/>
           </a:p>
         </p:txBody>
       </p:sp>
     </p:spTree>
     <p:extLst>
       <p:ext uri="{BB962C8B-B14F-4D97-AF65-F5344CB8AC3E}">
-        <p14:creationId xmlns:p14="http://schemas.microsoft.com/office/powerpoint/2010/main" val="2060947819"/>
+        <p14:creationId xmlns:p14="http://schemas.microsoft.com/office/powerpoint/2010/main" val="613447008"/>
       </p:ext>
     </p:extLst>
   </p:cSld>
@@ -3745,7 +3969,7 @@
           <p:cNvPr id="2" name="Title 1">
             <a:extLst>
               <a:ext uri="{FF2B5EF4-FFF2-40B4-BE49-F238E27FC236}">
-                <a16:creationId xmlns:a16="http://schemas.microsoft.com/office/drawing/2014/main" id="{61D9DC3D-7038-4887-98E3-3B0C7F5C9965}"/>
+                <a16:creationId xmlns:a16="http://schemas.microsoft.com/office/drawing/2014/main" id="{D084B736-440B-42AD-970B-6E335B51E270}"/>
               </a:ext>
             </a:extLst>
           </p:cNvPr>
@@ -3763,7 +3987,7 @@
           <a:p>
             <a:r>
               <a:rPr lang="en-CA" dirty="0"/>
-              <a:t>Finding Help in R</a:t>
+              <a:t>Principles of Clean Coding</a:t>
             </a:r>
             <a:endParaRPr lang="en-US" dirty="0"/>
           </a:p>
@@ -3774,7 +3998,7 @@
           <p:cNvPr id="3" name="Content Placeholder 2">
             <a:extLst>
               <a:ext uri="{FF2B5EF4-FFF2-40B4-BE49-F238E27FC236}">
-                <a16:creationId xmlns:a16="http://schemas.microsoft.com/office/drawing/2014/main" id="{8750FB0C-EF35-44A6-A643-F0776007D555}"/>
+                <a16:creationId xmlns:a16="http://schemas.microsoft.com/office/drawing/2014/main" id="{FBFB55E0-2F63-437C-8FA7-8AD34C79A8E3}"/>
               </a:ext>
             </a:extLst>
           </p:cNvPr>
@@ -3788,71 +4012,39 @@
         <p:spPr/>
         <p:txBody>
           <a:bodyPr>
-            <a:normAutofit fontScale="92500" lnSpcReduction="10000"/>
+            <a:normAutofit/>
           </a:bodyPr>
           <a:lstStyle/>
           <a:p>
+            <a:pPr lvl="0"/>
             <a:r>
               <a:rPr lang="en-CA" dirty="0"/>
-              <a:t>R itself – typing ? before a function will open the help file</a:t>
-            </a:r>
-          </a:p>
-          <a:p>
+              <a:t>Clean coding starts in the lab</a:t>
+            </a:r>
+          </a:p>
+          <a:p>
+            <a:pPr lvl="1"/>
+            <a:r>
+              <a:rPr lang="en-CA" dirty="0"/>
+              <a:t>Coherent labeling and tracking of samples</a:t>
+            </a:r>
+          </a:p>
+          <a:p>
+            <a:pPr lvl="1"/>
+            <a:r>
+              <a:rPr lang="en-CA" dirty="0"/>
+              <a:t>Consistent sample and file naming system</a:t>
+            </a:r>
+          </a:p>
+          <a:p>
+            <a:pPr lvl="1"/>
             <a:endParaRPr lang="en-CA" dirty="0"/>
           </a:p>
           <a:p>
             <a:r>
               <a:rPr lang="en-CA" dirty="0"/>
-              <a:t>Package website on CRAN, GitHub, or </a:t>
-            </a:r>
-            <a:r>
-              <a:rPr lang="en-CA" dirty="0" err="1"/>
-              <a:t>BitBucket</a:t>
-            </a:r>
-            <a:r>
-              <a:rPr lang="en-CA" dirty="0"/>
-              <a:t> – Packages often have vignettes that show you how to use them!</a:t>
-            </a:r>
-          </a:p>
-          <a:p>
-            <a:endParaRPr lang="en-CA" dirty="0"/>
-          </a:p>
-          <a:p>
-            <a:r>
-              <a:rPr lang="en-CA" dirty="0"/>
-              <a:t>Google – Stack Exchange and various blogs address many issues in R</a:t>
-            </a:r>
-          </a:p>
-          <a:p>
-            <a:endParaRPr lang="en-CA" dirty="0"/>
-          </a:p>
-          <a:p>
-            <a:r>
-              <a:rPr lang="en-CA" dirty="0"/>
-              <a:t>Twitter – the #</a:t>
-            </a:r>
-            <a:r>
-              <a:rPr lang="en-CA" dirty="0" err="1"/>
-              <a:t>rstats</a:t>
-            </a:r>
-            <a:r>
-              <a:rPr lang="en-CA" dirty="0"/>
-              <a:t> community is pretty friendly and responsive</a:t>
-            </a:r>
-          </a:p>
-          <a:p>
-            <a:endParaRPr lang="en-CA" dirty="0"/>
-          </a:p>
-          <a:p>
-            <a:r>
-              <a:rPr lang="en-CA" dirty="0"/>
-              <a:t>Books – check out the resources section at the end for some good ones</a:t>
-            </a:r>
-          </a:p>
-          <a:p>
-            <a:endParaRPr lang="en-CA" dirty="0"/>
-          </a:p>
-          <a:p>
+              <a:t>Makes your life a lot easier during data analysis</a:t>
+            </a:r>
             <a:endParaRPr lang="en-US" dirty="0"/>
           </a:p>
         </p:txBody>
@@ -3860,7 +4052,7 @@
     </p:spTree>
     <p:extLst>
       <p:ext uri="{BB962C8B-B14F-4D97-AF65-F5344CB8AC3E}">
-        <p14:creationId xmlns:p14="http://schemas.microsoft.com/office/powerpoint/2010/main" val="2719216652"/>
+        <p14:creationId xmlns:p14="http://schemas.microsoft.com/office/powerpoint/2010/main" val="2060947819"/>
       </p:ext>
     </p:extLst>
   </p:cSld>
@@ -3892,7 +4084,7 @@
           <p:cNvPr id="2" name="Title 1">
             <a:extLst>
               <a:ext uri="{FF2B5EF4-FFF2-40B4-BE49-F238E27FC236}">
-                <a16:creationId xmlns:a16="http://schemas.microsoft.com/office/drawing/2014/main" id="{D0A8A79C-3C52-4246-888A-EA3533A1EDE3}"/>
+                <a16:creationId xmlns:a16="http://schemas.microsoft.com/office/drawing/2014/main" id="{D084B736-440B-42AD-970B-6E335B51E270}"/>
               </a:ext>
             </a:extLst>
           </p:cNvPr>
@@ -3908,7 +4100,11 @@
           <a:bodyPr/>
           <a:lstStyle/>
           <a:p>
-            <a:endParaRPr lang="en-US"/>
+            <a:r>
+              <a:rPr lang="en-CA" dirty="0"/>
+              <a:t>Principles of Clean Coding</a:t>
+            </a:r>
+            <a:endParaRPr lang="en-US" dirty="0"/>
           </a:p>
         </p:txBody>
       </p:sp>
@@ -3917,7 +4113,7 @@
           <p:cNvPr id="3" name="Content Placeholder 2">
             <a:extLst>
               <a:ext uri="{FF2B5EF4-FFF2-40B4-BE49-F238E27FC236}">
-                <a16:creationId xmlns:a16="http://schemas.microsoft.com/office/drawing/2014/main" id="{E8C5BDBF-6AA1-48E1-9FF6-70D2D41B5971}"/>
+                <a16:creationId xmlns:a16="http://schemas.microsoft.com/office/drawing/2014/main" id="{FBFB55E0-2F63-437C-8FA7-8AD34C79A8E3}"/>
               </a:ext>
             </a:extLst>
           </p:cNvPr>
@@ -3930,17 +4126,58 @@
         </p:nvSpPr>
         <p:spPr/>
         <p:txBody>
-          <a:bodyPr/>
-          <a:lstStyle/>
-          <a:p>
-            <a:endParaRPr lang="en-US"/>
+          <a:bodyPr>
+            <a:normAutofit/>
+          </a:bodyPr>
+          <a:lstStyle/>
+          <a:p>
+            <a:pPr lvl="0"/>
+            <a:r>
+              <a:rPr lang="en-CA" b="1" dirty="0"/>
+              <a:t>Consistency: </a:t>
+            </a:r>
+            <a:r>
+              <a:rPr lang="en-CA" dirty="0"/>
+              <a:t>standardize your variable and function names. Use the same names across R scripts</a:t>
+            </a:r>
+          </a:p>
+          <a:p>
+            <a:pPr lvl="0"/>
+            <a:endParaRPr lang="en-CA" dirty="0"/>
+          </a:p>
+          <a:p>
+            <a:pPr lvl="0"/>
+            <a:r>
+              <a:rPr lang="en-CA" b="1" dirty="0"/>
+              <a:t>Modularity: </a:t>
+            </a:r>
+            <a:r>
+              <a:rPr lang="en-CA" dirty="0"/>
+              <a:t>whenever possible, reduce your code to the minimum functional unit. </a:t>
+            </a:r>
+          </a:p>
+          <a:p>
+            <a:pPr lvl="0"/>
+            <a:endParaRPr lang="en-CA" dirty="0"/>
+          </a:p>
+          <a:p>
+            <a:pPr lvl="0"/>
+            <a:r>
+              <a:rPr lang="en-CA" b="1" dirty="0"/>
+              <a:t>Exhaustive annotations:</a:t>
+            </a:r>
+            <a:r>
+              <a:rPr lang="en-CA" dirty="0"/>
+              <a:t> use frequent comments to describe what the code is doing. </a:t>
+            </a:r>
+            <a:endParaRPr lang="en-US" dirty="0"/>
           </a:p>
         </p:txBody>
       </p:sp>
     </p:spTree>
     <p:extLst>
       <p:ext uri="{BB962C8B-B14F-4D97-AF65-F5344CB8AC3E}">
-        <p14:creationId xmlns:p14="http://schemas.microsoft.com/office/powerpoint/2010/main" val="1319705431"/>
+        <p14:creationId xmlns:p14="http://schemas.microsoft.com/office/powerpoint/2010/main" val="2819217753"/>
       </p:ext>
     </p:extLst>
   </p:cSld>
@@ -3972,7 +4209,7 @@
           <p:cNvPr id="2" name="Title 1">
             <a:extLst>
               <a:ext uri="{FF2B5EF4-FFF2-40B4-BE49-F238E27FC236}">
-                <a16:creationId xmlns:a16="http://schemas.microsoft.com/office/drawing/2014/main" id="{494DEA53-3D56-4391-8250-31E77C4CD97D}"/>
+                <a16:creationId xmlns:a16="http://schemas.microsoft.com/office/drawing/2014/main" id="{61D9DC3D-7038-4887-98E3-3B0C7F5C9965}"/>
               </a:ext>
             </a:extLst>
           </p:cNvPr>
@@ -3988,7 +4225,11 @@
           <a:bodyPr/>
           <a:lstStyle/>
           <a:p>
-            <a:endParaRPr lang="en-US"/>
+            <a:r>
+              <a:rPr lang="en-CA" dirty="0"/>
+              <a:t>Finding Help in R</a:t>
+            </a:r>
+            <a:endParaRPr lang="en-US" dirty="0"/>
           </a:p>
         </p:txBody>
       </p:sp>
@@ -3997,7 +4238,7 @@
           <p:cNvPr id="3" name="Content Placeholder 2">
             <a:extLst>
               <a:ext uri="{FF2B5EF4-FFF2-40B4-BE49-F238E27FC236}">
-                <a16:creationId xmlns:a16="http://schemas.microsoft.com/office/drawing/2014/main" id="{D5876679-0D8E-46E7-9530-BE0FBC8B2420}"/>
+                <a16:creationId xmlns:a16="http://schemas.microsoft.com/office/drawing/2014/main" id="{8750FB0C-EF35-44A6-A643-F0776007D555}"/>
               </a:ext>
             </a:extLst>
           </p:cNvPr>
@@ -4010,17 +4251,80 @@
         </p:nvSpPr>
         <p:spPr/>
         <p:txBody>
-          <a:bodyPr/>
-          <a:lstStyle/>
-          <a:p>
-            <a:endParaRPr lang="en-US"/>
+          <a:bodyPr>
+            <a:normAutofit fontScale="92500" lnSpcReduction="10000"/>
+          </a:bodyPr>
+          <a:lstStyle/>
+          <a:p>
+            <a:r>
+              <a:rPr lang="en-CA" dirty="0"/>
+              <a:t>R itself – typing ? before a function will open the help file</a:t>
+            </a:r>
+          </a:p>
+          <a:p>
+            <a:endParaRPr lang="en-CA" dirty="0"/>
+          </a:p>
+          <a:p>
+            <a:r>
+              <a:rPr lang="en-CA" dirty="0"/>
+              <a:t>Package website on CRAN, GitHub, or </a:t>
+            </a:r>
+            <a:r>
+              <a:rPr lang="en-CA" dirty="0" err="1"/>
+              <a:t>BitBucket</a:t>
+            </a:r>
+            <a:r>
+              <a:rPr lang="en-CA" dirty="0"/>
+              <a:t> – Packages often have vignettes that show you how to use them!</a:t>
+            </a:r>
+          </a:p>
+          <a:p>
+            <a:endParaRPr lang="en-CA" dirty="0"/>
+          </a:p>
+          <a:p>
+            <a:r>
+              <a:rPr lang="en-CA" dirty="0"/>
+              <a:t>Google – Stack Exchange and various blogs address many issues in R</a:t>
+            </a:r>
+          </a:p>
+          <a:p>
+            <a:endParaRPr lang="en-CA" dirty="0"/>
+          </a:p>
+          <a:p>
+            <a:r>
+              <a:rPr lang="en-CA" dirty="0"/>
+              <a:t>Twitter – the #</a:t>
+            </a:r>
+            <a:r>
+              <a:rPr lang="en-CA" dirty="0" err="1"/>
+              <a:t>rstats</a:t>
+            </a:r>
+            <a:r>
+              <a:rPr lang="en-CA" dirty="0"/>
+              <a:t> community is pretty friendly and responsive</a:t>
+            </a:r>
+          </a:p>
+          <a:p>
+            <a:endParaRPr lang="en-CA" dirty="0"/>
+          </a:p>
+          <a:p>
+            <a:r>
+              <a:rPr lang="en-CA" dirty="0"/>
+              <a:t>Books – check out the resources section at the end for some good ones</a:t>
+            </a:r>
+          </a:p>
+          <a:p>
+            <a:endParaRPr lang="en-CA" dirty="0"/>
+          </a:p>
+          <a:p>
+            <a:endParaRPr lang="en-US" dirty="0"/>
           </a:p>
         </p:txBody>
       </p:sp>
     </p:spTree>
     <p:extLst>
       <p:ext uri="{BB962C8B-B14F-4D97-AF65-F5344CB8AC3E}">
-        <p14:creationId xmlns:p14="http://schemas.microsoft.com/office/powerpoint/2010/main" val="3989568792"/>
+        <p14:creationId xmlns:p14="http://schemas.microsoft.com/office/powerpoint/2010/main" val="2719216652"/>
       </p:ext>
     </p:extLst>
   </p:cSld>
@@ -4052,7 +4356,7 @@
           <p:cNvPr id="2" name="Title 1">
             <a:extLst>
               <a:ext uri="{FF2B5EF4-FFF2-40B4-BE49-F238E27FC236}">
-                <a16:creationId xmlns:a16="http://schemas.microsoft.com/office/drawing/2014/main" id="{36AC1023-7B18-4705-8424-B17B894F0250}"/>
+                <a16:creationId xmlns:a16="http://schemas.microsoft.com/office/drawing/2014/main" id="{D0A8A79C-3C52-4246-888A-EA3533A1EDE3}"/>
               </a:ext>
             </a:extLst>
           </p:cNvPr>
@@ -4070,7 +4374,7 @@
           <a:p>
             <a:r>
               <a:rPr lang="en-CA" dirty="0"/>
-              <a:t>Resources</a:t>
+              <a:t>Common Mistakes</a:t>
             </a:r>
             <a:endParaRPr lang="en-US" dirty="0"/>
           </a:p>
@@ -4081,7 +4385,7 @@
           <p:cNvPr id="3" name="Content Placeholder 2">
             <a:extLst>
               <a:ext uri="{FF2B5EF4-FFF2-40B4-BE49-F238E27FC236}">
-                <a16:creationId xmlns:a16="http://schemas.microsoft.com/office/drawing/2014/main" id="{E32C73C2-8A9A-415C-9182-EDE714C2DF5D}"/>
+                <a16:creationId xmlns:a16="http://schemas.microsoft.com/office/drawing/2014/main" id="{E8C5BDBF-6AA1-48E1-9FF6-70D2D41B5971}"/>
               </a:ext>
             </a:extLst>
           </p:cNvPr>
@@ -4092,87 +4396,126 @@
             <p:ph idx="1"/>
           </p:nvPr>
         </p:nvSpPr>
-        <p:spPr>
-          <a:xfrm>
-            <a:off x="838200" y="1825625"/>
-            <a:ext cx="10515600" cy="4351338"/>
-          </a:xfrm>
-        </p:spPr>
-        <p:txBody>
-          <a:bodyPr>
-            <a:normAutofit/>
-          </a:bodyPr>
-          <a:lstStyle/>
-          <a:p>
-            <a:r>
-              <a:rPr lang="en-US" dirty="0"/>
-              <a:t>Burns. The R Inferno. https://www.burns-stat.com/pages/Tutor/R_inferno.pdf    </a:t>
-            </a:r>
-          </a:p>
-          <a:p>
-            <a:pPr lvl="1"/>
-            <a:r>
-              <a:rPr lang="en-US" dirty="0"/>
-              <a:t>Great resource that goes over common pitfalls that for the nine circles of R hell. Based loosely on Dante's Inferno.</a:t>
-            </a:r>
-          </a:p>
-          <a:p>
-            <a:r>
-              <a:rPr lang="en-US" dirty="0" err="1"/>
-              <a:t>Grolemund</a:t>
-            </a:r>
-            <a:r>
-              <a:rPr lang="en-US" dirty="0"/>
-              <a:t> &amp; Wickham. R for Data Science. https://r4ds.had.co.nz/    </a:t>
-            </a:r>
-          </a:p>
-          <a:p>
-            <a:pPr lvl="1"/>
-            <a:r>
-              <a:rPr lang="en-US" dirty="0"/>
-              <a:t>Solid resource for how to analyze data using R.</a:t>
-            </a:r>
-          </a:p>
-          <a:p>
-            <a:r>
-              <a:rPr lang="en-US" dirty="0"/>
-              <a:t>Long &amp; </a:t>
-            </a:r>
-            <a:r>
-              <a:rPr lang="en-US" dirty="0" err="1"/>
-              <a:t>Teetor</a:t>
-            </a:r>
-            <a:r>
-              <a:rPr lang="en-US" dirty="0"/>
-              <a:t>. R Cookbook. https://rc2e.com/    </a:t>
-            </a:r>
-          </a:p>
-          <a:p>
-            <a:pPr lvl="1"/>
-            <a:r>
-              <a:rPr lang="en-US" dirty="0"/>
-              <a:t>Solid resource for everything from using R to data visualization and statistics.</a:t>
-            </a:r>
-          </a:p>
-          <a:p>
-            <a:r>
-              <a:rPr lang="en-US" dirty="0"/>
-              <a:t>Wickham. Advanced R. http://adv-r.had.co.nz/    </a:t>
-            </a:r>
-          </a:p>
-          <a:p>
-            <a:pPr lvl="1"/>
-            <a:r>
-              <a:rPr lang="en-US" dirty="0"/>
-              <a:t>An excellent resource for those who want to start modifying R itself.</a:t>
-            </a:r>
+        <p:spPr/>
+        <p:txBody>
+          <a:bodyPr/>
+          <a:lstStyle/>
+          <a:p>
+            <a:r>
+              <a:rPr lang="en-CA" dirty="0"/>
+              <a:t>Rogue or misplaced commas</a:t>
+            </a:r>
+          </a:p>
+          <a:p>
+            <a:endParaRPr lang="en-CA" dirty="0"/>
+          </a:p>
+          <a:p>
+            <a:r>
+              <a:rPr lang="en-CA" dirty="0"/>
+              <a:t>Mis-formatted data</a:t>
+            </a:r>
+          </a:p>
+          <a:p>
+            <a:endParaRPr lang="en-CA" dirty="0"/>
+          </a:p>
+          <a:p>
+            <a:r>
+              <a:rPr lang="en-CA" dirty="0"/>
+              <a:t>Unmatched brackets</a:t>
+            </a:r>
+          </a:p>
+          <a:p>
+            <a:endParaRPr lang="en-CA" dirty="0"/>
+          </a:p>
+          <a:p>
+            <a:endParaRPr lang="en-CA" dirty="0"/>
           </a:p>
         </p:txBody>
       </p:sp>
     </p:spTree>
     <p:extLst>
       <p:ext uri="{BB962C8B-B14F-4D97-AF65-F5344CB8AC3E}">
-        <p14:creationId xmlns:p14="http://schemas.microsoft.com/office/powerpoint/2010/main" val="3253790593"/>
+        <p14:creationId xmlns:p14="http://schemas.microsoft.com/office/powerpoint/2010/main" val="1319705431"/>
+      </p:ext>
+    </p:extLst>
+  </p:cSld>
+  <p:clrMapOvr>
+    <a:masterClrMapping/>
+  </p:clrMapOvr>
+</p:sld>
+</file>
+
+<file path=ppt/slides/slide9.xml><?xml version="1.0" encoding="utf-8"?>
+<p:sld xmlns:a="http://schemas.openxmlformats.org/drawingml/2006/main" xmlns:r="http://schemas.openxmlformats.org/officeDocument/2006/relationships" xmlns:p="http://schemas.openxmlformats.org/presentationml/2006/main">
+  <p:cSld>
+    <p:spTree>
+      <p:nvGrpSpPr>
+        <p:cNvPr id="1" name=""/>
+        <p:cNvGrpSpPr/>
+        <p:nvPr/>
+      </p:nvGrpSpPr>
+      <p:grpSpPr>
+        <a:xfrm>
+          <a:off x="0" y="0"/>
+          <a:ext cx="0" cy="0"/>
+          <a:chOff x="0" y="0"/>
+          <a:chExt cx="0" cy="0"/>
+        </a:xfrm>
+      </p:grpSpPr>
+      <p:sp>
+        <p:nvSpPr>
+          <p:cNvPr id="2" name="Title 1">
+            <a:extLst>
+              <a:ext uri="{FF2B5EF4-FFF2-40B4-BE49-F238E27FC236}">
+                <a16:creationId xmlns:a16="http://schemas.microsoft.com/office/drawing/2014/main" id="{494DEA53-3D56-4391-8250-31E77C4CD97D}"/>
+              </a:ext>
+            </a:extLst>
+          </p:cNvPr>
+          <p:cNvSpPr>
+            <a:spLocks noGrp="1"/>
+          </p:cNvSpPr>
+          <p:nvPr>
+            <p:ph type="title"/>
+          </p:nvPr>
+        </p:nvSpPr>
+        <p:spPr/>
+        <p:txBody>
+          <a:bodyPr/>
+          <a:lstStyle/>
+          <a:p>
+            <a:endParaRPr lang="en-US"/>
+          </a:p>
+        </p:txBody>
+      </p:sp>
+      <p:sp>
+        <p:nvSpPr>
+          <p:cNvPr id="3" name="Content Placeholder 2">
+            <a:extLst>
+              <a:ext uri="{FF2B5EF4-FFF2-40B4-BE49-F238E27FC236}">
+                <a16:creationId xmlns:a16="http://schemas.microsoft.com/office/drawing/2014/main" id="{D5876679-0D8E-46E7-9530-BE0FBC8B2420}"/>
+              </a:ext>
+            </a:extLst>
+          </p:cNvPr>
+          <p:cNvSpPr>
+            <a:spLocks noGrp="1"/>
+          </p:cNvSpPr>
+          <p:nvPr>
+            <p:ph idx="1"/>
+          </p:nvPr>
+        </p:nvSpPr>
+        <p:spPr/>
+        <p:txBody>
+          <a:bodyPr/>
+          <a:lstStyle/>
+          <a:p>
+            <a:endParaRPr lang="en-US"/>
+          </a:p>
+        </p:txBody>
+      </p:sp>
+    </p:spTree>
+    <p:extLst>
+      <p:ext uri="{BB962C8B-B14F-4D97-AF65-F5344CB8AC3E}">
+        <p14:creationId xmlns:p14="http://schemas.microsoft.com/office/powerpoint/2010/main" val="3989568792"/>
       </p:ext>
     </p:extLst>
   </p:cSld>

--- a/Beginner Workshop/Introductory Concepts in R.pptx
+++ b/Beginner Workshop/Introductory Concepts in R.pptx
@@ -2,7 +2,7 @@
 <file path=ppt/presentation.xml><?xml version="1.0" encoding="utf-8"?>
 <p:presentation xmlns:a="http://schemas.openxmlformats.org/drawingml/2006/main" xmlns:r="http://schemas.openxmlformats.org/officeDocument/2006/relationships" xmlns:p="http://schemas.openxmlformats.org/presentationml/2006/main" saveSubsetFonts="1">
   <p:sldMasterIdLst>
-    <p:sldMasterId id="2147483648" r:id="rId1"/>
+    <p:sldMasterId id="2147483738" r:id="rId1"/>
   </p:sldMasterIdLst>
   <p:sldIdLst>
     <p:sldId id="256" r:id="rId2"/>
@@ -22,7 +22,7 @@
     <a:defPPr>
       <a:defRPr lang="en-US"/>
     </a:defPPr>
-    <a:lvl1pPr marL="0" algn="l" defTabSz="914400" rtl="0" eaLnBrk="1" latinLnBrk="0" hangingPunct="1">
+    <a:lvl1pPr marL="0" algn="l" defTabSz="457200" rtl="0" eaLnBrk="1" latinLnBrk="0" hangingPunct="1">
       <a:defRPr sz="1800" kern="1200">
         <a:solidFill>
           <a:schemeClr val="tx1"/>
@@ -32,7 +32,7 @@
         <a:cs typeface="+mn-cs"/>
       </a:defRPr>
     </a:lvl1pPr>
-    <a:lvl2pPr marL="457200" algn="l" defTabSz="914400" rtl="0" eaLnBrk="1" latinLnBrk="0" hangingPunct="1">
+    <a:lvl2pPr marL="457200" algn="l" defTabSz="457200" rtl="0" eaLnBrk="1" latinLnBrk="0" hangingPunct="1">
       <a:defRPr sz="1800" kern="1200">
         <a:solidFill>
           <a:schemeClr val="tx1"/>
@@ -42,7 +42,7 @@
         <a:cs typeface="+mn-cs"/>
       </a:defRPr>
     </a:lvl2pPr>
-    <a:lvl3pPr marL="914400" algn="l" defTabSz="914400" rtl="0" eaLnBrk="1" latinLnBrk="0" hangingPunct="1">
+    <a:lvl3pPr marL="914400" algn="l" defTabSz="457200" rtl="0" eaLnBrk="1" latinLnBrk="0" hangingPunct="1">
       <a:defRPr sz="1800" kern="1200">
         <a:solidFill>
           <a:schemeClr val="tx1"/>
@@ -52,7 +52,7 @@
         <a:cs typeface="+mn-cs"/>
       </a:defRPr>
     </a:lvl3pPr>
-    <a:lvl4pPr marL="1371600" algn="l" defTabSz="914400" rtl="0" eaLnBrk="1" latinLnBrk="0" hangingPunct="1">
+    <a:lvl4pPr marL="1371600" algn="l" defTabSz="457200" rtl="0" eaLnBrk="1" latinLnBrk="0" hangingPunct="1">
       <a:defRPr sz="1800" kern="1200">
         <a:solidFill>
           <a:schemeClr val="tx1"/>
@@ -62,7 +62,7 @@
         <a:cs typeface="+mn-cs"/>
       </a:defRPr>
     </a:lvl4pPr>
-    <a:lvl5pPr marL="1828800" algn="l" defTabSz="914400" rtl="0" eaLnBrk="1" latinLnBrk="0" hangingPunct="1">
+    <a:lvl5pPr marL="1828800" algn="l" defTabSz="457200" rtl="0" eaLnBrk="1" latinLnBrk="0" hangingPunct="1">
       <a:defRPr sz="1800" kern="1200">
         <a:solidFill>
           <a:schemeClr val="tx1"/>
@@ -72,7 +72,7 @@
         <a:cs typeface="+mn-cs"/>
       </a:defRPr>
     </a:lvl5pPr>
-    <a:lvl6pPr marL="2286000" algn="l" defTabSz="914400" rtl="0" eaLnBrk="1" latinLnBrk="0" hangingPunct="1">
+    <a:lvl6pPr marL="2286000" algn="l" defTabSz="457200" rtl="0" eaLnBrk="1" latinLnBrk="0" hangingPunct="1">
       <a:defRPr sz="1800" kern="1200">
         <a:solidFill>
           <a:schemeClr val="tx1"/>
@@ -82,7 +82,7 @@
         <a:cs typeface="+mn-cs"/>
       </a:defRPr>
     </a:lvl6pPr>
-    <a:lvl7pPr marL="2743200" algn="l" defTabSz="914400" rtl="0" eaLnBrk="1" latinLnBrk="0" hangingPunct="1">
+    <a:lvl7pPr marL="2743200" algn="l" defTabSz="457200" rtl="0" eaLnBrk="1" latinLnBrk="0" hangingPunct="1">
       <a:defRPr sz="1800" kern="1200">
         <a:solidFill>
           <a:schemeClr val="tx1"/>
@@ -92,7 +92,7 @@
         <a:cs typeface="+mn-cs"/>
       </a:defRPr>
     </a:lvl7pPr>
-    <a:lvl8pPr marL="3200400" algn="l" defTabSz="914400" rtl="0" eaLnBrk="1" latinLnBrk="0" hangingPunct="1">
+    <a:lvl8pPr marL="3200400" algn="l" defTabSz="457200" rtl="0" eaLnBrk="1" latinLnBrk="0" hangingPunct="1">
       <a:defRPr sz="1800" kern="1200">
         <a:solidFill>
           <a:schemeClr val="tx1"/>
@@ -102,7 +102,7 @@
         <a:cs typeface="+mn-cs"/>
       </a:defRPr>
     </a:lvl8pPr>
-    <a:lvl9pPr marL="3657600" algn="l" defTabSz="914400" rtl="0" eaLnBrk="1" latinLnBrk="0" hangingPunct="1">
+    <a:lvl9pPr marL="3657600" algn="l" defTabSz="457200" rtl="0" eaLnBrk="1" latinLnBrk="0" hangingPunct="1">
       <a:defRPr sz="1800" kern="1200">
         <a:solidFill>
           <a:schemeClr val="tx1"/>
@@ -164,7 +164,7 @@
 </file>
 
 <file path=ppt/slideLayouts/slideLayout1.xml><?xml version="1.0" encoding="utf-8"?>
-<p:sldLayout xmlns:a="http://schemas.openxmlformats.org/drawingml/2006/main" xmlns:r="http://schemas.openxmlformats.org/officeDocument/2006/relationships" xmlns:p="http://schemas.openxmlformats.org/presentationml/2006/main" type="title" preserve="1">
+<p:sldLayout xmlns:a="http://schemas.openxmlformats.org/drawingml/2006/main" xmlns:r="http://schemas.openxmlformats.org/officeDocument/2006/relationships" xmlns:p="http://schemas.openxmlformats.org/presentationml/2006/main" showMasterSp="0" type="title" preserve="1">
   <p:cSld name="Title Slide">
     <p:spTree>
       <p:nvGrpSpPr>
@@ -180,15 +180,146 @@
           <a:chExt cx="0" cy="0"/>
         </a:xfrm>
       </p:grpSpPr>
-      <p:sp>
-        <p:nvSpPr>
-          <p:cNvPr id="2" name="Title 1">
-            <a:extLst>
-              <a:ext uri="{FF2B5EF4-FFF2-40B4-BE49-F238E27FC236}">
-                <a16:creationId xmlns:a16="http://schemas.microsoft.com/office/drawing/2014/main" id="{11A027AD-57ED-4ACB-949C-BF3C981FC6FF}"/>
-              </a:ext>
-            </a:extLst>
-          </p:cNvPr>
+      <p:grpSp>
+        <p:nvGrpSpPr>
+          <p:cNvPr id="7" name="Group 6"/>
+          <p:cNvGrpSpPr/>
+          <p:nvPr/>
+        </p:nvGrpSpPr>
+        <p:grpSpPr>
+          <a:xfrm>
+            <a:off x="-16934" y="0"/>
+            <a:ext cx="12231160" cy="6856214"/>
+            <a:chOff x="-16934" y="0"/>
+            <a:chExt cx="12231160" cy="6856214"/>
+          </a:xfrm>
+        </p:grpSpPr>
+        <p:pic>
+          <p:nvPicPr>
+            <p:cNvPr id="16" name="Picture 15" descr="HD-PanelTitleR1.png"/>
+            <p:cNvPicPr>
+              <a:picLocks noChangeAspect="1"/>
+            </p:cNvPicPr>
+            <p:nvPr/>
+          </p:nvPicPr>
+          <p:blipFill>
+            <a:blip r:embed="rId2">
+              <a:extLst>
+                <a:ext uri="{28A0092B-C50C-407E-A947-70E740481C1C}">
+                  <a14:useLocalDpi xmlns:a14="http://schemas.microsoft.com/office/drawing/2010/main" val="0"/>
+                </a:ext>
+              </a:extLst>
+            </a:blip>
+            <a:stretch>
+              <a:fillRect/>
+            </a:stretch>
+          </p:blipFill>
+          <p:spPr>
+            <a:xfrm>
+              <a:off x="0" y="0"/>
+              <a:ext cx="12188825" cy="6856214"/>
+            </a:xfrm>
+            <a:prstGeom prst="rect">
+              <a:avLst/>
+            </a:prstGeom>
+          </p:spPr>
+        </p:pic>
+        <p:sp>
+          <p:nvSpPr>
+            <p:cNvPr id="26" name="Rectangle 25"/>
+            <p:cNvSpPr/>
+            <p:nvPr/>
+          </p:nvSpPr>
+          <p:spPr>
+            <a:xfrm>
+              <a:off x="2328332" y="1540931"/>
+              <a:ext cx="7543802" cy="3835401"/>
+            </a:xfrm>
+            <a:prstGeom prst="rect">
+              <a:avLst/>
+            </a:prstGeom>
+            <a:noFill/>
+            <a:ln w="15875">
+              <a:miter lim="800000"/>
+            </a:ln>
+          </p:spPr>
+          <p:style>
+            <a:lnRef idx="1">
+              <a:schemeClr val="accent1"/>
+            </a:lnRef>
+            <a:fillRef idx="3">
+              <a:schemeClr val="accent1"/>
+            </a:fillRef>
+            <a:effectRef idx="2">
+              <a:schemeClr val="accent1"/>
+            </a:effectRef>
+            <a:fontRef idx="minor">
+              <a:schemeClr val="lt1"/>
+            </a:fontRef>
+          </p:style>
+        </p:sp>
+        <p:pic>
+          <p:nvPicPr>
+            <p:cNvPr id="17" name="Picture 16" descr="HDRibbonTitle-UniformTrim.png"/>
+            <p:cNvPicPr>
+              <a:picLocks noChangeAspect="1"/>
+            </p:cNvPicPr>
+            <p:nvPr/>
+          </p:nvPicPr>
+          <p:blipFill rotWithShape="1">
+            <a:blip r:embed="rId3">
+              <a:extLst>
+                <a:ext uri="{28A0092B-C50C-407E-A947-70E740481C1C}">
+                  <a14:useLocalDpi xmlns:a14="http://schemas.microsoft.com/office/drawing/2010/main" val="0"/>
+                </a:ext>
+              </a:extLst>
+            </a:blip>
+            <a:srcRect/>
+            <a:stretch/>
+          </p:blipFill>
+          <p:spPr>
+            <a:xfrm>
+              <a:off x="-16934" y="3147609"/>
+              <a:ext cx="2478024" cy="612648"/>
+            </a:xfrm>
+            <a:prstGeom prst="rect">
+              <a:avLst/>
+            </a:prstGeom>
+          </p:spPr>
+        </p:pic>
+        <p:pic>
+          <p:nvPicPr>
+            <p:cNvPr id="20" name="Picture 19" descr="HDRibbonTitle-UniformTrim.png"/>
+            <p:cNvPicPr>
+              <a:picLocks noChangeAspect="1"/>
+            </p:cNvPicPr>
+            <p:nvPr/>
+          </p:nvPicPr>
+          <p:blipFill rotWithShape="1">
+            <a:blip r:embed="rId3">
+              <a:extLst>
+                <a:ext uri="{28A0092B-C50C-407E-A947-70E740481C1C}">
+                  <a14:useLocalDpi xmlns:a14="http://schemas.microsoft.com/office/drawing/2010/main" val="0"/>
+                </a:ext>
+              </a:extLst>
+            </a:blip>
+            <a:srcRect/>
+            <a:stretch/>
+          </p:blipFill>
+          <p:spPr>
+            <a:xfrm>
+              <a:off x="9736202" y="3147609"/>
+              <a:ext cx="2478024" cy="612648"/>
+            </a:xfrm>
+            <a:prstGeom prst="rect">
+              <a:avLst/>
+            </a:prstGeom>
+          </p:spPr>
+        </p:pic>
+      </p:grpSp>
+      <p:sp>
+        <p:nvSpPr>
+          <p:cNvPr id="2" name="Title 1"/>
           <p:cNvSpPr>
             <a:spLocks noGrp="1"/>
           </p:cNvSpPr>
@@ -198,15 +329,19 @@
         </p:nvSpPr>
         <p:spPr>
           <a:xfrm>
-            <a:off x="1524000" y="1122363"/>
-            <a:ext cx="9144000" cy="2387600"/>
+            <a:off x="2692398" y="1871131"/>
+            <a:ext cx="6815669" cy="1515533"/>
           </a:xfrm>
         </p:spPr>
         <p:txBody>
-          <a:bodyPr anchor="b"/>
+          <a:bodyPr anchor="b">
+            <a:noAutofit/>
+          </a:bodyPr>
           <a:lstStyle>
             <a:lvl1pPr algn="ctr">
-              <a:defRPr sz="6000"/>
+              <a:defRPr sz="5400">
+                <a:effectLst/>
+              </a:defRPr>
             </a:lvl1pPr>
           </a:lstStyle>
           <a:p>
@@ -214,18 +349,13 @@
               <a:rPr lang="en-US"/>
               <a:t>Click to edit Master title style</a:t>
             </a:r>
-          </a:p>
-        </p:txBody>
-      </p:sp>
-      <p:sp>
-        <p:nvSpPr>
-          <p:cNvPr id="3" name="Subtitle 2">
-            <a:extLst>
-              <a:ext uri="{FF2B5EF4-FFF2-40B4-BE49-F238E27FC236}">
-                <a16:creationId xmlns:a16="http://schemas.microsoft.com/office/drawing/2014/main" id="{07DFCF99-C548-469F-83E3-C36446D7DF25}"/>
-              </a:ext>
-            </a:extLst>
-          </p:cNvPr>
+            <a:endParaRPr lang="en-US" dirty="0"/>
+          </a:p>
+        </p:txBody>
+      </p:sp>
+      <p:sp>
+        <p:nvSpPr>
+          <p:cNvPr id="3" name="Subtitle 2"/>
           <p:cNvSpPr>
             <a:spLocks noGrp="1"/>
           </p:cNvSpPr>
@@ -235,48 +365,102 @@
         </p:nvSpPr>
         <p:spPr>
           <a:xfrm>
-            <a:off x="1524000" y="3602038"/>
-            <a:ext cx="9144000" cy="1655762"/>
+            <a:off x="2692398" y="3657597"/>
+            <a:ext cx="6815669" cy="1320802"/>
           </a:xfrm>
         </p:spPr>
         <p:txBody>
-          <a:bodyPr/>
+          <a:bodyPr anchor="t">
+            <a:normAutofit/>
+          </a:bodyPr>
           <a:lstStyle>
             <a:lvl1pPr marL="0" indent="0" algn="ctr">
               <a:buNone/>
-              <a:defRPr sz="2400"/>
+              <a:defRPr sz="2100">
+                <a:solidFill>
+                  <a:schemeClr val="tx1"/>
+                </a:solidFill>
+              </a:defRPr>
             </a:lvl1pPr>
             <a:lvl2pPr marL="457200" indent="0" algn="ctr">
               <a:buNone/>
-              <a:defRPr sz="2000"/>
+              <a:defRPr>
+                <a:solidFill>
+                  <a:schemeClr val="tx1">
+                    <a:tint val="75000"/>
+                  </a:schemeClr>
+                </a:solidFill>
+              </a:defRPr>
             </a:lvl2pPr>
             <a:lvl3pPr marL="914400" indent="0" algn="ctr">
               <a:buNone/>
-              <a:defRPr sz="1800"/>
+              <a:defRPr>
+                <a:solidFill>
+                  <a:schemeClr val="tx1">
+                    <a:tint val="75000"/>
+                  </a:schemeClr>
+                </a:solidFill>
+              </a:defRPr>
             </a:lvl3pPr>
             <a:lvl4pPr marL="1371600" indent="0" algn="ctr">
               <a:buNone/>
-              <a:defRPr sz="1600"/>
+              <a:defRPr>
+                <a:solidFill>
+                  <a:schemeClr val="tx1">
+                    <a:tint val="75000"/>
+                  </a:schemeClr>
+                </a:solidFill>
+              </a:defRPr>
             </a:lvl4pPr>
             <a:lvl5pPr marL="1828800" indent="0" algn="ctr">
               <a:buNone/>
-              <a:defRPr sz="1600"/>
+              <a:defRPr>
+                <a:solidFill>
+                  <a:schemeClr val="tx1">
+                    <a:tint val="75000"/>
+                  </a:schemeClr>
+                </a:solidFill>
+              </a:defRPr>
             </a:lvl5pPr>
             <a:lvl6pPr marL="2286000" indent="0" algn="ctr">
               <a:buNone/>
-              <a:defRPr sz="1600"/>
+              <a:defRPr>
+                <a:solidFill>
+                  <a:schemeClr val="tx1">
+                    <a:tint val="75000"/>
+                  </a:schemeClr>
+                </a:solidFill>
+              </a:defRPr>
             </a:lvl6pPr>
             <a:lvl7pPr marL="2743200" indent="0" algn="ctr">
               <a:buNone/>
-              <a:defRPr sz="1600"/>
+              <a:defRPr>
+                <a:solidFill>
+                  <a:schemeClr val="tx1">
+                    <a:tint val="75000"/>
+                  </a:schemeClr>
+                </a:solidFill>
+              </a:defRPr>
             </a:lvl7pPr>
             <a:lvl8pPr marL="3200400" indent="0" algn="ctr">
               <a:buNone/>
-              <a:defRPr sz="1600"/>
+              <a:defRPr>
+                <a:solidFill>
+                  <a:schemeClr val="tx1">
+                    <a:tint val="75000"/>
+                  </a:schemeClr>
+                </a:solidFill>
+              </a:defRPr>
             </a:lvl8pPr>
             <a:lvl9pPr marL="3657600" indent="0" algn="ctr">
               <a:buNone/>
-              <a:defRPr sz="1600"/>
+              <a:defRPr>
+                <a:solidFill>
+                  <a:schemeClr val="tx1">
+                    <a:tint val="75000"/>
+                  </a:schemeClr>
+                </a:solidFill>
+              </a:defRPr>
             </a:lvl9pPr>
           </a:lstStyle>
           <a:p>
@@ -284,18 +468,13 @@
               <a:rPr lang="en-US"/>
               <a:t>Click to edit Master subtitle style</a:t>
             </a:r>
-          </a:p>
-        </p:txBody>
-      </p:sp>
-      <p:sp>
-        <p:nvSpPr>
-          <p:cNvPr id="4" name="Date Placeholder 3">
-            <a:extLst>
-              <a:ext uri="{FF2B5EF4-FFF2-40B4-BE49-F238E27FC236}">
-                <a16:creationId xmlns:a16="http://schemas.microsoft.com/office/drawing/2014/main" id="{579598B3-BAFA-455D-853E-1ECF444D3878}"/>
-              </a:ext>
-            </a:extLst>
-          </p:cNvPr>
+            <a:endParaRPr lang="en-US" dirty="0"/>
+          </a:p>
+        </p:txBody>
+      </p:sp>
+      <p:sp>
+        <p:nvSpPr>
+          <p:cNvPr id="4" name="Date Placeholder 3"/>
           <p:cNvSpPr>
             <a:spLocks noGrp="1"/>
           </p:cNvSpPr>
@@ -303,14 +482,19 @@
             <p:ph type="dt" sz="half" idx="10"/>
           </p:nvPr>
         </p:nvSpPr>
-        <p:spPr/>
+        <p:spPr>
+          <a:xfrm>
+            <a:off x="7983232" y="5037663"/>
+            <a:ext cx="897467" cy="279400"/>
+          </a:xfrm>
+        </p:spPr>
         <p:txBody>
           <a:bodyPr/>
           <a:lstStyle/>
           <a:p>
             <a:fld id="{5F762F9F-E6EA-480B-A6EE-0D217F01FE68}" type="datetimeFigureOut">
               <a:rPr lang="en-US" smtClean="0"/>
-              <a:t>2/12/2020</a:t>
+              <a:t>2/13/2020</a:t>
             </a:fld>
             <a:endParaRPr lang="en-US"/>
           </a:p>
@@ -318,13 +502,7 @@
       </p:sp>
       <p:sp>
         <p:nvSpPr>
-          <p:cNvPr id="5" name="Footer Placeholder 4">
-            <a:extLst>
-              <a:ext uri="{FF2B5EF4-FFF2-40B4-BE49-F238E27FC236}">
-                <a16:creationId xmlns:a16="http://schemas.microsoft.com/office/drawing/2014/main" id="{DFB10E0E-B637-4A31-A45F-626CA2D81FD7}"/>
-              </a:ext>
-            </a:extLst>
-          </p:cNvPr>
+          <p:cNvPr id="5" name="Footer Placeholder 4"/>
           <p:cNvSpPr>
             <a:spLocks noGrp="1"/>
           </p:cNvSpPr>
@@ -332,7 +510,12 @@
             <p:ph type="ftr" sz="quarter" idx="11"/>
           </p:nvPr>
         </p:nvSpPr>
-        <p:spPr/>
+        <p:spPr>
+          <a:xfrm>
+            <a:off x="2692397" y="5037663"/>
+            <a:ext cx="5214635" cy="279400"/>
+          </a:xfrm>
+        </p:spPr>
         <p:txBody>
           <a:bodyPr/>
           <a:lstStyle/>
@@ -343,13 +526,7 @@
       </p:sp>
       <p:sp>
         <p:nvSpPr>
-          <p:cNvPr id="6" name="Slide Number Placeholder 5">
-            <a:extLst>
-              <a:ext uri="{FF2B5EF4-FFF2-40B4-BE49-F238E27FC236}">
-                <a16:creationId xmlns:a16="http://schemas.microsoft.com/office/drawing/2014/main" id="{458D4BBA-F6B9-4714-8E4F-F5B8697AA80C}"/>
-              </a:ext>
-            </a:extLst>
-          </p:cNvPr>
+          <p:cNvPr id="6" name="Slide Number Placeholder 5"/>
           <p:cNvSpPr>
             <a:spLocks noGrp="1"/>
           </p:cNvSpPr>
@@ -357,7 +534,12 @@
             <p:ph type="sldNum" sz="quarter" idx="12"/>
           </p:nvPr>
         </p:nvSpPr>
-        <p:spPr/>
+        <p:spPr>
+          <a:xfrm>
+            <a:off x="8956900" y="5037663"/>
+            <a:ext cx="551167" cy="279400"/>
+          </a:xfrm>
+        </p:spPr>
         <p:txBody>
           <a:bodyPr/>
           <a:lstStyle/>
@@ -370,10 +552,40 @@
           </a:p>
         </p:txBody>
       </p:sp>
+      <p:cxnSp>
+        <p:nvCxnSpPr>
+          <p:cNvPr id="15" name="Straight Connector 14"/>
+          <p:cNvCxnSpPr/>
+          <p:nvPr/>
+        </p:nvCxnSpPr>
+        <p:spPr>
+          <a:xfrm>
+            <a:off x="2692399" y="3522131"/>
+            <a:ext cx="6815668" cy="0"/>
+          </a:xfrm>
+          <a:prstGeom prst="line">
+            <a:avLst/>
+          </a:prstGeom>
+        </p:spPr>
+        <p:style>
+          <a:lnRef idx="2">
+            <a:schemeClr val="accent1"/>
+          </a:lnRef>
+          <a:fillRef idx="0">
+            <a:schemeClr val="accent1"/>
+          </a:fillRef>
+          <a:effectRef idx="1">
+            <a:schemeClr val="accent1"/>
+          </a:effectRef>
+          <a:fontRef idx="minor">
+            <a:schemeClr val="tx1"/>
+          </a:fontRef>
+        </p:style>
+      </p:cxnSp>
     </p:spTree>
     <p:extLst>
       <p:ext uri="{BB962C8B-B14F-4D97-AF65-F5344CB8AC3E}">
-        <p14:creationId xmlns:p14="http://schemas.microsoft.com/office/powerpoint/2010/main" val="4189655759"/>
+        <p14:creationId xmlns:p14="http://schemas.microsoft.com/office/powerpoint/2010/main" val="1298259864"/>
       </p:ext>
     </p:extLst>
   </p:cSld>
@@ -384,6 +596,2099 @@
 </file>
 
 <file path=ppt/slideLayouts/slideLayout10.xml><?xml version="1.0" encoding="utf-8"?>
+<p:sldLayout xmlns:a="http://schemas.openxmlformats.org/drawingml/2006/main" xmlns:r="http://schemas.openxmlformats.org/officeDocument/2006/relationships" xmlns:p="http://schemas.openxmlformats.org/presentationml/2006/main" preserve="1">
+  <p:cSld name="Panoramic Picture with Caption">
+    <p:spTree>
+      <p:nvGrpSpPr>
+        <p:cNvPr id="1" name=""/>
+        <p:cNvGrpSpPr/>
+        <p:nvPr/>
+      </p:nvGrpSpPr>
+      <p:grpSpPr>
+        <a:xfrm>
+          <a:off x="0" y="0"/>
+          <a:ext cx="0" cy="0"/>
+          <a:chOff x="0" y="0"/>
+          <a:chExt cx="0" cy="0"/>
+        </a:xfrm>
+      </p:grpSpPr>
+      <p:sp>
+        <p:nvSpPr>
+          <p:cNvPr id="2" name="Title 1"/>
+          <p:cNvSpPr>
+            <a:spLocks noGrp="1"/>
+          </p:cNvSpPr>
+          <p:nvPr>
+            <p:ph type="title"/>
+          </p:nvPr>
+        </p:nvSpPr>
+        <p:spPr>
+          <a:xfrm>
+            <a:off x="1295401" y="4815415"/>
+            <a:ext cx="9609666" cy="566738"/>
+          </a:xfrm>
+        </p:spPr>
+        <p:txBody>
+          <a:bodyPr anchor="b">
+            <a:normAutofit/>
+          </a:bodyPr>
+          <a:lstStyle>
+            <a:lvl1pPr algn="ctr">
+              <a:defRPr sz="2400" b="0"/>
+            </a:lvl1pPr>
+          </a:lstStyle>
+          <a:p>
+            <a:r>
+              <a:rPr lang="en-US"/>
+              <a:t>Click to edit Master title style</a:t>
+            </a:r>
+            <a:endParaRPr lang="en-US" dirty="0"/>
+          </a:p>
+        </p:txBody>
+      </p:sp>
+      <p:sp>
+        <p:nvSpPr>
+          <p:cNvPr id="3" name="Picture Placeholder 2"/>
+          <p:cNvSpPr>
+            <a:spLocks noGrp="1" noChangeAspect="1"/>
+          </p:cNvSpPr>
+          <p:nvPr>
+            <p:ph type="pic" idx="1"/>
+          </p:nvPr>
+        </p:nvSpPr>
+        <p:spPr>
+          <a:xfrm>
+            <a:off x="1041427" y="1041399"/>
+            <a:ext cx="10105972" cy="3335869"/>
+          </a:xfrm>
+          <a:prstGeom prst="roundRect">
+            <a:avLst>
+              <a:gd name="adj" fmla="val 0"/>
+            </a:avLst>
+          </a:prstGeom>
+          <a:ln w="57150" cmpd="thickThin">
+            <a:solidFill>
+              <a:schemeClr val="tx1">
+                <a:lumMod val="50000"/>
+                <a:lumOff val="50000"/>
+              </a:schemeClr>
+            </a:solidFill>
+            <a:miter lim="800000"/>
+          </a:ln>
+          <a:effectLst>
+            <a:innerShdw blurRad="57150" dist="38100" dir="14460000">
+              <a:srgbClr val="000000">
+                <a:alpha val="70000"/>
+              </a:srgbClr>
+            </a:innerShdw>
+          </a:effectLst>
+        </p:spPr>
+        <p:txBody>
+          <a:bodyPr anchor="t">
+            <a:normAutofit/>
+          </a:bodyPr>
+          <a:lstStyle>
+            <a:lvl1pPr marL="0" indent="0" algn="ctr">
+              <a:buNone/>
+              <a:defRPr sz="1600"/>
+            </a:lvl1pPr>
+            <a:lvl2pPr marL="457200" indent="0">
+              <a:buNone/>
+              <a:defRPr sz="1600"/>
+            </a:lvl2pPr>
+            <a:lvl3pPr marL="914400" indent="0">
+              <a:buNone/>
+              <a:defRPr sz="1600"/>
+            </a:lvl3pPr>
+            <a:lvl4pPr marL="1371600" indent="0">
+              <a:buNone/>
+              <a:defRPr sz="1600"/>
+            </a:lvl4pPr>
+            <a:lvl5pPr marL="1828800" indent="0">
+              <a:buNone/>
+              <a:defRPr sz="1600"/>
+            </a:lvl5pPr>
+            <a:lvl6pPr marL="2286000" indent="0">
+              <a:buNone/>
+              <a:defRPr sz="1600"/>
+            </a:lvl6pPr>
+            <a:lvl7pPr marL="2743200" indent="0">
+              <a:buNone/>
+              <a:defRPr sz="1600"/>
+            </a:lvl7pPr>
+            <a:lvl8pPr marL="3200400" indent="0">
+              <a:buNone/>
+              <a:defRPr sz="1600"/>
+            </a:lvl8pPr>
+            <a:lvl9pPr marL="3657600" indent="0">
+              <a:buNone/>
+              <a:defRPr sz="1600"/>
+            </a:lvl9pPr>
+          </a:lstStyle>
+          <a:p>
+            <a:r>
+              <a:rPr lang="en-US"/>
+              <a:t>Click icon to add picture</a:t>
+            </a:r>
+            <a:endParaRPr lang="en-US" dirty="0"/>
+          </a:p>
+        </p:txBody>
+      </p:sp>
+      <p:sp>
+        <p:nvSpPr>
+          <p:cNvPr id="4" name="Text Placeholder 3"/>
+          <p:cNvSpPr>
+            <a:spLocks noGrp="1"/>
+          </p:cNvSpPr>
+          <p:nvPr>
+            <p:ph type="body" sz="half" idx="2"/>
+          </p:nvPr>
+        </p:nvSpPr>
+        <p:spPr>
+          <a:xfrm>
+            <a:off x="1295401" y="5382153"/>
+            <a:ext cx="9609666" cy="493712"/>
+          </a:xfrm>
+        </p:spPr>
+        <p:txBody>
+          <a:bodyPr>
+            <a:normAutofit/>
+          </a:bodyPr>
+          <a:lstStyle>
+            <a:lvl1pPr marL="0" indent="0" algn="ctr">
+              <a:buNone/>
+              <a:defRPr sz="1400"/>
+            </a:lvl1pPr>
+            <a:lvl2pPr marL="457200" indent="0">
+              <a:buNone/>
+              <a:defRPr sz="1200"/>
+            </a:lvl2pPr>
+            <a:lvl3pPr marL="914400" indent="0">
+              <a:buNone/>
+              <a:defRPr sz="1000"/>
+            </a:lvl3pPr>
+            <a:lvl4pPr marL="1371600" indent="0">
+              <a:buNone/>
+              <a:defRPr sz="900"/>
+            </a:lvl4pPr>
+            <a:lvl5pPr marL="1828800" indent="0">
+              <a:buNone/>
+              <a:defRPr sz="900"/>
+            </a:lvl5pPr>
+            <a:lvl6pPr marL="2286000" indent="0">
+              <a:buNone/>
+              <a:defRPr sz="900"/>
+            </a:lvl6pPr>
+            <a:lvl7pPr marL="2743200" indent="0">
+              <a:buNone/>
+              <a:defRPr sz="900"/>
+            </a:lvl7pPr>
+            <a:lvl8pPr marL="3200400" indent="0">
+              <a:buNone/>
+              <a:defRPr sz="900"/>
+            </a:lvl8pPr>
+            <a:lvl9pPr marL="3657600" indent="0">
+              <a:buNone/>
+              <a:defRPr sz="900"/>
+            </a:lvl9pPr>
+          </a:lstStyle>
+          <a:p>
+            <a:pPr lvl="0"/>
+            <a:r>
+              <a:rPr lang="en-US"/>
+              <a:t>Click to edit Master text styles</a:t>
+            </a:r>
+          </a:p>
+        </p:txBody>
+      </p:sp>
+      <p:sp>
+        <p:nvSpPr>
+          <p:cNvPr id="5" name="Date Placeholder 4"/>
+          <p:cNvSpPr>
+            <a:spLocks noGrp="1"/>
+          </p:cNvSpPr>
+          <p:nvPr>
+            <p:ph type="dt" sz="half" idx="10"/>
+          </p:nvPr>
+        </p:nvSpPr>
+        <p:spPr/>
+        <p:txBody>
+          <a:bodyPr/>
+          <a:lstStyle/>
+          <a:p>
+            <a:fld id="{5F762F9F-E6EA-480B-A6EE-0D217F01FE68}" type="datetimeFigureOut">
+              <a:rPr lang="en-US" smtClean="0"/>
+              <a:t>2/13/2020</a:t>
+            </a:fld>
+            <a:endParaRPr lang="en-US"/>
+          </a:p>
+        </p:txBody>
+      </p:sp>
+      <p:sp>
+        <p:nvSpPr>
+          <p:cNvPr id="6" name="Footer Placeholder 5"/>
+          <p:cNvSpPr>
+            <a:spLocks noGrp="1"/>
+          </p:cNvSpPr>
+          <p:nvPr>
+            <p:ph type="ftr" sz="quarter" idx="11"/>
+          </p:nvPr>
+        </p:nvSpPr>
+        <p:spPr/>
+        <p:txBody>
+          <a:bodyPr/>
+          <a:lstStyle/>
+          <a:p>
+            <a:endParaRPr lang="en-US"/>
+          </a:p>
+        </p:txBody>
+      </p:sp>
+      <p:sp>
+        <p:nvSpPr>
+          <p:cNvPr id="7" name="Slide Number Placeholder 6"/>
+          <p:cNvSpPr>
+            <a:spLocks noGrp="1"/>
+          </p:cNvSpPr>
+          <p:nvPr>
+            <p:ph type="sldNum" sz="quarter" idx="12"/>
+          </p:nvPr>
+        </p:nvSpPr>
+        <p:spPr/>
+        <p:txBody>
+          <a:bodyPr/>
+          <a:lstStyle/>
+          <a:p>
+            <a:fld id="{4099D149-AD27-445A-9522-AD9073E6A657}" type="slidenum">
+              <a:rPr lang="en-US" smtClean="0"/>
+              <a:t>‹#›</a:t>
+            </a:fld>
+            <a:endParaRPr lang="en-US"/>
+          </a:p>
+        </p:txBody>
+      </p:sp>
+    </p:spTree>
+    <p:extLst>
+      <p:ext uri="{BB962C8B-B14F-4D97-AF65-F5344CB8AC3E}">
+        <p14:creationId xmlns:p14="http://schemas.microsoft.com/office/powerpoint/2010/main" val="40158664"/>
+      </p:ext>
+    </p:extLst>
+  </p:cSld>
+  <p:clrMapOvr>
+    <a:masterClrMapping/>
+  </p:clrMapOvr>
+</p:sldLayout>
+</file>
+
+<file path=ppt/slideLayouts/slideLayout11.xml><?xml version="1.0" encoding="utf-8"?>
+<p:sldLayout xmlns:a="http://schemas.openxmlformats.org/drawingml/2006/main" xmlns:r="http://schemas.openxmlformats.org/officeDocument/2006/relationships" xmlns:p="http://schemas.openxmlformats.org/presentationml/2006/main" preserve="1">
+  <p:cSld name="Title and Caption">
+    <p:spTree>
+      <p:nvGrpSpPr>
+        <p:cNvPr id="1" name=""/>
+        <p:cNvGrpSpPr/>
+        <p:nvPr/>
+      </p:nvGrpSpPr>
+      <p:grpSpPr>
+        <a:xfrm>
+          <a:off x="0" y="0"/>
+          <a:ext cx="0" cy="0"/>
+          <a:chOff x="0" y="0"/>
+          <a:chExt cx="0" cy="0"/>
+        </a:xfrm>
+      </p:grpSpPr>
+      <p:sp>
+        <p:nvSpPr>
+          <p:cNvPr id="2" name="Title 1"/>
+          <p:cNvSpPr>
+            <a:spLocks noGrp="1"/>
+          </p:cNvSpPr>
+          <p:nvPr>
+            <p:ph type="title"/>
+          </p:nvPr>
+        </p:nvSpPr>
+        <p:spPr>
+          <a:xfrm>
+            <a:off x="1303868" y="982132"/>
+            <a:ext cx="9592732" cy="2954868"/>
+          </a:xfrm>
+        </p:spPr>
+        <p:txBody>
+          <a:bodyPr anchor="ctr">
+            <a:normAutofit/>
+          </a:bodyPr>
+          <a:lstStyle>
+            <a:lvl1pPr algn="ctr">
+              <a:defRPr sz="3200" b="0" cap="none"/>
+            </a:lvl1pPr>
+          </a:lstStyle>
+          <a:p>
+            <a:r>
+              <a:rPr lang="en-US"/>
+              <a:t>Click to edit Master title style</a:t>
+            </a:r>
+            <a:endParaRPr lang="en-US" dirty="0"/>
+          </a:p>
+        </p:txBody>
+      </p:sp>
+      <p:sp>
+        <p:nvSpPr>
+          <p:cNvPr id="3" name="Text Placeholder 2"/>
+          <p:cNvSpPr>
+            <a:spLocks noGrp="1"/>
+          </p:cNvSpPr>
+          <p:nvPr>
+            <p:ph type="body" idx="1"/>
+          </p:nvPr>
+        </p:nvSpPr>
+        <p:spPr>
+          <a:xfrm>
+            <a:off x="1303868" y="4343399"/>
+            <a:ext cx="9592732" cy="1532467"/>
+          </a:xfrm>
+        </p:spPr>
+        <p:txBody>
+          <a:bodyPr anchor="ctr">
+            <a:normAutofit/>
+          </a:bodyPr>
+          <a:lstStyle>
+            <a:lvl1pPr marL="0" indent="0" algn="ctr">
+              <a:buNone/>
+              <a:defRPr sz="2000">
+                <a:solidFill>
+                  <a:schemeClr val="tx1"/>
+                </a:solidFill>
+              </a:defRPr>
+            </a:lvl1pPr>
+            <a:lvl2pPr marL="457200" indent="0">
+              <a:buNone/>
+              <a:defRPr sz="1800">
+                <a:solidFill>
+                  <a:schemeClr val="tx1">
+                    <a:tint val="75000"/>
+                  </a:schemeClr>
+                </a:solidFill>
+              </a:defRPr>
+            </a:lvl2pPr>
+            <a:lvl3pPr marL="914400" indent="0">
+              <a:buNone/>
+              <a:defRPr sz="1600">
+                <a:solidFill>
+                  <a:schemeClr val="tx1">
+                    <a:tint val="75000"/>
+                  </a:schemeClr>
+                </a:solidFill>
+              </a:defRPr>
+            </a:lvl3pPr>
+            <a:lvl4pPr marL="1371600" indent="0">
+              <a:buNone/>
+              <a:defRPr sz="1400">
+                <a:solidFill>
+                  <a:schemeClr val="tx1">
+                    <a:tint val="75000"/>
+                  </a:schemeClr>
+                </a:solidFill>
+              </a:defRPr>
+            </a:lvl4pPr>
+            <a:lvl5pPr marL="1828800" indent="0">
+              <a:buNone/>
+              <a:defRPr sz="1400">
+                <a:solidFill>
+                  <a:schemeClr val="tx1">
+                    <a:tint val="75000"/>
+                  </a:schemeClr>
+                </a:solidFill>
+              </a:defRPr>
+            </a:lvl5pPr>
+            <a:lvl6pPr marL="2286000" indent="0">
+              <a:buNone/>
+              <a:defRPr sz="1400">
+                <a:solidFill>
+                  <a:schemeClr val="tx1">
+                    <a:tint val="75000"/>
+                  </a:schemeClr>
+                </a:solidFill>
+              </a:defRPr>
+            </a:lvl6pPr>
+            <a:lvl7pPr marL="2743200" indent="0">
+              <a:buNone/>
+              <a:defRPr sz="1400">
+                <a:solidFill>
+                  <a:schemeClr val="tx1">
+                    <a:tint val="75000"/>
+                  </a:schemeClr>
+                </a:solidFill>
+              </a:defRPr>
+            </a:lvl7pPr>
+            <a:lvl8pPr marL="3200400" indent="0">
+              <a:buNone/>
+              <a:defRPr sz="1400">
+                <a:solidFill>
+                  <a:schemeClr val="tx1">
+                    <a:tint val="75000"/>
+                  </a:schemeClr>
+                </a:solidFill>
+              </a:defRPr>
+            </a:lvl8pPr>
+            <a:lvl9pPr marL="3657600" indent="0">
+              <a:buNone/>
+              <a:defRPr sz="1400">
+                <a:solidFill>
+                  <a:schemeClr val="tx1">
+                    <a:tint val="75000"/>
+                  </a:schemeClr>
+                </a:solidFill>
+              </a:defRPr>
+            </a:lvl9pPr>
+          </a:lstStyle>
+          <a:p>
+            <a:pPr lvl="0"/>
+            <a:r>
+              <a:rPr lang="en-US"/>
+              <a:t>Click to edit Master text styles</a:t>
+            </a:r>
+          </a:p>
+        </p:txBody>
+      </p:sp>
+      <p:sp>
+        <p:nvSpPr>
+          <p:cNvPr id="4" name="Date Placeholder 3"/>
+          <p:cNvSpPr>
+            <a:spLocks noGrp="1"/>
+          </p:cNvSpPr>
+          <p:nvPr>
+            <p:ph type="dt" sz="half" idx="10"/>
+          </p:nvPr>
+        </p:nvSpPr>
+        <p:spPr/>
+        <p:txBody>
+          <a:bodyPr/>
+          <a:lstStyle/>
+          <a:p>
+            <a:fld id="{5F762F9F-E6EA-480B-A6EE-0D217F01FE68}" type="datetimeFigureOut">
+              <a:rPr lang="en-US" smtClean="0"/>
+              <a:t>2/13/2020</a:t>
+            </a:fld>
+            <a:endParaRPr lang="en-US"/>
+          </a:p>
+        </p:txBody>
+      </p:sp>
+      <p:sp>
+        <p:nvSpPr>
+          <p:cNvPr id="5" name="Footer Placeholder 4"/>
+          <p:cNvSpPr>
+            <a:spLocks noGrp="1"/>
+          </p:cNvSpPr>
+          <p:nvPr>
+            <p:ph type="ftr" sz="quarter" idx="11"/>
+          </p:nvPr>
+        </p:nvSpPr>
+        <p:spPr/>
+        <p:txBody>
+          <a:bodyPr/>
+          <a:lstStyle/>
+          <a:p>
+            <a:endParaRPr lang="en-US"/>
+          </a:p>
+        </p:txBody>
+      </p:sp>
+      <p:sp>
+        <p:nvSpPr>
+          <p:cNvPr id="6" name="Slide Number Placeholder 5"/>
+          <p:cNvSpPr>
+            <a:spLocks noGrp="1"/>
+          </p:cNvSpPr>
+          <p:nvPr>
+            <p:ph type="sldNum" sz="quarter" idx="12"/>
+          </p:nvPr>
+        </p:nvSpPr>
+        <p:spPr/>
+        <p:txBody>
+          <a:bodyPr/>
+          <a:lstStyle/>
+          <a:p>
+            <a:fld id="{4099D149-AD27-445A-9522-AD9073E6A657}" type="slidenum">
+              <a:rPr lang="en-US" smtClean="0"/>
+              <a:t>‹#›</a:t>
+            </a:fld>
+            <a:endParaRPr lang="en-US"/>
+          </a:p>
+        </p:txBody>
+      </p:sp>
+      <p:cxnSp>
+        <p:nvCxnSpPr>
+          <p:cNvPr id="15" name="Straight Connector 14"/>
+          <p:cNvCxnSpPr/>
+          <p:nvPr/>
+        </p:nvCxnSpPr>
+        <p:spPr>
+          <a:xfrm>
+            <a:off x="1396169" y="4140199"/>
+            <a:ext cx="9407298" cy="0"/>
+          </a:xfrm>
+          <a:prstGeom prst="line">
+            <a:avLst/>
+          </a:prstGeom>
+          <a:ln w="15875"/>
+        </p:spPr>
+        <p:style>
+          <a:lnRef idx="2">
+            <a:schemeClr val="accent1"/>
+          </a:lnRef>
+          <a:fillRef idx="0">
+            <a:schemeClr val="accent1"/>
+          </a:fillRef>
+          <a:effectRef idx="1">
+            <a:schemeClr val="accent1"/>
+          </a:effectRef>
+          <a:fontRef idx="minor">
+            <a:schemeClr val="tx1"/>
+          </a:fontRef>
+        </p:style>
+      </p:cxnSp>
+    </p:spTree>
+    <p:extLst>
+      <p:ext uri="{BB962C8B-B14F-4D97-AF65-F5344CB8AC3E}">
+        <p14:creationId xmlns:p14="http://schemas.microsoft.com/office/powerpoint/2010/main" val="3619648109"/>
+      </p:ext>
+    </p:extLst>
+  </p:cSld>
+  <p:clrMapOvr>
+    <a:masterClrMapping/>
+  </p:clrMapOvr>
+</p:sldLayout>
+</file>
+
+<file path=ppt/slideLayouts/slideLayout12.xml><?xml version="1.0" encoding="utf-8"?>
+<p:sldLayout xmlns:a="http://schemas.openxmlformats.org/drawingml/2006/main" xmlns:r="http://schemas.openxmlformats.org/officeDocument/2006/relationships" xmlns:p="http://schemas.openxmlformats.org/presentationml/2006/main" preserve="1">
+  <p:cSld name="Quote with Caption">
+    <p:spTree>
+      <p:nvGrpSpPr>
+        <p:cNvPr id="1" name=""/>
+        <p:cNvGrpSpPr/>
+        <p:nvPr/>
+      </p:nvGrpSpPr>
+      <p:grpSpPr>
+        <a:xfrm>
+          <a:off x="0" y="0"/>
+          <a:ext cx="0" cy="0"/>
+          <a:chOff x="0" y="0"/>
+          <a:chExt cx="0" cy="0"/>
+        </a:xfrm>
+      </p:grpSpPr>
+      <p:sp>
+        <p:nvSpPr>
+          <p:cNvPr id="2" name="Title 1"/>
+          <p:cNvSpPr>
+            <a:spLocks noGrp="1"/>
+          </p:cNvSpPr>
+          <p:nvPr>
+            <p:ph type="title"/>
+          </p:nvPr>
+        </p:nvSpPr>
+        <p:spPr>
+          <a:xfrm>
+            <a:off x="1446213" y="982132"/>
+            <a:ext cx="9296398" cy="2370668"/>
+          </a:xfrm>
+        </p:spPr>
+        <p:txBody>
+          <a:bodyPr anchor="ctr">
+            <a:normAutofit/>
+          </a:bodyPr>
+          <a:lstStyle>
+            <a:lvl1pPr algn="ctr">
+              <a:defRPr sz="3200" b="0" cap="none">
+                <a:solidFill>
+                  <a:schemeClr val="tx1"/>
+                </a:solidFill>
+              </a:defRPr>
+            </a:lvl1pPr>
+          </a:lstStyle>
+          <a:p>
+            <a:r>
+              <a:rPr lang="en-US"/>
+              <a:t>Click to edit Master title style</a:t>
+            </a:r>
+            <a:endParaRPr lang="en-US" dirty="0"/>
+          </a:p>
+        </p:txBody>
+      </p:sp>
+      <p:sp>
+        <p:nvSpPr>
+          <p:cNvPr id="10" name="Text Placeholder 9"/>
+          <p:cNvSpPr>
+            <a:spLocks noGrp="1"/>
+          </p:cNvSpPr>
+          <p:nvPr>
+            <p:ph type="body" sz="quarter" idx="13"/>
+          </p:nvPr>
+        </p:nvSpPr>
+        <p:spPr>
+          <a:xfrm>
+            <a:off x="1674812" y="3352800"/>
+            <a:ext cx="8839202" cy="584200"/>
+          </a:xfrm>
+        </p:spPr>
+        <p:txBody>
+          <a:bodyPr anchor="ctr">
+            <a:normAutofit/>
+          </a:bodyPr>
+          <a:lstStyle>
+            <a:lvl1pPr marL="0" indent="0" algn="r">
+              <a:buFontTx/>
+              <a:buNone/>
+              <a:defRPr sz="2000"/>
+            </a:lvl1pPr>
+            <a:lvl2pPr marL="457200" indent="0">
+              <a:buFontTx/>
+              <a:buNone/>
+              <a:defRPr/>
+            </a:lvl2pPr>
+            <a:lvl3pPr marL="914400" indent="0">
+              <a:buFontTx/>
+              <a:buNone/>
+              <a:defRPr/>
+            </a:lvl3pPr>
+            <a:lvl4pPr marL="1371600" indent="0">
+              <a:buFontTx/>
+              <a:buNone/>
+              <a:defRPr/>
+            </a:lvl4pPr>
+            <a:lvl5pPr marL="1828800" indent="0">
+              <a:buFontTx/>
+              <a:buNone/>
+              <a:defRPr/>
+            </a:lvl5pPr>
+          </a:lstStyle>
+          <a:p>
+            <a:pPr lvl="0"/>
+            <a:r>
+              <a:rPr lang="en-US"/>
+              <a:t>Click to edit Master text styles</a:t>
+            </a:r>
+          </a:p>
+        </p:txBody>
+      </p:sp>
+      <p:sp>
+        <p:nvSpPr>
+          <p:cNvPr id="3" name="Text Placeholder 2"/>
+          <p:cNvSpPr>
+            <a:spLocks noGrp="1"/>
+          </p:cNvSpPr>
+          <p:nvPr>
+            <p:ph type="body" idx="1"/>
+          </p:nvPr>
+        </p:nvSpPr>
+        <p:spPr>
+          <a:xfrm>
+            <a:off x="1295401" y="4343399"/>
+            <a:ext cx="9609666" cy="1532467"/>
+          </a:xfrm>
+        </p:spPr>
+        <p:txBody>
+          <a:bodyPr anchor="ctr">
+            <a:normAutofit/>
+          </a:bodyPr>
+          <a:lstStyle>
+            <a:lvl1pPr marL="0" indent="0" algn="ctr">
+              <a:buNone/>
+              <a:defRPr sz="2000">
+                <a:solidFill>
+                  <a:schemeClr val="tx1"/>
+                </a:solidFill>
+              </a:defRPr>
+            </a:lvl1pPr>
+            <a:lvl2pPr marL="457200" indent="0">
+              <a:buNone/>
+              <a:defRPr sz="1800">
+                <a:solidFill>
+                  <a:schemeClr val="tx1">
+                    <a:tint val="75000"/>
+                  </a:schemeClr>
+                </a:solidFill>
+              </a:defRPr>
+            </a:lvl2pPr>
+            <a:lvl3pPr marL="914400" indent="0">
+              <a:buNone/>
+              <a:defRPr sz="1600">
+                <a:solidFill>
+                  <a:schemeClr val="tx1">
+                    <a:tint val="75000"/>
+                  </a:schemeClr>
+                </a:solidFill>
+              </a:defRPr>
+            </a:lvl3pPr>
+            <a:lvl4pPr marL="1371600" indent="0">
+              <a:buNone/>
+              <a:defRPr sz="1400">
+                <a:solidFill>
+                  <a:schemeClr val="tx1">
+                    <a:tint val="75000"/>
+                  </a:schemeClr>
+                </a:solidFill>
+              </a:defRPr>
+            </a:lvl4pPr>
+            <a:lvl5pPr marL="1828800" indent="0">
+              <a:buNone/>
+              <a:defRPr sz="1400">
+                <a:solidFill>
+                  <a:schemeClr val="tx1">
+                    <a:tint val="75000"/>
+                  </a:schemeClr>
+                </a:solidFill>
+              </a:defRPr>
+            </a:lvl5pPr>
+            <a:lvl6pPr marL="2286000" indent="0">
+              <a:buNone/>
+              <a:defRPr sz="1400">
+                <a:solidFill>
+                  <a:schemeClr val="tx1">
+                    <a:tint val="75000"/>
+                  </a:schemeClr>
+                </a:solidFill>
+              </a:defRPr>
+            </a:lvl6pPr>
+            <a:lvl7pPr marL="2743200" indent="0">
+              <a:buNone/>
+              <a:defRPr sz="1400">
+                <a:solidFill>
+                  <a:schemeClr val="tx1">
+                    <a:tint val="75000"/>
+                  </a:schemeClr>
+                </a:solidFill>
+              </a:defRPr>
+            </a:lvl7pPr>
+            <a:lvl8pPr marL="3200400" indent="0">
+              <a:buNone/>
+              <a:defRPr sz="1400">
+                <a:solidFill>
+                  <a:schemeClr val="tx1">
+                    <a:tint val="75000"/>
+                  </a:schemeClr>
+                </a:solidFill>
+              </a:defRPr>
+            </a:lvl8pPr>
+            <a:lvl9pPr marL="3657600" indent="0">
+              <a:buNone/>
+              <a:defRPr sz="1400">
+                <a:solidFill>
+                  <a:schemeClr val="tx1">
+                    <a:tint val="75000"/>
+                  </a:schemeClr>
+                </a:solidFill>
+              </a:defRPr>
+            </a:lvl9pPr>
+          </a:lstStyle>
+          <a:p>
+            <a:pPr lvl="0"/>
+            <a:r>
+              <a:rPr lang="en-US"/>
+              <a:t>Click to edit Master text styles</a:t>
+            </a:r>
+          </a:p>
+        </p:txBody>
+      </p:sp>
+      <p:sp>
+        <p:nvSpPr>
+          <p:cNvPr id="4" name="Date Placeholder 3"/>
+          <p:cNvSpPr>
+            <a:spLocks noGrp="1"/>
+          </p:cNvSpPr>
+          <p:nvPr>
+            <p:ph type="dt" sz="half" idx="10"/>
+          </p:nvPr>
+        </p:nvSpPr>
+        <p:spPr/>
+        <p:txBody>
+          <a:bodyPr/>
+          <a:lstStyle/>
+          <a:p>
+            <a:fld id="{5F762F9F-E6EA-480B-A6EE-0D217F01FE68}" type="datetimeFigureOut">
+              <a:rPr lang="en-US" smtClean="0"/>
+              <a:t>2/13/2020</a:t>
+            </a:fld>
+            <a:endParaRPr lang="en-US"/>
+          </a:p>
+        </p:txBody>
+      </p:sp>
+      <p:sp>
+        <p:nvSpPr>
+          <p:cNvPr id="5" name="Footer Placeholder 4"/>
+          <p:cNvSpPr>
+            <a:spLocks noGrp="1"/>
+          </p:cNvSpPr>
+          <p:nvPr>
+            <p:ph type="ftr" sz="quarter" idx="11"/>
+          </p:nvPr>
+        </p:nvSpPr>
+        <p:spPr/>
+        <p:txBody>
+          <a:bodyPr/>
+          <a:lstStyle/>
+          <a:p>
+            <a:endParaRPr lang="en-US"/>
+          </a:p>
+        </p:txBody>
+      </p:sp>
+      <p:sp>
+        <p:nvSpPr>
+          <p:cNvPr id="6" name="Slide Number Placeholder 5"/>
+          <p:cNvSpPr>
+            <a:spLocks noGrp="1"/>
+          </p:cNvSpPr>
+          <p:nvPr>
+            <p:ph type="sldNum" sz="quarter" idx="12"/>
+          </p:nvPr>
+        </p:nvSpPr>
+        <p:spPr/>
+        <p:txBody>
+          <a:bodyPr/>
+          <a:lstStyle/>
+          <a:p>
+            <a:fld id="{4099D149-AD27-445A-9522-AD9073E6A657}" type="slidenum">
+              <a:rPr lang="en-US" smtClean="0"/>
+              <a:t>‹#›</a:t>
+            </a:fld>
+            <a:endParaRPr lang="en-US"/>
+          </a:p>
+        </p:txBody>
+      </p:sp>
+      <p:sp>
+        <p:nvSpPr>
+          <p:cNvPr id="14" name="TextBox 13"/>
+          <p:cNvSpPr txBox="1"/>
+          <p:nvPr/>
+        </p:nvSpPr>
+        <p:spPr>
+          <a:xfrm>
+            <a:off x="862013" y="879961"/>
+            <a:ext cx="609600" cy="584776"/>
+          </a:xfrm>
+          <a:prstGeom prst="rect">
+            <a:avLst/>
+          </a:prstGeom>
+        </p:spPr>
+        <p:txBody>
+          <a:bodyPr vert="horz" lIns="91440" tIns="45720" rIns="91440" bIns="45720" rtlCol="0" anchor="ctr">
+            <a:noAutofit/>
+          </a:bodyPr>
+          <a:lstStyle/>
+          <a:p>
+            <a:pPr lvl="0"/>
+            <a:r>
+              <a:rPr lang="en-US" sz="8000" dirty="0">
+                <a:solidFill>
+                  <a:schemeClr val="tx1"/>
+                </a:solidFill>
+                <a:effectLst/>
+              </a:rPr>
+              <a:t>“</a:t>
+            </a:r>
+          </a:p>
+        </p:txBody>
+      </p:sp>
+      <p:sp>
+        <p:nvSpPr>
+          <p:cNvPr id="15" name="TextBox 14"/>
+          <p:cNvSpPr txBox="1"/>
+          <p:nvPr/>
+        </p:nvSpPr>
+        <p:spPr>
+          <a:xfrm>
+            <a:off x="10600267" y="2827870"/>
+            <a:ext cx="609600" cy="584776"/>
+          </a:xfrm>
+          <a:prstGeom prst="rect">
+            <a:avLst/>
+          </a:prstGeom>
+        </p:spPr>
+        <p:txBody>
+          <a:bodyPr vert="horz" lIns="91440" tIns="45720" rIns="91440" bIns="45720" rtlCol="0" anchor="ctr">
+            <a:noAutofit/>
+          </a:bodyPr>
+          <a:lstStyle/>
+          <a:p>
+            <a:pPr lvl="0" algn="r"/>
+            <a:r>
+              <a:rPr lang="en-US" sz="8000" dirty="0">
+                <a:solidFill>
+                  <a:schemeClr val="tx1"/>
+                </a:solidFill>
+                <a:effectLst/>
+              </a:rPr>
+              <a:t>”</a:t>
+            </a:r>
+          </a:p>
+        </p:txBody>
+      </p:sp>
+      <p:cxnSp>
+        <p:nvCxnSpPr>
+          <p:cNvPr id="19" name="Straight Connector 18"/>
+          <p:cNvCxnSpPr/>
+          <p:nvPr/>
+        </p:nvCxnSpPr>
+        <p:spPr>
+          <a:xfrm>
+            <a:off x="1396169" y="4140199"/>
+            <a:ext cx="9407298" cy="0"/>
+          </a:xfrm>
+          <a:prstGeom prst="line">
+            <a:avLst/>
+          </a:prstGeom>
+          <a:ln w="15875"/>
+        </p:spPr>
+        <p:style>
+          <a:lnRef idx="2">
+            <a:schemeClr val="accent1"/>
+          </a:lnRef>
+          <a:fillRef idx="0">
+            <a:schemeClr val="accent1"/>
+          </a:fillRef>
+          <a:effectRef idx="1">
+            <a:schemeClr val="accent1"/>
+          </a:effectRef>
+          <a:fontRef idx="minor">
+            <a:schemeClr val="tx1"/>
+          </a:fontRef>
+        </p:style>
+      </p:cxnSp>
+    </p:spTree>
+    <p:extLst>
+      <p:ext uri="{BB962C8B-B14F-4D97-AF65-F5344CB8AC3E}">
+        <p14:creationId xmlns:p14="http://schemas.microsoft.com/office/powerpoint/2010/main" val="3409440037"/>
+      </p:ext>
+    </p:extLst>
+  </p:cSld>
+  <p:clrMapOvr>
+    <a:masterClrMapping/>
+  </p:clrMapOvr>
+</p:sldLayout>
+</file>
+
+<file path=ppt/slideLayouts/slideLayout13.xml><?xml version="1.0" encoding="utf-8"?>
+<p:sldLayout xmlns:a="http://schemas.openxmlformats.org/drawingml/2006/main" xmlns:r="http://schemas.openxmlformats.org/officeDocument/2006/relationships" xmlns:p="http://schemas.openxmlformats.org/presentationml/2006/main" preserve="1">
+  <p:cSld name="Name Card">
+    <p:spTree>
+      <p:nvGrpSpPr>
+        <p:cNvPr id="1" name=""/>
+        <p:cNvGrpSpPr/>
+        <p:nvPr/>
+      </p:nvGrpSpPr>
+      <p:grpSpPr>
+        <a:xfrm>
+          <a:off x="0" y="0"/>
+          <a:ext cx="0" cy="0"/>
+          <a:chOff x="0" y="0"/>
+          <a:chExt cx="0" cy="0"/>
+        </a:xfrm>
+      </p:grpSpPr>
+      <p:sp>
+        <p:nvSpPr>
+          <p:cNvPr id="2" name="Title 1"/>
+          <p:cNvSpPr>
+            <a:spLocks noGrp="1"/>
+          </p:cNvSpPr>
+          <p:nvPr>
+            <p:ph type="title"/>
+          </p:nvPr>
+        </p:nvSpPr>
+        <p:spPr>
+          <a:xfrm>
+            <a:off x="1295402" y="3308581"/>
+            <a:ext cx="9609668" cy="1468800"/>
+          </a:xfrm>
+        </p:spPr>
+        <p:txBody>
+          <a:bodyPr anchor="b">
+            <a:normAutofit/>
+          </a:bodyPr>
+          <a:lstStyle>
+            <a:lvl1pPr algn="l">
+              <a:defRPr sz="3200" b="0" cap="none"/>
+            </a:lvl1pPr>
+          </a:lstStyle>
+          <a:p>
+            <a:r>
+              <a:rPr lang="en-US"/>
+              <a:t>Click to edit Master title style</a:t>
+            </a:r>
+            <a:endParaRPr lang="en-US" dirty="0"/>
+          </a:p>
+        </p:txBody>
+      </p:sp>
+      <p:sp>
+        <p:nvSpPr>
+          <p:cNvPr id="3" name="Text Placeholder 2"/>
+          <p:cNvSpPr>
+            <a:spLocks noGrp="1"/>
+          </p:cNvSpPr>
+          <p:nvPr>
+            <p:ph type="body" idx="1"/>
+          </p:nvPr>
+        </p:nvSpPr>
+        <p:spPr>
+          <a:xfrm>
+            <a:off x="1295401" y="4777381"/>
+            <a:ext cx="9609668" cy="860400"/>
+          </a:xfrm>
+        </p:spPr>
+        <p:txBody>
+          <a:bodyPr anchor="t">
+            <a:normAutofit/>
+          </a:bodyPr>
+          <a:lstStyle>
+            <a:lvl1pPr marL="0" indent="0" algn="l">
+              <a:buNone/>
+              <a:defRPr sz="2000">
+                <a:solidFill>
+                  <a:schemeClr val="tx1"/>
+                </a:solidFill>
+              </a:defRPr>
+            </a:lvl1pPr>
+            <a:lvl2pPr marL="457200" indent="0">
+              <a:buNone/>
+              <a:defRPr sz="1800">
+                <a:solidFill>
+                  <a:schemeClr val="tx1">
+                    <a:tint val="75000"/>
+                  </a:schemeClr>
+                </a:solidFill>
+              </a:defRPr>
+            </a:lvl2pPr>
+            <a:lvl3pPr marL="914400" indent="0">
+              <a:buNone/>
+              <a:defRPr sz="1600">
+                <a:solidFill>
+                  <a:schemeClr val="tx1">
+                    <a:tint val="75000"/>
+                  </a:schemeClr>
+                </a:solidFill>
+              </a:defRPr>
+            </a:lvl3pPr>
+            <a:lvl4pPr marL="1371600" indent="0">
+              <a:buNone/>
+              <a:defRPr sz="1400">
+                <a:solidFill>
+                  <a:schemeClr val="tx1">
+                    <a:tint val="75000"/>
+                  </a:schemeClr>
+                </a:solidFill>
+              </a:defRPr>
+            </a:lvl4pPr>
+            <a:lvl5pPr marL="1828800" indent="0">
+              <a:buNone/>
+              <a:defRPr sz="1400">
+                <a:solidFill>
+                  <a:schemeClr val="tx1">
+                    <a:tint val="75000"/>
+                  </a:schemeClr>
+                </a:solidFill>
+              </a:defRPr>
+            </a:lvl5pPr>
+            <a:lvl6pPr marL="2286000" indent="0">
+              <a:buNone/>
+              <a:defRPr sz="1400">
+                <a:solidFill>
+                  <a:schemeClr val="tx1">
+                    <a:tint val="75000"/>
+                  </a:schemeClr>
+                </a:solidFill>
+              </a:defRPr>
+            </a:lvl6pPr>
+            <a:lvl7pPr marL="2743200" indent="0">
+              <a:buNone/>
+              <a:defRPr sz="1400">
+                <a:solidFill>
+                  <a:schemeClr val="tx1">
+                    <a:tint val="75000"/>
+                  </a:schemeClr>
+                </a:solidFill>
+              </a:defRPr>
+            </a:lvl7pPr>
+            <a:lvl8pPr marL="3200400" indent="0">
+              <a:buNone/>
+              <a:defRPr sz="1400">
+                <a:solidFill>
+                  <a:schemeClr val="tx1">
+                    <a:tint val="75000"/>
+                  </a:schemeClr>
+                </a:solidFill>
+              </a:defRPr>
+            </a:lvl8pPr>
+            <a:lvl9pPr marL="3657600" indent="0">
+              <a:buNone/>
+              <a:defRPr sz="1400">
+                <a:solidFill>
+                  <a:schemeClr val="tx1">
+                    <a:tint val="75000"/>
+                  </a:schemeClr>
+                </a:solidFill>
+              </a:defRPr>
+            </a:lvl9pPr>
+          </a:lstStyle>
+          <a:p>
+            <a:pPr lvl="0"/>
+            <a:r>
+              <a:rPr lang="en-US"/>
+              <a:t>Click to edit Master text styles</a:t>
+            </a:r>
+          </a:p>
+        </p:txBody>
+      </p:sp>
+      <p:sp>
+        <p:nvSpPr>
+          <p:cNvPr id="4" name="Date Placeholder 3"/>
+          <p:cNvSpPr>
+            <a:spLocks noGrp="1"/>
+          </p:cNvSpPr>
+          <p:nvPr>
+            <p:ph type="dt" sz="half" idx="10"/>
+          </p:nvPr>
+        </p:nvSpPr>
+        <p:spPr/>
+        <p:txBody>
+          <a:bodyPr/>
+          <a:lstStyle/>
+          <a:p>
+            <a:fld id="{5F762F9F-E6EA-480B-A6EE-0D217F01FE68}" type="datetimeFigureOut">
+              <a:rPr lang="en-US" smtClean="0"/>
+              <a:t>2/13/2020</a:t>
+            </a:fld>
+            <a:endParaRPr lang="en-US"/>
+          </a:p>
+        </p:txBody>
+      </p:sp>
+      <p:sp>
+        <p:nvSpPr>
+          <p:cNvPr id="5" name="Footer Placeholder 4"/>
+          <p:cNvSpPr>
+            <a:spLocks noGrp="1"/>
+          </p:cNvSpPr>
+          <p:nvPr>
+            <p:ph type="ftr" sz="quarter" idx="11"/>
+          </p:nvPr>
+        </p:nvSpPr>
+        <p:spPr/>
+        <p:txBody>
+          <a:bodyPr/>
+          <a:lstStyle/>
+          <a:p>
+            <a:endParaRPr lang="en-US"/>
+          </a:p>
+        </p:txBody>
+      </p:sp>
+      <p:sp>
+        <p:nvSpPr>
+          <p:cNvPr id="6" name="Slide Number Placeholder 5"/>
+          <p:cNvSpPr>
+            <a:spLocks noGrp="1"/>
+          </p:cNvSpPr>
+          <p:nvPr>
+            <p:ph type="sldNum" sz="quarter" idx="12"/>
+          </p:nvPr>
+        </p:nvSpPr>
+        <p:spPr/>
+        <p:txBody>
+          <a:bodyPr/>
+          <a:lstStyle/>
+          <a:p>
+            <a:fld id="{4099D149-AD27-445A-9522-AD9073E6A657}" type="slidenum">
+              <a:rPr lang="en-US" smtClean="0"/>
+              <a:t>‹#›</a:t>
+            </a:fld>
+            <a:endParaRPr lang="en-US"/>
+          </a:p>
+        </p:txBody>
+      </p:sp>
+    </p:spTree>
+    <p:extLst>
+      <p:ext uri="{BB962C8B-B14F-4D97-AF65-F5344CB8AC3E}">
+        <p14:creationId xmlns:p14="http://schemas.microsoft.com/office/powerpoint/2010/main" val="4165350545"/>
+      </p:ext>
+    </p:extLst>
+  </p:cSld>
+  <p:clrMapOvr>
+    <a:masterClrMapping/>
+  </p:clrMapOvr>
+</p:sldLayout>
+</file>
+
+<file path=ppt/slideLayouts/slideLayout14.xml><?xml version="1.0" encoding="utf-8"?>
+<p:sldLayout xmlns:a="http://schemas.openxmlformats.org/drawingml/2006/main" xmlns:r="http://schemas.openxmlformats.org/officeDocument/2006/relationships" xmlns:p="http://schemas.openxmlformats.org/presentationml/2006/main" preserve="1">
+  <p:cSld name="Quote Name Card">
+    <p:spTree>
+      <p:nvGrpSpPr>
+        <p:cNvPr id="1" name=""/>
+        <p:cNvGrpSpPr/>
+        <p:nvPr/>
+      </p:nvGrpSpPr>
+      <p:grpSpPr>
+        <a:xfrm>
+          <a:off x="0" y="0"/>
+          <a:ext cx="0" cy="0"/>
+          <a:chOff x="0" y="0"/>
+          <a:chExt cx="0" cy="0"/>
+        </a:xfrm>
+      </p:grpSpPr>
+      <p:sp>
+        <p:nvSpPr>
+          <p:cNvPr id="2" name="Title 1"/>
+          <p:cNvSpPr>
+            <a:spLocks noGrp="1"/>
+          </p:cNvSpPr>
+          <p:nvPr>
+            <p:ph type="title"/>
+          </p:nvPr>
+        </p:nvSpPr>
+        <p:spPr>
+          <a:xfrm>
+            <a:off x="1446213" y="982132"/>
+            <a:ext cx="9296398" cy="2243668"/>
+          </a:xfrm>
+        </p:spPr>
+        <p:txBody>
+          <a:bodyPr anchor="ctr">
+            <a:normAutofit/>
+          </a:bodyPr>
+          <a:lstStyle>
+            <a:lvl1pPr algn="ctr">
+              <a:defRPr sz="3200" b="0" cap="none">
+                <a:solidFill>
+                  <a:schemeClr val="tx1"/>
+                </a:solidFill>
+              </a:defRPr>
+            </a:lvl1pPr>
+          </a:lstStyle>
+          <a:p>
+            <a:r>
+              <a:rPr lang="en-US"/>
+              <a:t>Click to edit Master title style</a:t>
+            </a:r>
+            <a:endParaRPr lang="en-US" dirty="0"/>
+          </a:p>
+        </p:txBody>
+      </p:sp>
+      <p:sp>
+        <p:nvSpPr>
+          <p:cNvPr id="23" name="Text Placeholder 2"/>
+          <p:cNvSpPr>
+            <a:spLocks noGrp="1"/>
+          </p:cNvSpPr>
+          <p:nvPr>
+            <p:ph type="body" idx="13"/>
+          </p:nvPr>
+        </p:nvSpPr>
+        <p:spPr>
+          <a:xfrm>
+            <a:off x="1295401" y="3639312"/>
+            <a:ext cx="9609668" cy="886968"/>
+          </a:xfrm>
+        </p:spPr>
+        <p:txBody>
+          <a:bodyPr anchor="b">
+            <a:normAutofit/>
+          </a:bodyPr>
+          <a:lstStyle>
+            <a:lvl1pPr marL="0" indent="0" algn="l">
+              <a:spcBef>
+                <a:spcPts val="0"/>
+              </a:spcBef>
+              <a:buNone/>
+              <a:defRPr sz="2400">
+                <a:solidFill>
+                  <a:schemeClr val="tx1"/>
+                </a:solidFill>
+              </a:defRPr>
+            </a:lvl1pPr>
+            <a:lvl2pPr marL="457200" indent="0">
+              <a:buNone/>
+              <a:defRPr sz="1800">
+                <a:solidFill>
+                  <a:schemeClr val="tx1">
+                    <a:tint val="75000"/>
+                  </a:schemeClr>
+                </a:solidFill>
+              </a:defRPr>
+            </a:lvl2pPr>
+            <a:lvl3pPr marL="914400" indent="0">
+              <a:buNone/>
+              <a:defRPr sz="1600">
+                <a:solidFill>
+                  <a:schemeClr val="tx1">
+                    <a:tint val="75000"/>
+                  </a:schemeClr>
+                </a:solidFill>
+              </a:defRPr>
+            </a:lvl3pPr>
+            <a:lvl4pPr marL="1371600" indent="0">
+              <a:buNone/>
+              <a:defRPr sz="1400">
+                <a:solidFill>
+                  <a:schemeClr val="tx1">
+                    <a:tint val="75000"/>
+                  </a:schemeClr>
+                </a:solidFill>
+              </a:defRPr>
+            </a:lvl4pPr>
+            <a:lvl5pPr marL="1828800" indent="0">
+              <a:buNone/>
+              <a:defRPr sz="1400">
+                <a:solidFill>
+                  <a:schemeClr val="tx1">
+                    <a:tint val="75000"/>
+                  </a:schemeClr>
+                </a:solidFill>
+              </a:defRPr>
+            </a:lvl5pPr>
+            <a:lvl6pPr marL="2286000" indent="0">
+              <a:buNone/>
+              <a:defRPr sz="1400">
+                <a:solidFill>
+                  <a:schemeClr val="tx1">
+                    <a:tint val="75000"/>
+                  </a:schemeClr>
+                </a:solidFill>
+              </a:defRPr>
+            </a:lvl6pPr>
+            <a:lvl7pPr marL="2743200" indent="0">
+              <a:buNone/>
+              <a:defRPr sz="1400">
+                <a:solidFill>
+                  <a:schemeClr val="tx1">
+                    <a:tint val="75000"/>
+                  </a:schemeClr>
+                </a:solidFill>
+              </a:defRPr>
+            </a:lvl7pPr>
+            <a:lvl8pPr marL="3200400" indent="0">
+              <a:buNone/>
+              <a:defRPr sz="1400">
+                <a:solidFill>
+                  <a:schemeClr val="tx1">
+                    <a:tint val="75000"/>
+                  </a:schemeClr>
+                </a:solidFill>
+              </a:defRPr>
+            </a:lvl8pPr>
+            <a:lvl9pPr marL="3657600" indent="0">
+              <a:buNone/>
+              <a:defRPr sz="1400">
+                <a:solidFill>
+                  <a:schemeClr val="tx1">
+                    <a:tint val="75000"/>
+                  </a:schemeClr>
+                </a:solidFill>
+              </a:defRPr>
+            </a:lvl9pPr>
+          </a:lstStyle>
+          <a:p>
+            <a:pPr lvl="0"/>
+            <a:r>
+              <a:rPr lang="en-US"/>
+              <a:t>Click to edit Master text styles</a:t>
+            </a:r>
+          </a:p>
+        </p:txBody>
+      </p:sp>
+      <p:sp>
+        <p:nvSpPr>
+          <p:cNvPr id="3" name="Text Placeholder 2"/>
+          <p:cNvSpPr>
+            <a:spLocks noGrp="1"/>
+          </p:cNvSpPr>
+          <p:nvPr>
+            <p:ph type="body" idx="1"/>
+          </p:nvPr>
+        </p:nvSpPr>
+        <p:spPr>
+          <a:xfrm>
+            <a:off x="1295401" y="4529667"/>
+            <a:ext cx="9609668" cy="1346200"/>
+          </a:xfrm>
+        </p:spPr>
+        <p:txBody>
+          <a:bodyPr anchor="t">
+            <a:normAutofit/>
+          </a:bodyPr>
+          <a:lstStyle>
+            <a:lvl1pPr marL="0" indent="0" algn="l">
+              <a:buNone/>
+              <a:defRPr sz="1800">
+                <a:solidFill>
+                  <a:schemeClr val="tx1"/>
+                </a:solidFill>
+              </a:defRPr>
+            </a:lvl1pPr>
+            <a:lvl2pPr marL="457200" indent="0">
+              <a:buNone/>
+              <a:defRPr sz="1800">
+                <a:solidFill>
+                  <a:schemeClr val="tx1">
+                    <a:tint val="75000"/>
+                  </a:schemeClr>
+                </a:solidFill>
+              </a:defRPr>
+            </a:lvl2pPr>
+            <a:lvl3pPr marL="914400" indent="0">
+              <a:buNone/>
+              <a:defRPr sz="1600">
+                <a:solidFill>
+                  <a:schemeClr val="tx1">
+                    <a:tint val="75000"/>
+                  </a:schemeClr>
+                </a:solidFill>
+              </a:defRPr>
+            </a:lvl3pPr>
+            <a:lvl4pPr marL="1371600" indent="0">
+              <a:buNone/>
+              <a:defRPr sz="1400">
+                <a:solidFill>
+                  <a:schemeClr val="tx1">
+                    <a:tint val="75000"/>
+                  </a:schemeClr>
+                </a:solidFill>
+              </a:defRPr>
+            </a:lvl4pPr>
+            <a:lvl5pPr marL="1828800" indent="0">
+              <a:buNone/>
+              <a:defRPr sz="1400">
+                <a:solidFill>
+                  <a:schemeClr val="tx1">
+                    <a:tint val="75000"/>
+                  </a:schemeClr>
+                </a:solidFill>
+              </a:defRPr>
+            </a:lvl5pPr>
+            <a:lvl6pPr marL="2286000" indent="0">
+              <a:buNone/>
+              <a:defRPr sz="1400">
+                <a:solidFill>
+                  <a:schemeClr val="tx1">
+                    <a:tint val="75000"/>
+                  </a:schemeClr>
+                </a:solidFill>
+              </a:defRPr>
+            </a:lvl6pPr>
+            <a:lvl7pPr marL="2743200" indent="0">
+              <a:buNone/>
+              <a:defRPr sz="1400">
+                <a:solidFill>
+                  <a:schemeClr val="tx1">
+                    <a:tint val="75000"/>
+                  </a:schemeClr>
+                </a:solidFill>
+              </a:defRPr>
+            </a:lvl7pPr>
+            <a:lvl8pPr marL="3200400" indent="0">
+              <a:buNone/>
+              <a:defRPr sz="1400">
+                <a:solidFill>
+                  <a:schemeClr val="tx1">
+                    <a:tint val="75000"/>
+                  </a:schemeClr>
+                </a:solidFill>
+              </a:defRPr>
+            </a:lvl8pPr>
+            <a:lvl9pPr marL="3657600" indent="0">
+              <a:buNone/>
+              <a:defRPr sz="1400">
+                <a:solidFill>
+                  <a:schemeClr val="tx1">
+                    <a:tint val="75000"/>
+                  </a:schemeClr>
+                </a:solidFill>
+              </a:defRPr>
+            </a:lvl9pPr>
+          </a:lstStyle>
+          <a:p>
+            <a:pPr lvl="0"/>
+            <a:r>
+              <a:rPr lang="en-US"/>
+              <a:t>Click to edit Master text styles</a:t>
+            </a:r>
+          </a:p>
+        </p:txBody>
+      </p:sp>
+      <p:sp>
+        <p:nvSpPr>
+          <p:cNvPr id="4" name="Date Placeholder 3"/>
+          <p:cNvSpPr>
+            <a:spLocks noGrp="1"/>
+          </p:cNvSpPr>
+          <p:nvPr>
+            <p:ph type="dt" sz="half" idx="10"/>
+          </p:nvPr>
+        </p:nvSpPr>
+        <p:spPr/>
+        <p:txBody>
+          <a:bodyPr/>
+          <a:lstStyle/>
+          <a:p>
+            <a:fld id="{5F762F9F-E6EA-480B-A6EE-0D217F01FE68}" type="datetimeFigureOut">
+              <a:rPr lang="en-US" smtClean="0"/>
+              <a:t>2/13/2020</a:t>
+            </a:fld>
+            <a:endParaRPr lang="en-US"/>
+          </a:p>
+        </p:txBody>
+      </p:sp>
+      <p:sp>
+        <p:nvSpPr>
+          <p:cNvPr id="5" name="Footer Placeholder 4"/>
+          <p:cNvSpPr>
+            <a:spLocks noGrp="1"/>
+          </p:cNvSpPr>
+          <p:nvPr>
+            <p:ph type="ftr" sz="quarter" idx="11"/>
+          </p:nvPr>
+        </p:nvSpPr>
+        <p:spPr/>
+        <p:txBody>
+          <a:bodyPr/>
+          <a:lstStyle/>
+          <a:p>
+            <a:endParaRPr lang="en-US"/>
+          </a:p>
+        </p:txBody>
+      </p:sp>
+      <p:sp>
+        <p:nvSpPr>
+          <p:cNvPr id="6" name="Slide Number Placeholder 5"/>
+          <p:cNvSpPr>
+            <a:spLocks noGrp="1"/>
+          </p:cNvSpPr>
+          <p:nvPr>
+            <p:ph type="sldNum" sz="quarter" idx="12"/>
+          </p:nvPr>
+        </p:nvSpPr>
+        <p:spPr/>
+        <p:txBody>
+          <a:bodyPr/>
+          <a:lstStyle/>
+          <a:p>
+            <a:fld id="{4099D149-AD27-445A-9522-AD9073E6A657}" type="slidenum">
+              <a:rPr lang="en-US" smtClean="0"/>
+              <a:t>‹#›</a:t>
+            </a:fld>
+            <a:endParaRPr lang="en-US"/>
+          </a:p>
+        </p:txBody>
+      </p:sp>
+      <p:sp>
+        <p:nvSpPr>
+          <p:cNvPr id="12" name="TextBox 11"/>
+          <p:cNvSpPr txBox="1"/>
+          <p:nvPr/>
+        </p:nvSpPr>
+        <p:spPr>
+          <a:xfrm>
+            <a:off x="862013" y="879961"/>
+            <a:ext cx="609600" cy="584776"/>
+          </a:xfrm>
+          <a:prstGeom prst="rect">
+            <a:avLst/>
+          </a:prstGeom>
+        </p:spPr>
+        <p:txBody>
+          <a:bodyPr vert="horz" lIns="91440" tIns="45720" rIns="91440" bIns="45720" rtlCol="0" anchor="ctr">
+            <a:noAutofit/>
+          </a:bodyPr>
+          <a:lstStyle/>
+          <a:p>
+            <a:pPr lvl="0"/>
+            <a:r>
+              <a:rPr lang="en-US" sz="8000" dirty="0">
+                <a:solidFill>
+                  <a:schemeClr val="tx1"/>
+                </a:solidFill>
+                <a:effectLst/>
+              </a:rPr>
+              <a:t>“</a:t>
+            </a:r>
+          </a:p>
+        </p:txBody>
+      </p:sp>
+      <p:sp>
+        <p:nvSpPr>
+          <p:cNvPr id="13" name="TextBox 12"/>
+          <p:cNvSpPr txBox="1"/>
+          <p:nvPr/>
+        </p:nvSpPr>
+        <p:spPr>
+          <a:xfrm>
+            <a:off x="10600267" y="2599261"/>
+            <a:ext cx="609600" cy="584776"/>
+          </a:xfrm>
+          <a:prstGeom prst="rect">
+            <a:avLst/>
+          </a:prstGeom>
+        </p:spPr>
+        <p:txBody>
+          <a:bodyPr vert="horz" lIns="91440" tIns="45720" rIns="91440" bIns="45720" rtlCol="0" anchor="ctr">
+            <a:noAutofit/>
+          </a:bodyPr>
+          <a:lstStyle/>
+          <a:p>
+            <a:pPr lvl="0" algn="r"/>
+            <a:r>
+              <a:rPr lang="en-US" sz="8000" dirty="0">
+                <a:solidFill>
+                  <a:schemeClr val="tx1"/>
+                </a:solidFill>
+                <a:effectLst/>
+              </a:rPr>
+              <a:t>”</a:t>
+            </a:r>
+          </a:p>
+        </p:txBody>
+      </p:sp>
+      <p:cxnSp>
+        <p:nvCxnSpPr>
+          <p:cNvPr id="26" name="Straight Connector 25"/>
+          <p:cNvCxnSpPr/>
+          <p:nvPr/>
+        </p:nvCxnSpPr>
+        <p:spPr>
+          <a:xfrm>
+            <a:off x="1396169" y="3429000"/>
+            <a:ext cx="9407298" cy="0"/>
+          </a:xfrm>
+          <a:prstGeom prst="line">
+            <a:avLst/>
+          </a:prstGeom>
+          <a:ln w="15875"/>
+        </p:spPr>
+        <p:style>
+          <a:lnRef idx="2">
+            <a:schemeClr val="accent1"/>
+          </a:lnRef>
+          <a:fillRef idx="0">
+            <a:schemeClr val="accent1"/>
+          </a:fillRef>
+          <a:effectRef idx="1">
+            <a:schemeClr val="accent1"/>
+          </a:effectRef>
+          <a:fontRef idx="minor">
+            <a:schemeClr val="tx1"/>
+          </a:fontRef>
+        </p:style>
+      </p:cxnSp>
+    </p:spTree>
+    <p:extLst>
+      <p:ext uri="{BB962C8B-B14F-4D97-AF65-F5344CB8AC3E}">
+        <p14:creationId xmlns:p14="http://schemas.microsoft.com/office/powerpoint/2010/main" val="1832262472"/>
+      </p:ext>
+    </p:extLst>
+  </p:cSld>
+  <p:clrMapOvr>
+    <a:masterClrMapping/>
+  </p:clrMapOvr>
+</p:sldLayout>
+</file>
+
+<file path=ppt/slideLayouts/slideLayout15.xml><?xml version="1.0" encoding="utf-8"?>
+<p:sldLayout xmlns:a="http://schemas.openxmlformats.org/drawingml/2006/main" xmlns:r="http://schemas.openxmlformats.org/officeDocument/2006/relationships" xmlns:p="http://schemas.openxmlformats.org/presentationml/2006/main" preserve="1">
+  <p:cSld name="True or False">
+    <p:spTree>
+      <p:nvGrpSpPr>
+        <p:cNvPr id="1" name=""/>
+        <p:cNvGrpSpPr/>
+        <p:nvPr/>
+      </p:nvGrpSpPr>
+      <p:grpSpPr>
+        <a:xfrm>
+          <a:off x="0" y="0"/>
+          <a:ext cx="0" cy="0"/>
+          <a:chOff x="0" y="0"/>
+          <a:chExt cx="0" cy="0"/>
+        </a:xfrm>
+      </p:grpSpPr>
+      <p:sp>
+        <p:nvSpPr>
+          <p:cNvPr id="2" name="Title 1"/>
+          <p:cNvSpPr>
+            <a:spLocks noGrp="1"/>
+          </p:cNvSpPr>
+          <p:nvPr>
+            <p:ph type="title"/>
+          </p:nvPr>
+        </p:nvSpPr>
+        <p:spPr>
+          <a:xfrm>
+            <a:off x="1295401" y="982132"/>
+            <a:ext cx="9609666" cy="2243668"/>
+          </a:xfrm>
+        </p:spPr>
+        <p:txBody>
+          <a:bodyPr vert="horz" lIns="91440" tIns="45720" rIns="91440" bIns="45720" rtlCol="0" anchor="ctr">
+            <a:normAutofit/>
+          </a:bodyPr>
+          <a:lstStyle>
+            <a:lvl1pPr>
+              <a:defRPr lang="en-US" b="0" dirty="0"/>
+            </a:lvl1pPr>
+          </a:lstStyle>
+          <a:p>
+            <a:pPr marL="0" lvl="0"/>
+            <a:r>
+              <a:rPr lang="en-US"/>
+              <a:t>Click to edit Master title style</a:t>
+            </a:r>
+            <a:endParaRPr lang="en-US" dirty="0"/>
+          </a:p>
+        </p:txBody>
+      </p:sp>
+      <p:sp>
+        <p:nvSpPr>
+          <p:cNvPr id="20" name="Text Placeholder 2"/>
+          <p:cNvSpPr>
+            <a:spLocks noGrp="1"/>
+          </p:cNvSpPr>
+          <p:nvPr>
+            <p:ph type="body" idx="13"/>
+          </p:nvPr>
+        </p:nvSpPr>
+        <p:spPr>
+          <a:xfrm>
+            <a:off x="1295401" y="3630168"/>
+            <a:ext cx="9609668" cy="841248"/>
+          </a:xfrm>
+        </p:spPr>
+        <p:txBody>
+          <a:bodyPr anchor="b">
+            <a:normAutofit/>
+          </a:bodyPr>
+          <a:lstStyle>
+            <a:lvl1pPr marL="0" indent="0" algn="l">
+              <a:spcBef>
+                <a:spcPts val="0"/>
+              </a:spcBef>
+              <a:buNone/>
+              <a:defRPr sz="2800">
+                <a:solidFill>
+                  <a:schemeClr val="tx1"/>
+                </a:solidFill>
+              </a:defRPr>
+            </a:lvl1pPr>
+            <a:lvl2pPr marL="457200" indent="0">
+              <a:buNone/>
+              <a:defRPr sz="1800">
+                <a:solidFill>
+                  <a:schemeClr val="tx1">
+                    <a:tint val="75000"/>
+                  </a:schemeClr>
+                </a:solidFill>
+              </a:defRPr>
+            </a:lvl2pPr>
+            <a:lvl3pPr marL="914400" indent="0">
+              <a:buNone/>
+              <a:defRPr sz="1600">
+                <a:solidFill>
+                  <a:schemeClr val="tx1">
+                    <a:tint val="75000"/>
+                  </a:schemeClr>
+                </a:solidFill>
+              </a:defRPr>
+            </a:lvl3pPr>
+            <a:lvl4pPr marL="1371600" indent="0">
+              <a:buNone/>
+              <a:defRPr sz="1400">
+                <a:solidFill>
+                  <a:schemeClr val="tx1">
+                    <a:tint val="75000"/>
+                  </a:schemeClr>
+                </a:solidFill>
+              </a:defRPr>
+            </a:lvl4pPr>
+            <a:lvl5pPr marL="1828800" indent="0">
+              <a:buNone/>
+              <a:defRPr sz="1400">
+                <a:solidFill>
+                  <a:schemeClr val="tx1">
+                    <a:tint val="75000"/>
+                  </a:schemeClr>
+                </a:solidFill>
+              </a:defRPr>
+            </a:lvl5pPr>
+            <a:lvl6pPr marL="2286000" indent="0">
+              <a:buNone/>
+              <a:defRPr sz="1400">
+                <a:solidFill>
+                  <a:schemeClr val="tx1">
+                    <a:tint val="75000"/>
+                  </a:schemeClr>
+                </a:solidFill>
+              </a:defRPr>
+            </a:lvl6pPr>
+            <a:lvl7pPr marL="2743200" indent="0">
+              <a:buNone/>
+              <a:defRPr sz="1400">
+                <a:solidFill>
+                  <a:schemeClr val="tx1">
+                    <a:tint val="75000"/>
+                  </a:schemeClr>
+                </a:solidFill>
+              </a:defRPr>
+            </a:lvl7pPr>
+            <a:lvl8pPr marL="3200400" indent="0">
+              <a:buNone/>
+              <a:defRPr sz="1400">
+                <a:solidFill>
+                  <a:schemeClr val="tx1">
+                    <a:tint val="75000"/>
+                  </a:schemeClr>
+                </a:solidFill>
+              </a:defRPr>
+            </a:lvl8pPr>
+            <a:lvl9pPr marL="3657600" indent="0">
+              <a:buNone/>
+              <a:defRPr sz="1400">
+                <a:solidFill>
+                  <a:schemeClr val="tx1">
+                    <a:tint val="75000"/>
+                  </a:schemeClr>
+                </a:solidFill>
+              </a:defRPr>
+            </a:lvl9pPr>
+          </a:lstStyle>
+          <a:p>
+            <a:pPr lvl="0"/>
+            <a:r>
+              <a:rPr lang="en-US"/>
+              <a:t>Click to edit Master text styles</a:t>
+            </a:r>
+          </a:p>
+        </p:txBody>
+      </p:sp>
+      <p:sp>
+        <p:nvSpPr>
+          <p:cNvPr id="3" name="Text Placeholder 2"/>
+          <p:cNvSpPr>
+            <a:spLocks noGrp="1"/>
+          </p:cNvSpPr>
+          <p:nvPr>
+            <p:ph type="body" idx="1"/>
+          </p:nvPr>
+        </p:nvSpPr>
+        <p:spPr>
+          <a:xfrm>
+            <a:off x="1295400" y="4470399"/>
+            <a:ext cx="9609670" cy="1405467"/>
+          </a:xfrm>
+        </p:spPr>
+        <p:txBody>
+          <a:bodyPr anchor="t">
+            <a:normAutofit/>
+          </a:bodyPr>
+          <a:lstStyle>
+            <a:lvl1pPr marL="0" indent="0" algn="l">
+              <a:buNone/>
+              <a:defRPr sz="1800">
+                <a:solidFill>
+                  <a:schemeClr val="tx1"/>
+                </a:solidFill>
+              </a:defRPr>
+            </a:lvl1pPr>
+            <a:lvl2pPr marL="457200" indent="0">
+              <a:buNone/>
+              <a:defRPr sz="1800">
+                <a:solidFill>
+                  <a:schemeClr val="tx1">
+                    <a:tint val="75000"/>
+                  </a:schemeClr>
+                </a:solidFill>
+              </a:defRPr>
+            </a:lvl2pPr>
+            <a:lvl3pPr marL="914400" indent="0">
+              <a:buNone/>
+              <a:defRPr sz="1600">
+                <a:solidFill>
+                  <a:schemeClr val="tx1">
+                    <a:tint val="75000"/>
+                  </a:schemeClr>
+                </a:solidFill>
+              </a:defRPr>
+            </a:lvl3pPr>
+            <a:lvl4pPr marL="1371600" indent="0">
+              <a:buNone/>
+              <a:defRPr sz="1400">
+                <a:solidFill>
+                  <a:schemeClr val="tx1">
+                    <a:tint val="75000"/>
+                  </a:schemeClr>
+                </a:solidFill>
+              </a:defRPr>
+            </a:lvl4pPr>
+            <a:lvl5pPr marL="1828800" indent="0">
+              <a:buNone/>
+              <a:defRPr sz="1400">
+                <a:solidFill>
+                  <a:schemeClr val="tx1">
+                    <a:tint val="75000"/>
+                  </a:schemeClr>
+                </a:solidFill>
+              </a:defRPr>
+            </a:lvl5pPr>
+            <a:lvl6pPr marL="2286000" indent="0">
+              <a:buNone/>
+              <a:defRPr sz="1400">
+                <a:solidFill>
+                  <a:schemeClr val="tx1">
+                    <a:tint val="75000"/>
+                  </a:schemeClr>
+                </a:solidFill>
+              </a:defRPr>
+            </a:lvl6pPr>
+            <a:lvl7pPr marL="2743200" indent="0">
+              <a:buNone/>
+              <a:defRPr sz="1400">
+                <a:solidFill>
+                  <a:schemeClr val="tx1">
+                    <a:tint val="75000"/>
+                  </a:schemeClr>
+                </a:solidFill>
+              </a:defRPr>
+            </a:lvl7pPr>
+            <a:lvl8pPr marL="3200400" indent="0">
+              <a:buNone/>
+              <a:defRPr sz="1400">
+                <a:solidFill>
+                  <a:schemeClr val="tx1">
+                    <a:tint val="75000"/>
+                  </a:schemeClr>
+                </a:solidFill>
+              </a:defRPr>
+            </a:lvl8pPr>
+            <a:lvl9pPr marL="3657600" indent="0">
+              <a:buNone/>
+              <a:defRPr sz="1400">
+                <a:solidFill>
+                  <a:schemeClr val="tx1">
+                    <a:tint val="75000"/>
+                  </a:schemeClr>
+                </a:solidFill>
+              </a:defRPr>
+            </a:lvl9pPr>
+          </a:lstStyle>
+          <a:p>
+            <a:pPr lvl="0"/>
+            <a:r>
+              <a:rPr lang="en-US"/>
+              <a:t>Click to edit Master text styles</a:t>
+            </a:r>
+          </a:p>
+        </p:txBody>
+      </p:sp>
+      <p:sp>
+        <p:nvSpPr>
+          <p:cNvPr id="4" name="Date Placeholder 3"/>
+          <p:cNvSpPr>
+            <a:spLocks noGrp="1"/>
+          </p:cNvSpPr>
+          <p:nvPr>
+            <p:ph type="dt" sz="half" idx="10"/>
+          </p:nvPr>
+        </p:nvSpPr>
+        <p:spPr/>
+        <p:txBody>
+          <a:bodyPr/>
+          <a:lstStyle/>
+          <a:p>
+            <a:fld id="{5F762F9F-E6EA-480B-A6EE-0D217F01FE68}" type="datetimeFigureOut">
+              <a:rPr lang="en-US" smtClean="0"/>
+              <a:t>2/13/2020</a:t>
+            </a:fld>
+            <a:endParaRPr lang="en-US"/>
+          </a:p>
+        </p:txBody>
+      </p:sp>
+      <p:sp>
+        <p:nvSpPr>
+          <p:cNvPr id="5" name="Footer Placeholder 4"/>
+          <p:cNvSpPr>
+            <a:spLocks noGrp="1"/>
+          </p:cNvSpPr>
+          <p:nvPr>
+            <p:ph type="ftr" sz="quarter" idx="11"/>
+          </p:nvPr>
+        </p:nvSpPr>
+        <p:spPr/>
+        <p:txBody>
+          <a:bodyPr/>
+          <a:lstStyle/>
+          <a:p>
+            <a:endParaRPr lang="en-US"/>
+          </a:p>
+        </p:txBody>
+      </p:sp>
+      <p:sp>
+        <p:nvSpPr>
+          <p:cNvPr id="6" name="Slide Number Placeholder 5"/>
+          <p:cNvSpPr>
+            <a:spLocks noGrp="1"/>
+          </p:cNvSpPr>
+          <p:nvPr>
+            <p:ph type="sldNum" sz="quarter" idx="12"/>
+          </p:nvPr>
+        </p:nvSpPr>
+        <p:spPr/>
+        <p:txBody>
+          <a:bodyPr/>
+          <a:lstStyle/>
+          <a:p>
+            <a:fld id="{4099D149-AD27-445A-9522-AD9073E6A657}" type="slidenum">
+              <a:rPr lang="en-US" smtClean="0"/>
+              <a:t>‹#›</a:t>
+            </a:fld>
+            <a:endParaRPr lang="en-US"/>
+          </a:p>
+        </p:txBody>
+      </p:sp>
+      <p:cxnSp>
+        <p:nvCxnSpPr>
+          <p:cNvPr id="15" name="Straight Connector 14"/>
+          <p:cNvCxnSpPr/>
+          <p:nvPr/>
+        </p:nvCxnSpPr>
+        <p:spPr>
+          <a:xfrm>
+            <a:off x="1396169" y="3429000"/>
+            <a:ext cx="9407298" cy="0"/>
+          </a:xfrm>
+          <a:prstGeom prst="line">
+            <a:avLst/>
+          </a:prstGeom>
+          <a:ln w="15875"/>
+        </p:spPr>
+        <p:style>
+          <a:lnRef idx="2">
+            <a:schemeClr val="accent1"/>
+          </a:lnRef>
+          <a:fillRef idx="0">
+            <a:schemeClr val="accent1"/>
+          </a:fillRef>
+          <a:effectRef idx="1">
+            <a:schemeClr val="accent1"/>
+          </a:effectRef>
+          <a:fontRef idx="minor">
+            <a:schemeClr val="tx1"/>
+          </a:fontRef>
+        </p:style>
+      </p:cxnSp>
+    </p:spTree>
+    <p:extLst>
+      <p:ext uri="{BB962C8B-B14F-4D97-AF65-F5344CB8AC3E}">
+        <p14:creationId xmlns:p14="http://schemas.microsoft.com/office/powerpoint/2010/main" val="2763584907"/>
+      </p:ext>
+    </p:extLst>
+  </p:cSld>
+  <p:clrMapOvr>
+    <a:masterClrMapping/>
+  </p:clrMapOvr>
+</p:sldLayout>
+</file>
+
+<file path=ppt/slideLayouts/slideLayout16.xml><?xml version="1.0" encoding="utf-8"?>
 <p:sldLayout xmlns:a="http://schemas.openxmlformats.org/drawingml/2006/main" xmlns:r="http://schemas.openxmlformats.org/officeDocument/2006/relationships" xmlns:p="http://schemas.openxmlformats.org/presentationml/2006/main" type="vertTx" preserve="1">
   <p:cSld name="Title and Vertical Text">
     <p:spTree>
@@ -402,13 +2707,7 @@
       </p:grpSpPr>
       <p:sp>
         <p:nvSpPr>
-          <p:cNvPr id="2" name="Title 1">
-            <a:extLst>
-              <a:ext uri="{FF2B5EF4-FFF2-40B4-BE49-F238E27FC236}">
-                <a16:creationId xmlns:a16="http://schemas.microsoft.com/office/drawing/2014/main" id="{B4A70014-3D48-4FDB-9378-600970EFC2FB}"/>
-              </a:ext>
-            </a:extLst>
-          </p:cNvPr>
+          <p:cNvPr id="2" name="Title 1"/>
           <p:cNvSpPr>
             <a:spLocks noGrp="1"/>
           </p:cNvSpPr>
@@ -419,24 +2718,23 @@
         <p:spPr/>
         <p:txBody>
           <a:bodyPr/>
-          <a:lstStyle/>
+          <a:lstStyle>
+            <a:lvl1pPr algn="ctr">
+              <a:defRPr/>
+            </a:lvl1pPr>
+          </a:lstStyle>
           <a:p>
             <a:r>
               <a:rPr lang="en-US"/>
               <a:t>Click to edit Master title style</a:t>
             </a:r>
-          </a:p>
-        </p:txBody>
-      </p:sp>
-      <p:sp>
-        <p:nvSpPr>
-          <p:cNvPr id="3" name="Vertical Text Placeholder 2">
-            <a:extLst>
-              <a:ext uri="{FF2B5EF4-FFF2-40B4-BE49-F238E27FC236}">
-                <a16:creationId xmlns:a16="http://schemas.microsoft.com/office/drawing/2014/main" id="{F9894FAA-09D5-4174-8D81-73419BB8E7CB}"/>
-              </a:ext>
-            </a:extLst>
-          </p:cNvPr>
+            <a:endParaRPr lang="en-US" dirty="0"/>
+          </a:p>
+        </p:txBody>
+      </p:sp>
+      <p:sp>
+        <p:nvSpPr>
+          <p:cNvPr id="3" name="Vertical Text Placeholder 2"/>
           <p:cNvSpPr>
             <a:spLocks noGrp="1"/>
           </p:cNvSpPr>
@@ -446,7 +2744,7 @@
         </p:nvSpPr>
         <p:spPr/>
         <p:txBody>
-          <a:bodyPr vert="eaVert"/>
+          <a:bodyPr vert="eaVert" anchor="t"/>
           <a:lstStyle/>
           <a:p>
             <a:pPr lvl="0"/>
@@ -482,18 +2780,13 @@
               <a:rPr lang="en-US"/>
               <a:t>Fifth level</a:t>
             </a:r>
-          </a:p>
-        </p:txBody>
-      </p:sp>
-      <p:sp>
-        <p:nvSpPr>
-          <p:cNvPr id="4" name="Date Placeholder 3">
-            <a:extLst>
-              <a:ext uri="{FF2B5EF4-FFF2-40B4-BE49-F238E27FC236}">
-                <a16:creationId xmlns:a16="http://schemas.microsoft.com/office/drawing/2014/main" id="{AA5D739B-B03F-4130-92A0-B5F803D6D457}"/>
-              </a:ext>
-            </a:extLst>
-          </p:cNvPr>
+            <a:endParaRPr lang="en-US" dirty="0"/>
+          </a:p>
+        </p:txBody>
+      </p:sp>
+      <p:sp>
+        <p:nvSpPr>
+          <p:cNvPr id="4" name="Date Placeholder 3"/>
           <p:cNvSpPr>
             <a:spLocks noGrp="1"/>
           </p:cNvSpPr>
@@ -508,7 +2801,7 @@
           <a:p>
             <a:fld id="{5F762F9F-E6EA-480B-A6EE-0D217F01FE68}" type="datetimeFigureOut">
               <a:rPr lang="en-US" smtClean="0"/>
-              <a:t>2/12/2020</a:t>
+              <a:t>2/13/2020</a:t>
             </a:fld>
             <a:endParaRPr lang="en-US"/>
           </a:p>
@@ -516,13 +2809,7 @@
       </p:sp>
       <p:sp>
         <p:nvSpPr>
-          <p:cNvPr id="5" name="Footer Placeholder 4">
-            <a:extLst>
-              <a:ext uri="{FF2B5EF4-FFF2-40B4-BE49-F238E27FC236}">
-                <a16:creationId xmlns:a16="http://schemas.microsoft.com/office/drawing/2014/main" id="{AFE7D71F-C976-4888-A219-E36D2882B786}"/>
-              </a:ext>
-            </a:extLst>
-          </p:cNvPr>
+          <p:cNvPr id="5" name="Footer Placeholder 4"/>
           <p:cNvSpPr>
             <a:spLocks noGrp="1"/>
           </p:cNvSpPr>
@@ -541,13 +2828,7 @@
       </p:sp>
       <p:sp>
         <p:nvSpPr>
-          <p:cNvPr id="6" name="Slide Number Placeholder 5">
-            <a:extLst>
-              <a:ext uri="{FF2B5EF4-FFF2-40B4-BE49-F238E27FC236}">
-                <a16:creationId xmlns:a16="http://schemas.microsoft.com/office/drawing/2014/main" id="{8FBC8836-D6D6-4FBC-939A-E7268F8EB993}"/>
-              </a:ext>
-            </a:extLst>
-          </p:cNvPr>
+          <p:cNvPr id="6" name="Slide Number Placeholder 5"/>
           <p:cNvSpPr>
             <a:spLocks noGrp="1"/>
           </p:cNvSpPr>
@@ -568,10 +2849,41 @@
           </a:p>
         </p:txBody>
       </p:sp>
+      <p:cxnSp>
+        <p:nvCxnSpPr>
+          <p:cNvPr id="14" name="Straight Connector 13"/>
+          <p:cNvCxnSpPr/>
+          <p:nvPr/>
+        </p:nvCxnSpPr>
+        <p:spPr>
+          <a:xfrm>
+            <a:off x="1396169" y="2421466"/>
+            <a:ext cx="9407298" cy="0"/>
+          </a:xfrm>
+          <a:prstGeom prst="line">
+            <a:avLst/>
+          </a:prstGeom>
+          <a:ln w="15875"/>
+        </p:spPr>
+        <p:style>
+          <a:lnRef idx="2">
+            <a:schemeClr val="accent1"/>
+          </a:lnRef>
+          <a:fillRef idx="0">
+            <a:schemeClr val="accent1"/>
+          </a:fillRef>
+          <a:effectRef idx="1">
+            <a:schemeClr val="accent1"/>
+          </a:effectRef>
+          <a:fontRef idx="minor">
+            <a:schemeClr val="tx1"/>
+          </a:fontRef>
+        </p:style>
+      </p:cxnSp>
     </p:spTree>
     <p:extLst>
       <p:ext uri="{BB962C8B-B14F-4D97-AF65-F5344CB8AC3E}">
-        <p14:creationId xmlns:p14="http://schemas.microsoft.com/office/powerpoint/2010/main" val="2593909866"/>
+        <p14:creationId xmlns:p14="http://schemas.microsoft.com/office/powerpoint/2010/main" val="251256237"/>
       </p:ext>
     </p:extLst>
   </p:cSld>
@@ -581,7 +2893,7 @@
 </p:sldLayout>
 </file>
 
-<file path=ppt/slideLayouts/slideLayout11.xml><?xml version="1.0" encoding="utf-8"?>
+<file path=ppt/slideLayouts/slideLayout17.xml><?xml version="1.0" encoding="utf-8"?>
 <p:sldLayout xmlns:a="http://schemas.openxmlformats.org/drawingml/2006/main" xmlns:r="http://schemas.openxmlformats.org/officeDocument/2006/relationships" xmlns:p="http://schemas.openxmlformats.org/presentationml/2006/main" type="vertTitleAndTx" preserve="1">
   <p:cSld name="Vertical Title and Text">
     <p:spTree>
@@ -600,13 +2912,7 @@
       </p:grpSpPr>
       <p:sp>
         <p:nvSpPr>
-          <p:cNvPr id="2" name="Vertical Title 1">
-            <a:extLst>
-              <a:ext uri="{FF2B5EF4-FFF2-40B4-BE49-F238E27FC236}">
-                <a16:creationId xmlns:a16="http://schemas.microsoft.com/office/drawing/2014/main" id="{71785041-5C5A-4327-9086-4195A25303AC}"/>
-              </a:ext>
-            </a:extLst>
-          </p:cNvPr>
+          <p:cNvPr id="2" name="Vertical Title 1"/>
           <p:cNvSpPr>
             <a:spLocks noGrp="1"/>
           </p:cNvSpPr>
@@ -616,8 +2922,8 @@
         </p:nvSpPr>
         <p:spPr>
           <a:xfrm>
-            <a:off x="8724900" y="365125"/>
-            <a:ext cx="2628900" cy="5811838"/>
+            <a:off x="8999356" y="982131"/>
+            <a:ext cx="1890895" cy="4893735"/>
           </a:xfrm>
         </p:spPr>
         <p:txBody>
@@ -628,18 +2934,13 @@
               <a:rPr lang="en-US"/>
               <a:t>Click to edit Master title style</a:t>
             </a:r>
-          </a:p>
-        </p:txBody>
-      </p:sp>
-      <p:sp>
-        <p:nvSpPr>
-          <p:cNvPr id="3" name="Vertical Text Placeholder 2">
-            <a:extLst>
-              <a:ext uri="{FF2B5EF4-FFF2-40B4-BE49-F238E27FC236}">
-                <a16:creationId xmlns:a16="http://schemas.microsoft.com/office/drawing/2014/main" id="{58BE29F6-EFF2-4865-AFA9-CF698D07EC11}"/>
-              </a:ext>
-            </a:extLst>
-          </p:cNvPr>
+            <a:endParaRPr lang="en-US" dirty="0"/>
+          </a:p>
+        </p:txBody>
+      </p:sp>
+      <p:sp>
+        <p:nvSpPr>
+          <p:cNvPr id="3" name="Vertical Text Placeholder 2"/>
           <p:cNvSpPr>
             <a:spLocks noGrp="1"/>
           </p:cNvSpPr>
@@ -649,12 +2950,12 @@
         </p:nvSpPr>
         <p:spPr>
           <a:xfrm>
-            <a:off x="838200" y="365125"/>
-            <a:ext cx="7734300" cy="5811838"/>
+            <a:off x="1295398" y="982132"/>
+            <a:ext cx="7433025" cy="4893734"/>
           </a:xfrm>
         </p:spPr>
         <p:txBody>
-          <a:bodyPr vert="eaVert"/>
+          <a:bodyPr vert="eaVert" anchor="t"/>
           <a:lstStyle/>
           <a:p>
             <a:pPr lvl="0"/>
@@ -690,18 +2991,13 @@
               <a:rPr lang="en-US"/>
               <a:t>Fifth level</a:t>
             </a:r>
-          </a:p>
-        </p:txBody>
-      </p:sp>
-      <p:sp>
-        <p:nvSpPr>
-          <p:cNvPr id="4" name="Date Placeholder 3">
-            <a:extLst>
-              <a:ext uri="{FF2B5EF4-FFF2-40B4-BE49-F238E27FC236}">
-                <a16:creationId xmlns:a16="http://schemas.microsoft.com/office/drawing/2014/main" id="{EEDFE2B8-80F4-4062-8843-305AFD5133A6}"/>
-              </a:ext>
-            </a:extLst>
-          </p:cNvPr>
+            <a:endParaRPr lang="en-US" dirty="0"/>
+          </a:p>
+        </p:txBody>
+      </p:sp>
+      <p:sp>
+        <p:nvSpPr>
+          <p:cNvPr id="4" name="Date Placeholder 3"/>
           <p:cNvSpPr>
             <a:spLocks noGrp="1"/>
           </p:cNvSpPr>
@@ -716,7 +3012,7 @@
           <a:p>
             <a:fld id="{5F762F9F-E6EA-480B-A6EE-0D217F01FE68}" type="datetimeFigureOut">
               <a:rPr lang="en-US" smtClean="0"/>
-              <a:t>2/12/2020</a:t>
+              <a:t>2/13/2020</a:t>
             </a:fld>
             <a:endParaRPr lang="en-US"/>
           </a:p>
@@ -724,13 +3020,7 @@
       </p:sp>
       <p:sp>
         <p:nvSpPr>
-          <p:cNvPr id="5" name="Footer Placeholder 4">
-            <a:extLst>
-              <a:ext uri="{FF2B5EF4-FFF2-40B4-BE49-F238E27FC236}">
-                <a16:creationId xmlns:a16="http://schemas.microsoft.com/office/drawing/2014/main" id="{9EC1B009-CC01-4A01-9C3B-02146E3712DB}"/>
-              </a:ext>
-            </a:extLst>
-          </p:cNvPr>
+          <p:cNvPr id="5" name="Footer Placeholder 4"/>
           <p:cNvSpPr>
             <a:spLocks noGrp="1"/>
           </p:cNvSpPr>
@@ -749,13 +3039,7 @@
       </p:sp>
       <p:sp>
         <p:nvSpPr>
-          <p:cNvPr id="6" name="Slide Number Placeholder 5">
-            <a:extLst>
-              <a:ext uri="{FF2B5EF4-FFF2-40B4-BE49-F238E27FC236}">
-                <a16:creationId xmlns:a16="http://schemas.microsoft.com/office/drawing/2014/main" id="{9474020E-9D98-47C3-A13F-3B8FCF56CA08}"/>
-              </a:ext>
-            </a:extLst>
-          </p:cNvPr>
+          <p:cNvPr id="6" name="Slide Number Placeholder 5"/>
           <p:cNvSpPr>
             <a:spLocks noGrp="1"/>
           </p:cNvSpPr>
@@ -776,10 +3060,41 @@
           </a:p>
         </p:txBody>
       </p:sp>
+      <p:cxnSp>
+        <p:nvCxnSpPr>
+          <p:cNvPr id="14" name="Straight Connector 13"/>
+          <p:cNvCxnSpPr/>
+          <p:nvPr/>
+        </p:nvCxnSpPr>
+        <p:spPr>
+          <a:xfrm>
+            <a:off x="8863890" y="990600"/>
+            <a:ext cx="0" cy="4876800"/>
+          </a:xfrm>
+          <a:prstGeom prst="line">
+            <a:avLst/>
+          </a:prstGeom>
+          <a:ln w="15875"/>
+        </p:spPr>
+        <p:style>
+          <a:lnRef idx="2">
+            <a:schemeClr val="accent1"/>
+          </a:lnRef>
+          <a:fillRef idx="0">
+            <a:schemeClr val="accent1"/>
+          </a:fillRef>
+          <a:effectRef idx="1">
+            <a:schemeClr val="accent1"/>
+          </a:effectRef>
+          <a:fontRef idx="minor">
+            <a:schemeClr val="tx1"/>
+          </a:fontRef>
+        </p:style>
+      </p:cxnSp>
     </p:spTree>
     <p:extLst>
       <p:ext uri="{BB962C8B-B14F-4D97-AF65-F5344CB8AC3E}">
-        <p14:creationId xmlns:p14="http://schemas.microsoft.com/office/powerpoint/2010/main" val="4107664613"/>
+        <p14:creationId xmlns:p14="http://schemas.microsoft.com/office/powerpoint/2010/main" val="896290494"/>
       </p:ext>
     </p:extLst>
   </p:cSld>
@@ -806,15 +3121,40 @@
           <a:chExt cx="0" cy="0"/>
         </a:xfrm>
       </p:grpSpPr>
-      <p:sp>
-        <p:nvSpPr>
-          <p:cNvPr id="2" name="Title 1">
-            <a:extLst>
-              <a:ext uri="{FF2B5EF4-FFF2-40B4-BE49-F238E27FC236}">
-                <a16:creationId xmlns:a16="http://schemas.microsoft.com/office/drawing/2014/main" id="{CFB8763E-D913-4DA3-B16A-A7F89C766D3B}"/>
-              </a:ext>
-            </a:extLst>
-          </p:cNvPr>
+      <p:cxnSp>
+        <p:nvCxnSpPr>
+          <p:cNvPr id="7" name="Straight Connector 6"/>
+          <p:cNvCxnSpPr/>
+          <p:nvPr/>
+        </p:nvCxnSpPr>
+        <p:spPr>
+          <a:xfrm>
+            <a:off x="1396169" y="2421466"/>
+            <a:ext cx="9407298" cy="0"/>
+          </a:xfrm>
+          <a:prstGeom prst="line">
+            <a:avLst/>
+          </a:prstGeom>
+          <a:ln w="15875"/>
+        </p:spPr>
+        <p:style>
+          <a:lnRef idx="2">
+            <a:schemeClr val="accent1"/>
+          </a:lnRef>
+          <a:fillRef idx="0">
+            <a:schemeClr val="accent1"/>
+          </a:fillRef>
+          <a:effectRef idx="1">
+            <a:schemeClr val="accent1"/>
+          </a:effectRef>
+          <a:fontRef idx="minor">
+            <a:schemeClr val="tx1"/>
+          </a:fontRef>
+        </p:style>
+      </p:cxnSp>
+      <p:sp>
+        <p:nvSpPr>
+          <p:cNvPr id="2" name="Title 1"/>
           <p:cNvSpPr>
             <a:spLocks noGrp="1"/>
           </p:cNvSpPr>
@@ -831,18 +3171,13 @@
               <a:rPr lang="en-US"/>
               <a:t>Click to edit Master title style</a:t>
             </a:r>
-          </a:p>
-        </p:txBody>
-      </p:sp>
-      <p:sp>
-        <p:nvSpPr>
-          <p:cNvPr id="3" name="Content Placeholder 2">
-            <a:extLst>
-              <a:ext uri="{FF2B5EF4-FFF2-40B4-BE49-F238E27FC236}">
-                <a16:creationId xmlns:a16="http://schemas.microsoft.com/office/drawing/2014/main" id="{0527EA18-9E0C-4309-A999-AFE254089627}"/>
-              </a:ext>
-            </a:extLst>
-          </p:cNvPr>
+            <a:endParaRPr lang="en-US" dirty="0"/>
+          </a:p>
+        </p:txBody>
+      </p:sp>
+      <p:sp>
+        <p:nvSpPr>
+          <p:cNvPr id="3" name="Content Placeholder 2"/>
           <p:cNvSpPr>
             <a:spLocks noGrp="1"/>
           </p:cNvSpPr>
@@ -888,18 +3223,13 @@
               <a:rPr lang="en-US"/>
               <a:t>Fifth level</a:t>
             </a:r>
-          </a:p>
-        </p:txBody>
-      </p:sp>
-      <p:sp>
-        <p:nvSpPr>
-          <p:cNvPr id="4" name="Date Placeholder 3">
-            <a:extLst>
-              <a:ext uri="{FF2B5EF4-FFF2-40B4-BE49-F238E27FC236}">
-                <a16:creationId xmlns:a16="http://schemas.microsoft.com/office/drawing/2014/main" id="{3B95A790-3DA6-41C4-9274-F7544DED6501}"/>
-              </a:ext>
-            </a:extLst>
-          </p:cNvPr>
+            <a:endParaRPr lang="en-US" dirty="0"/>
+          </a:p>
+        </p:txBody>
+      </p:sp>
+      <p:sp>
+        <p:nvSpPr>
+          <p:cNvPr id="4" name="Date Placeholder 3"/>
           <p:cNvSpPr>
             <a:spLocks noGrp="1"/>
           </p:cNvSpPr>
@@ -914,7 +3244,7 @@
           <a:p>
             <a:fld id="{5F762F9F-E6EA-480B-A6EE-0D217F01FE68}" type="datetimeFigureOut">
               <a:rPr lang="en-US" smtClean="0"/>
-              <a:t>2/12/2020</a:t>
+              <a:t>2/13/2020</a:t>
             </a:fld>
             <a:endParaRPr lang="en-US"/>
           </a:p>
@@ -922,13 +3252,7 @@
       </p:sp>
       <p:sp>
         <p:nvSpPr>
-          <p:cNvPr id="5" name="Footer Placeholder 4">
-            <a:extLst>
-              <a:ext uri="{FF2B5EF4-FFF2-40B4-BE49-F238E27FC236}">
-                <a16:creationId xmlns:a16="http://schemas.microsoft.com/office/drawing/2014/main" id="{20945CCF-A46D-435A-A902-EB912C581F37}"/>
-              </a:ext>
-            </a:extLst>
-          </p:cNvPr>
+          <p:cNvPr id="5" name="Footer Placeholder 4"/>
           <p:cNvSpPr>
             <a:spLocks noGrp="1"/>
           </p:cNvSpPr>
@@ -947,13 +3271,7 @@
       </p:sp>
       <p:sp>
         <p:nvSpPr>
-          <p:cNvPr id="6" name="Slide Number Placeholder 5">
-            <a:extLst>
-              <a:ext uri="{FF2B5EF4-FFF2-40B4-BE49-F238E27FC236}">
-                <a16:creationId xmlns:a16="http://schemas.microsoft.com/office/drawing/2014/main" id="{B08486AB-BFEE-4C8F-A2B0-C26C1A98E65E}"/>
-              </a:ext>
-            </a:extLst>
-          </p:cNvPr>
+          <p:cNvPr id="6" name="Slide Number Placeholder 5"/>
           <p:cNvSpPr>
             <a:spLocks noGrp="1"/>
           </p:cNvSpPr>
@@ -977,7 +3295,7 @@
     </p:spTree>
     <p:extLst>
       <p:ext uri="{BB962C8B-B14F-4D97-AF65-F5344CB8AC3E}">
-        <p14:creationId xmlns:p14="http://schemas.microsoft.com/office/powerpoint/2010/main" val="2690076364"/>
+        <p14:creationId xmlns:p14="http://schemas.microsoft.com/office/powerpoint/2010/main" val="4003792947"/>
       </p:ext>
     </p:extLst>
   </p:cSld>
@@ -1006,13 +3324,7 @@
       </p:grpSpPr>
       <p:sp>
         <p:nvSpPr>
-          <p:cNvPr id="2" name="Title 1">
-            <a:extLst>
-              <a:ext uri="{FF2B5EF4-FFF2-40B4-BE49-F238E27FC236}">
-                <a16:creationId xmlns:a16="http://schemas.microsoft.com/office/drawing/2014/main" id="{47433C7E-5010-47F4-9384-4547F71F7A1B}"/>
-              </a:ext>
-            </a:extLst>
-          </p:cNvPr>
+          <p:cNvPr id="2" name="Title 1"/>
           <p:cNvSpPr>
             <a:spLocks noGrp="1"/>
           </p:cNvSpPr>
@@ -1022,15 +3334,17 @@
         </p:nvSpPr>
         <p:spPr>
           <a:xfrm>
-            <a:off x="831850" y="1709738"/>
-            <a:ext cx="10515600" cy="2852737"/>
+            <a:off x="2015069" y="1752606"/>
+            <a:ext cx="8158688" cy="1822514"/>
           </a:xfrm>
         </p:spPr>
         <p:txBody>
-          <a:bodyPr anchor="b"/>
+          <a:bodyPr anchor="b">
+            <a:normAutofit/>
+          </a:bodyPr>
           <a:lstStyle>
-            <a:lvl1pPr>
-              <a:defRPr sz="6000"/>
+            <a:lvl1pPr algn="ctr">
+              <a:defRPr sz="4400" b="0" cap="none"/>
             </a:lvl1pPr>
           </a:lstStyle>
           <a:p>
@@ -1038,18 +3352,13 @@
               <a:rPr lang="en-US"/>
               <a:t>Click to edit Master title style</a:t>
             </a:r>
-          </a:p>
-        </p:txBody>
-      </p:sp>
-      <p:sp>
-        <p:nvSpPr>
-          <p:cNvPr id="3" name="Text Placeholder 2">
-            <a:extLst>
-              <a:ext uri="{FF2B5EF4-FFF2-40B4-BE49-F238E27FC236}">
-                <a16:creationId xmlns:a16="http://schemas.microsoft.com/office/drawing/2014/main" id="{A111A642-9EEF-4F2E-98BF-63CD6E1CDD7A}"/>
-              </a:ext>
-            </a:extLst>
-          </p:cNvPr>
+            <a:endParaRPr lang="en-US" dirty="0"/>
+          </a:p>
+        </p:txBody>
+      </p:sp>
+      <p:sp>
+        <p:nvSpPr>
+          <p:cNvPr id="3" name="Text Placeholder 2"/>
           <p:cNvSpPr>
             <a:spLocks noGrp="1"/>
           </p:cNvSpPr>
@@ -1059,102 +3368,102 @@
         </p:nvSpPr>
         <p:spPr>
           <a:xfrm>
-            <a:off x="831850" y="4589463"/>
-            <a:ext cx="10515600" cy="1500187"/>
+            <a:off x="2015067" y="3846051"/>
+            <a:ext cx="8158690" cy="954547"/>
           </a:xfrm>
         </p:spPr>
         <p:txBody>
-          <a:bodyPr/>
+          <a:bodyPr anchor="t">
+            <a:normAutofit/>
+          </a:bodyPr>
           <a:lstStyle>
-            <a:lvl1pPr marL="0" indent="0">
+            <a:lvl1pPr marL="0" indent="0" algn="ctr">
               <a:buNone/>
               <a:defRPr sz="2400">
+                <a:solidFill>
+                  <a:schemeClr val="tx1"/>
+                </a:solidFill>
+              </a:defRPr>
+            </a:lvl1pPr>
+            <a:lvl2pPr marL="457200" indent="0">
+              <a:buNone/>
+              <a:defRPr sz="1800">
                 <a:solidFill>
                   <a:schemeClr val="tx1">
                     <a:tint val="75000"/>
                   </a:schemeClr>
                 </a:solidFill>
               </a:defRPr>
-            </a:lvl1pPr>
-            <a:lvl2pPr marL="457200" indent="0">
-              <a:buNone/>
-              <a:defRPr sz="2000">
+            </a:lvl2pPr>
+            <a:lvl3pPr marL="914400" indent="0">
+              <a:buNone/>
+              <a:defRPr sz="1600">
                 <a:solidFill>
                   <a:schemeClr val="tx1">
                     <a:tint val="75000"/>
                   </a:schemeClr>
                 </a:solidFill>
               </a:defRPr>
-            </a:lvl2pPr>
-            <a:lvl3pPr marL="914400" indent="0">
-              <a:buNone/>
-              <a:defRPr sz="1800">
+            </a:lvl3pPr>
+            <a:lvl4pPr marL="1371600" indent="0">
+              <a:buNone/>
+              <a:defRPr sz="1400">
                 <a:solidFill>
                   <a:schemeClr val="tx1">
                     <a:tint val="75000"/>
                   </a:schemeClr>
                 </a:solidFill>
               </a:defRPr>
-            </a:lvl3pPr>
-            <a:lvl4pPr marL="1371600" indent="0">
-              <a:buNone/>
-              <a:defRPr sz="1600">
+            </a:lvl4pPr>
+            <a:lvl5pPr marL="1828800" indent="0">
+              <a:buNone/>
+              <a:defRPr sz="1400">
                 <a:solidFill>
                   <a:schemeClr val="tx1">
                     <a:tint val="75000"/>
                   </a:schemeClr>
                 </a:solidFill>
               </a:defRPr>
-            </a:lvl4pPr>
-            <a:lvl5pPr marL="1828800" indent="0">
-              <a:buNone/>
-              <a:defRPr sz="1600">
+            </a:lvl5pPr>
+            <a:lvl6pPr marL="2286000" indent="0">
+              <a:buNone/>
+              <a:defRPr sz="1400">
                 <a:solidFill>
                   <a:schemeClr val="tx1">
                     <a:tint val="75000"/>
                   </a:schemeClr>
                 </a:solidFill>
               </a:defRPr>
-            </a:lvl5pPr>
-            <a:lvl6pPr marL="2286000" indent="0">
-              <a:buNone/>
-              <a:defRPr sz="1600">
+            </a:lvl6pPr>
+            <a:lvl7pPr marL="2743200" indent="0">
+              <a:buNone/>
+              <a:defRPr sz="1400">
                 <a:solidFill>
                   <a:schemeClr val="tx1">
                     <a:tint val="75000"/>
                   </a:schemeClr>
                 </a:solidFill>
               </a:defRPr>
-            </a:lvl6pPr>
-            <a:lvl7pPr marL="2743200" indent="0">
-              <a:buNone/>
-              <a:defRPr sz="1600">
+            </a:lvl7pPr>
+            <a:lvl8pPr marL="3200400" indent="0">
+              <a:buNone/>
+              <a:defRPr sz="1400">
                 <a:solidFill>
                   <a:schemeClr val="tx1">
                     <a:tint val="75000"/>
                   </a:schemeClr>
                 </a:solidFill>
               </a:defRPr>
-            </a:lvl7pPr>
-            <a:lvl8pPr marL="3200400" indent="0">
-              <a:buNone/>
-              <a:defRPr sz="1600">
+            </a:lvl8pPr>
+            <a:lvl9pPr marL="3657600" indent="0">
+              <a:buNone/>
+              <a:defRPr sz="1400">
                 <a:solidFill>
                   <a:schemeClr val="tx1">
                     <a:tint val="75000"/>
                   </a:schemeClr>
                 </a:solidFill>
               </a:defRPr>
-            </a:lvl8pPr>
-            <a:lvl9pPr marL="3657600" indent="0">
-              <a:buNone/>
-              <a:defRPr sz="1600">
-                <a:solidFill>
-                  <a:schemeClr val="tx1">
-                    <a:tint val="75000"/>
-                  </a:schemeClr>
-                </a:solidFill>
-              </a:defRPr>
             </a:lvl9pPr>
           </a:lstStyle>
           <a:p>
@@ -1168,13 +3477,7 @@
       </p:sp>
       <p:sp>
         <p:nvSpPr>
-          <p:cNvPr id="4" name="Date Placeholder 3">
-            <a:extLst>
-              <a:ext uri="{FF2B5EF4-FFF2-40B4-BE49-F238E27FC236}">
-                <a16:creationId xmlns:a16="http://schemas.microsoft.com/office/drawing/2014/main" id="{F47F7897-D218-42C0-BBD0-130B540256A6}"/>
-              </a:ext>
-            </a:extLst>
-          </p:cNvPr>
+          <p:cNvPr id="4" name="Date Placeholder 3"/>
           <p:cNvSpPr>
             <a:spLocks noGrp="1"/>
           </p:cNvSpPr>
@@ -1189,7 +3492,7 @@
           <a:p>
             <a:fld id="{5F762F9F-E6EA-480B-A6EE-0D217F01FE68}" type="datetimeFigureOut">
               <a:rPr lang="en-US" smtClean="0"/>
-              <a:t>2/12/2020</a:t>
+              <a:t>2/13/2020</a:t>
             </a:fld>
             <a:endParaRPr lang="en-US"/>
           </a:p>
@@ -1197,13 +3500,7 @@
       </p:sp>
       <p:sp>
         <p:nvSpPr>
-          <p:cNvPr id="5" name="Footer Placeholder 4">
-            <a:extLst>
-              <a:ext uri="{FF2B5EF4-FFF2-40B4-BE49-F238E27FC236}">
-                <a16:creationId xmlns:a16="http://schemas.microsoft.com/office/drawing/2014/main" id="{1BD43D22-47BB-4F68-AB96-FD9B18C0BCB5}"/>
-              </a:ext>
-            </a:extLst>
-          </p:cNvPr>
+          <p:cNvPr id="5" name="Footer Placeholder 4"/>
           <p:cNvSpPr>
             <a:spLocks noGrp="1"/>
           </p:cNvSpPr>
@@ -1222,13 +3519,7 @@
       </p:sp>
       <p:sp>
         <p:nvSpPr>
-          <p:cNvPr id="6" name="Slide Number Placeholder 5">
-            <a:extLst>
-              <a:ext uri="{FF2B5EF4-FFF2-40B4-BE49-F238E27FC236}">
-                <a16:creationId xmlns:a16="http://schemas.microsoft.com/office/drawing/2014/main" id="{451D0A82-5735-49B9-96C9-268294A365EB}"/>
-              </a:ext>
-            </a:extLst>
-          </p:cNvPr>
+          <p:cNvPr id="6" name="Slide Number Placeholder 5"/>
           <p:cNvSpPr>
             <a:spLocks noGrp="1"/>
           </p:cNvSpPr>
@@ -1249,10 +3540,41 @@
           </a:p>
         </p:txBody>
       </p:sp>
+      <p:cxnSp>
+        <p:nvCxnSpPr>
+          <p:cNvPr id="16" name="Straight Connector 15"/>
+          <p:cNvCxnSpPr/>
+          <p:nvPr/>
+        </p:nvCxnSpPr>
+        <p:spPr>
+          <a:xfrm>
+            <a:off x="2012723" y="3710585"/>
+            <a:ext cx="8163380" cy="0"/>
+          </a:xfrm>
+          <a:prstGeom prst="line">
+            <a:avLst/>
+          </a:prstGeom>
+          <a:ln w="15875"/>
+        </p:spPr>
+        <p:style>
+          <a:lnRef idx="2">
+            <a:schemeClr val="accent1"/>
+          </a:lnRef>
+          <a:fillRef idx="0">
+            <a:schemeClr val="accent1"/>
+          </a:fillRef>
+          <a:effectRef idx="1">
+            <a:schemeClr val="accent1"/>
+          </a:effectRef>
+          <a:fontRef idx="minor">
+            <a:schemeClr val="tx1"/>
+          </a:fontRef>
+        </p:style>
+      </p:cxnSp>
     </p:spTree>
     <p:extLst>
       <p:ext uri="{BB962C8B-B14F-4D97-AF65-F5344CB8AC3E}">
-        <p14:creationId xmlns:p14="http://schemas.microsoft.com/office/powerpoint/2010/main" val="1935874524"/>
+        <p14:creationId xmlns:p14="http://schemas.microsoft.com/office/powerpoint/2010/main" val="3819235104"/>
       </p:ext>
     </p:extLst>
   </p:cSld>
@@ -1279,58 +3601,80 @@
           <a:chExt cx="0" cy="0"/>
         </a:xfrm>
       </p:grpSpPr>
-      <p:sp>
-        <p:nvSpPr>
-          <p:cNvPr id="2" name="Title 1">
-            <a:extLst>
-              <a:ext uri="{FF2B5EF4-FFF2-40B4-BE49-F238E27FC236}">
-                <a16:creationId xmlns:a16="http://schemas.microsoft.com/office/drawing/2014/main" id="{1AE877A3-F973-49EA-A391-871A374A7230}"/>
-              </a:ext>
-            </a:extLst>
-          </p:cNvPr>
-          <p:cNvSpPr>
-            <a:spLocks noGrp="1"/>
-          </p:cNvSpPr>
-          <p:nvPr>
-            <p:ph type="title"/>
-          </p:nvPr>
-        </p:nvSpPr>
-        <p:spPr/>
-        <p:txBody>
-          <a:bodyPr/>
-          <a:lstStyle/>
-          <a:p>
-            <a:r>
-              <a:rPr lang="en-US"/>
-              <a:t>Click to edit Master title style</a:t>
-            </a:r>
-          </a:p>
-        </p:txBody>
-      </p:sp>
-      <p:sp>
-        <p:nvSpPr>
-          <p:cNvPr id="3" name="Content Placeholder 2">
-            <a:extLst>
-              <a:ext uri="{FF2B5EF4-FFF2-40B4-BE49-F238E27FC236}">
-                <a16:creationId xmlns:a16="http://schemas.microsoft.com/office/drawing/2014/main" id="{D651FA3B-6D4C-478E-A3D9-C1FE669D6019}"/>
-              </a:ext>
-            </a:extLst>
-          </p:cNvPr>
-          <p:cNvSpPr>
-            <a:spLocks noGrp="1"/>
-          </p:cNvSpPr>
-          <p:nvPr>
-            <p:ph sz="half" idx="1"/>
-          </p:nvPr>
-        </p:nvSpPr>
+      <p:cxnSp>
+        <p:nvCxnSpPr>
+          <p:cNvPr id="8" name="Straight Connector 7"/>
+          <p:cNvCxnSpPr/>
+          <p:nvPr/>
+        </p:nvCxnSpPr>
         <p:spPr>
           <a:xfrm>
-            <a:off x="838200" y="1825625"/>
-            <a:ext cx="5181600" cy="4351338"/>
+            <a:off x="1396169" y="2421466"/>
+            <a:ext cx="9407298" cy="0"/>
+          </a:xfrm>
+          <a:prstGeom prst="line">
+            <a:avLst/>
+          </a:prstGeom>
+          <a:ln w="15875"/>
+        </p:spPr>
+        <p:style>
+          <a:lnRef idx="2">
+            <a:schemeClr val="accent1"/>
+          </a:lnRef>
+          <a:fillRef idx="0">
+            <a:schemeClr val="accent1"/>
+          </a:fillRef>
+          <a:effectRef idx="1">
+            <a:schemeClr val="accent1"/>
+          </a:effectRef>
+          <a:fontRef idx="minor">
+            <a:schemeClr val="tx1"/>
+          </a:fontRef>
+        </p:style>
+      </p:cxnSp>
+      <p:sp>
+        <p:nvSpPr>
+          <p:cNvPr id="2" name="Title 1"/>
+          <p:cNvSpPr>
+            <a:spLocks noGrp="1"/>
+          </p:cNvSpPr>
+          <p:nvPr>
+            <p:ph type="title"/>
+          </p:nvPr>
+        </p:nvSpPr>
+        <p:spPr/>
+        <p:txBody>
+          <a:bodyPr/>
+          <a:lstStyle/>
+          <a:p>
+            <a:r>
+              <a:rPr lang="en-US"/>
+              <a:t>Click to edit Master title style</a:t>
+            </a:r>
+            <a:endParaRPr lang="en-US" dirty="0"/>
+          </a:p>
+        </p:txBody>
+      </p:sp>
+      <p:sp>
+        <p:nvSpPr>
+          <p:cNvPr id="3" name="Content Placeholder 2"/>
+          <p:cNvSpPr>
+            <a:spLocks noGrp="1"/>
+          </p:cNvSpPr>
+          <p:nvPr>
+            <p:ph sz="half" idx="1"/>
+          </p:nvPr>
+        </p:nvSpPr>
+        <p:spPr>
+          <a:xfrm>
+            <a:off x="1298448" y="2560320"/>
+            <a:ext cx="4718304" cy="3310128"/>
           </a:xfrm>
         </p:spPr>
         <p:txBody>
-          <a:bodyPr/>
+          <a:bodyPr>
+            <a:normAutofit/>
+          </a:bodyPr>
           <a:lstStyle/>
           <a:p>
             <a:pPr lvl="0"/>
@@ -1366,18 +3710,13 @@
               <a:rPr lang="en-US"/>
               <a:t>Fifth level</a:t>
             </a:r>
-          </a:p>
-        </p:txBody>
-      </p:sp>
-      <p:sp>
-        <p:nvSpPr>
-          <p:cNvPr id="4" name="Content Placeholder 3">
-            <a:extLst>
-              <a:ext uri="{FF2B5EF4-FFF2-40B4-BE49-F238E27FC236}">
-                <a16:creationId xmlns:a16="http://schemas.microsoft.com/office/drawing/2014/main" id="{865BD0A1-9FD2-495D-A8EE-E309EB26AB95}"/>
-              </a:ext>
-            </a:extLst>
-          </p:cNvPr>
+            <a:endParaRPr lang="en-US" dirty="0"/>
+          </a:p>
+        </p:txBody>
+      </p:sp>
+      <p:sp>
+        <p:nvSpPr>
+          <p:cNvPr id="4" name="Content Placeholder 3"/>
           <p:cNvSpPr>
             <a:spLocks noGrp="1"/>
           </p:cNvSpPr>
@@ -1387,12 +3726,14 @@
         </p:nvSpPr>
         <p:spPr>
           <a:xfrm>
-            <a:off x="6172200" y="1825625"/>
-            <a:ext cx="5181600" cy="4351338"/>
+            <a:off x="6181344" y="2560320"/>
+            <a:ext cx="4718304" cy="3310128"/>
           </a:xfrm>
         </p:spPr>
         <p:txBody>
-          <a:bodyPr/>
+          <a:bodyPr>
+            <a:normAutofit/>
+          </a:bodyPr>
           <a:lstStyle/>
           <a:p>
             <a:pPr lvl="0"/>
@@ -1428,18 +3769,13 @@
               <a:rPr lang="en-US"/>
               <a:t>Fifth level</a:t>
             </a:r>
-          </a:p>
-        </p:txBody>
-      </p:sp>
-      <p:sp>
-        <p:nvSpPr>
-          <p:cNvPr id="5" name="Date Placeholder 4">
-            <a:extLst>
-              <a:ext uri="{FF2B5EF4-FFF2-40B4-BE49-F238E27FC236}">
-                <a16:creationId xmlns:a16="http://schemas.microsoft.com/office/drawing/2014/main" id="{66E53041-DB9D-43EB-8C68-AE28AE418498}"/>
-              </a:ext>
-            </a:extLst>
-          </p:cNvPr>
+            <a:endParaRPr lang="en-US" dirty="0"/>
+          </a:p>
+        </p:txBody>
+      </p:sp>
+      <p:sp>
+        <p:nvSpPr>
+          <p:cNvPr id="5" name="Date Placeholder 4"/>
           <p:cNvSpPr>
             <a:spLocks noGrp="1"/>
           </p:cNvSpPr>
@@ -1454,7 +3790,7 @@
           <a:p>
             <a:fld id="{5F762F9F-E6EA-480B-A6EE-0D217F01FE68}" type="datetimeFigureOut">
               <a:rPr lang="en-US" smtClean="0"/>
-              <a:t>2/12/2020</a:t>
+              <a:t>2/13/2020</a:t>
             </a:fld>
             <a:endParaRPr lang="en-US"/>
           </a:p>
@@ -1462,13 +3798,7 @@
       </p:sp>
       <p:sp>
         <p:nvSpPr>
-          <p:cNvPr id="6" name="Footer Placeholder 5">
-            <a:extLst>
-              <a:ext uri="{FF2B5EF4-FFF2-40B4-BE49-F238E27FC236}">
-                <a16:creationId xmlns:a16="http://schemas.microsoft.com/office/drawing/2014/main" id="{7EC4B3D3-ACCB-48F8-A7F1-E919D6006236}"/>
-              </a:ext>
-            </a:extLst>
-          </p:cNvPr>
+          <p:cNvPr id="6" name="Footer Placeholder 5"/>
           <p:cNvSpPr>
             <a:spLocks noGrp="1"/>
           </p:cNvSpPr>
@@ -1487,13 +3817,7 @@
       </p:sp>
       <p:sp>
         <p:nvSpPr>
-          <p:cNvPr id="7" name="Slide Number Placeholder 6">
-            <a:extLst>
-              <a:ext uri="{FF2B5EF4-FFF2-40B4-BE49-F238E27FC236}">
-                <a16:creationId xmlns:a16="http://schemas.microsoft.com/office/drawing/2014/main" id="{5FA2B010-3BDE-402F-8626-8B184BA28BBE}"/>
-              </a:ext>
-            </a:extLst>
-          </p:cNvPr>
+          <p:cNvPr id="7" name="Slide Number Placeholder 6"/>
           <p:cNvSpPr>
             <a:spLocks noGrp="1"/>
           </p:cNvSpPr>
@@ -1517,7 +3841,7 @@
     </p:spTree>
     <p:extLst>
       <p:ext uri="{BB962C8B-B14F-4D97-AF65-F5344CB8AC3E}">
-        <p14:creationId xmlns:p14="http://schemas.microsoft.com/office/powerpoint/2010/main" val="763147676"/>
+        <p14:creationId xmlns:p14="http://schemas.microsoft.com/office/powerpoint/2010/main" val="56163961"/>
       </p:ext>
     </p:extLst>
   </p:cSld>
@@ -1546,65 +3870,65 @@
       </p:grpSpPr>
       <p:sp>
         <p:nvSpPr>
-          <p:cNvPr id="2" name="Title 1">
-            <a:extLst>
-              <a:ext uri="{FF2B5EF4-FFF2-40B4-BE49-F238E27FC236}">
-                <a16:creationId xmlns:a16="http://schemas.microsoft.com/office/drawing/2014/main" id="{A0D6525D-D37D-41BD-A290-05578D797F28}"/>
-              </a:ext>
-            </a:extLst>
-          </p:cNvPr>
+          <p:cNvPr id="2" name="Title 1"/>
           <p:cNvSpPr>
             <a:spLocks noGrp="1"/>
           </p:cNvSpPr>
           <p:nvPr>
             <p:ph type="title"/>
+          </p:nvPr>
+        </p:nvSpPr>
+        <p:spPr/>
+        <p:txBody>
+          <a:bodyPr/>
+          <a:lstStyle>
+            <a:lvl1pPr>
+              <a:defRPr/>
+            </a:lvl1pPr>
+          </a:lstStyle>
+          <a:p>
+            <a:r>
+              <a:rPr lang="en-US"/>
+              <a:t>Click to edit Master title style</a:t>
+            </a:r>
+            <a:endParaRPr lang="en-US" dirty="0"/>
+          </a:p>
+        </p:txBody>
+      </p:sp>
+      <p:sp>
+        <p:nvSpPr>
+          <p:cNvPr id="3" name="Text Placeholder 2"/>
+          <p:cNvSpPr>
+            <a:spLocks noGrp="1"/>
+          </p:cNvSpPr>
+          <p:nvPr>
+            <p:ph type="body" idx="1"/>
           </p:nvPr>
         </p:nvSpPr>
         <p:spPr>
           <a:xfrm>
-            <a:off x="839788" y="365125"/>
-            <a:ext cx="10515600" cy="1325563"/>
+            <a:off x="1295400" y="2658533"/>
+            <a:ext cx="4718304" cy="576262"/>
           </a:xfrm>
         </p:spPr>
         <p:txBody>
-          <a:bodyPr/>
-          <a:lstStyle/>
-          <a:p>
-            <a:r>
-              <a:rPr lang="en-US"/>
-              <a:t>Click to edit Master title style</a:t>
-            </a:r>
-          </a:p>
-        </p:txBody>
-      </p:sp>
-      <p:sp>
-        <p:nvSpPr>
-          <p:cNvPr id="3" name="Text Placeholder 2">
-            <a:extLst>
-              <a:ext uri="{FF2B5EF4-FFF2-40B4-BE49-F238E27FC236}">
-                <a16:creationId xmlns:a16="http://schemas.microsoft.com/office/drawing/2014/main" id="{769B350F-9913-494D-B6CD-008FAACDBD71}"/>
-              </a:ext>
-            </a:extLst>
-          </p:cNvPr>
-          <p:cNvSpPr>
-            <a:spLocks noGrp="1"/>
-          </p:cNvSpPr>
-          <p:nvPr>
-            <p:ph type="body" idx="1"/>
-          </p:nvPr>
-        </p:nvSpPr>
-        <p:spPr>
-          <a:xfrm>
-            <a:off x="839788" y="1681163"/>
-            <a:ext cx="5157787" cy="823912"/>
-          </a:xfrm>
-        </p:spPr>
-        <p:txBody>
-          <a:bodyPr anchor="b"/>
+          <a:bodyPr anchor="b">
+            <a:noAutofit/>
+          </a:bodyPr>
           <a:lstStyle>
             <a:lvl1pPr marL="0" indent="0">
-              <a:buNone/>
-              <a:defRPr sz="2400" b="1"/>
+              <a:spcBef>
+                <a:spcPts val="672"/>
+              </a:spcBef>
+              <a:spcAft>
+                <a:spcPts val="600"/>
+              </a:spcAft>
+              <a:buNone/>
+              <a:defRPr sz="2800" b="0">
+                <a:solidFill>
+                  <a:schemeClr val="accent1"/>
+                </a:solidFill>
+              </a:defRPr>
             </a:lvl1pPr>
             <a:lvl2pPr marL="457200" indent="0">
               <a:buNone/>
@@ -1650,13 +3974,7 @@
       </p:sp>
       <p:sp>
         <p:nvSpPr>
-          <p:cNvPr id="4" name="Content Placeholder 3">
-            <a:extLst>
-              <a:ext uri="{FF2B5EF4-FFF2-40B4-BE49-F238E27FC236}">
-                <a16:creationId xmlns:a16="http://schemas.microsoft.com/office/drawing/2014/main" id="{9A547369-F6A4-4781-8187-71B014D1FF92}"/>
-              </a:ext>
-            </a:extLst>
-          </p:cNvPr>
+          <p:cNvPr id="4" name="Content Placeholder 3"/>
           <p:cNvSpPr>
             <a:spLocks noGrp="1"/>
           </p:cNvSpPr>
@@ -1666,12 +3984,14 @@
         </p:nvSpPr>
         <p:spPr>
           <a:xfrm>
-            <a:off x="839788" y="2505075"/>
-            <a:ext cx="5157787" cy="3684588"/>
+            <a:off x="1295400" y="3243262"/>
+            <a:ext cx="4718304" cy="2632605"/>
           </a:xfrm>
         </p:spPr>
         <p:txBody>
-          <a:bodyPr/>
+          <a:bodyPr anchor="t">
+            <a:normAutofit/>
+          </a:bodyPr>
           <a:lstStyle/>
           <a:p>
             <a:pPr lvl="0"/>
@@ -1707,18 +4027,13 @@
               <a:rPr lang="en-US"/>
               <a:t>Fifth level</a:t>
             </a:r>
-          </a:p>
-        </p:txBody>
-      </p:sp>
-      <p:sp>
-        <p:nvSpPr>
-          <p:cNvPr id="5" name="Text Placeholder 4">
-            <a:extLst>
-              <a:ext uri="{FF2B5EF4-FFF2-40B4-BE49-F238E27FC236}">
-                <a16:creationId xmlns:a16="http://schemas.microsoft.com/office/drawing/2014/main" id="{DCA786BC-1A9A-4516-B3B2-5EBC99F58794}"/>
-              </a:ext>
-            </a:extLst>
-          </p:cNvPr>
+            <a:endParaRPr lang="en-US" dirty="0"/>
+          </a:p>
+        </p:txBody>
+      </p:sp>
+      <p:sp>
+        <p:nvSpPr>
+          <p:cNvPr id="5" name="Text Placeholder 4"/>
           <p:cNvSpPr>
             <a:spLocks noGrp="1"/>
           </p:cNvSpPr>
@@ -1728,16 +4043,28 @@
         </p:nvSpPr>
         <p:spPr>
           <a:xfrm>
-            <a:off x="6172200" y="1681163"/>
-            <a:ext cx="5183188" cy="823912"/>
+            <a:off x="6180670" y="2658533"/>
+            <a:ext cx="4718304" cy="576262"/>
           </a:xfrm>
         </p:spPr>
         <p:txBody>
-          <a:bodyPr anchor="b"/>
+          <a:bodyPr anchor="b">
+            <a:noAutofit/>
+          </a:bodyPr>
           <a:lstStyle>
             <a:lvl1pPr marL="0" indent="0">
-              <a:buNone/>
-              <a:defRPr sz="2400" b="1"/>
+              <a:spcBef>
+                <a:spcPts val="672"/>
+              </a:spcBef>
+              <a:spcAft>
+                <a:spcPts val="600"/>
+              </a:spcAft>
+              <a:buNone/>
+              <a:defRPr sz="2800" b="0">
+                <a:solidFill>
+                  <a:schemeClr val="accent1"/>
+                </a:solidFill>
+              </a:defRPr>
             </a:lvl1pPr>
             <a:lvl2pPr marL="457200" indent="0">
               <a:buNone/>
@@ -1783,13 +4110,7 @@
       </p:sp>
       <p:sp>
         <p:nvSpPr>
-          <p:cNvPr id="6" name="Content Placeholder 5">
-            <a:extLst>
-              <a:ext uri="{FF2B5EF4-FFF2-40B4-BE49-F238E27FC236}">
-                <a16:creationId xmlns:a16="http://schemas.microsoft.com/office/drawing/2014/main" id="{E695652E-BD01-431A-8D5B-D243DE5C260F}"/>
-              </a:ext>
-            </a:extLst>
-          </p:cNvPr>
+          <p:cNvPr id="6" name="Content Placeholder 5"/>
           <p:cNvSpPr>
             <a:spLocks noGrp="1"/>
           </p:cNvSpPr>
@@ -1799,12 +4120,14 @@
         </p:nvSpPr>
         <p:spPr>
           <a:xfrm>
-            <a:off x="6172200" y="2505075"/>
-            <a:ext cx="5183188" cy="3684588"/>
+            <a:off x="6180670" y="3243262"/>
+            <a:ext cx="4718304" cy="2632605"/>
           </a:xfrm>
         </p:spPr>
         <p:txBody>
-          <a:bodyPr/>
+          <a:bodyPr anchor="t">
+            <a:normAutofit/>
+          </a:bodyPr>
           <a:lstStyle/>
           <a:p>
             <a:pPr lvl="0"/>
@@ -1840,18 +4163,13 @@
               <a:rPr lang="en-US"/>
               <a:t>Fifth level</a:t>
             </a:r>
-          </a:p>
-        </p:txBody>
-      </p:sp>
-      <p:sp>
-        <p:nvSpPr>
-          <p:cNvPr id="7" name="Date Placeholder 6">
-            <a:extLst>
-              <a:ext uri="{FF2B5EF4-FFF2-40B4-BE49-F238E27FC236}">
-                <a16:creationId xmlns:a16="http://schemas.microsoft.com/office/drawing/2014/main" id="{5ABCD07D-2D62-4C21-9AD7-E107A87A9135}"/>
-              </a:ext>
-            </a:extLst>
-          </p:cNvPr>
+            <a:endParaRPr lang="en-US" dirty="0"/>
+          </a:p>
+        </p:txBody>
+      </p:sp>
+      <p:sp>
+        <p:nvSpPr>
+          <p:cNvPr id="7" name="Date Placeholder 6"/>
           <p:cNvSpPr>
             <a:spLocks noGrp="1"/>
           </p:cNvSpPr>
@@ -1866,7 +4184,7 @@
           <a:p>
             <a:fld id="{5F762F9F-E6EA-480B-A6EE-0D217F01FE68}" type="datetimeFigureOut">
               <a:rPr lang="en-US" smtClean="0"/>
-              <a:t>2/12/2020</a:t>
+              <a:t>2/13/2020</a:t>
             </a:fld>
             <a:endParaRPr lang="en-US"/>
           </a:p>
@@ -1874,13 +4192,7 @@
       </p:sp>
       <p:sp>
         <p:nvSpPr>
-          <p:cNvPr id="8" name="Footer Placeholder 7">
-            <a:extLst>
-              <a:ext uri="{FF2B5EF4-FFF2-40B4-BE49-F238E27FC236}">
-                <a16:creationId xmlns:a16="http://schemas.microsoft.com/office/drawing/2014/main" id="{8E0B0D39-10C9-4D21-8D72-206F5391E5FE}"/>
-              </a:ext>
-            </a:extLst>
-          </p:cNvPr>
+          <p:cNvPr id="8" name="Footer Placeholder 7"/>
           <p:cNvSpPr>
             <a:spLocks noGrp="1"/>
           </p:cNvSpPr>
@@ -1899,13 +4211,7 @@
       </p:sp>
       <p:sp>
         <p:nvSpPr>
-          <p:cNvPr id="9" name="Slide Number Placeholder 8">
-            <a:extLst>
-              <a:ext uri="{FF2B5EF4-FFF2-40B4-BE49-F238E27FC236}">
-                <a16:creationId xmlns:a16="http://schemas.microsoft.com/office/drawing/2014/main" id="{7317D1B0-FF9F-4FB2-91B2-6B68D66E0A64}"/>
-              </a:ext>
-            </a:extLst>
-          </p:cNvPr>
+          <p:cNvPr id="9" name="Slide Number Placeholder 8"/>
           <p:cNvSpPr>
             <a:spLocks noGrp="1"/>
           </p:cNvSpPr>
@@ -1926,10 +4232,41 @@
           </a:p>
         </p:txBody>
       </p:sp>
+      <p:cxnSp>
+        <p:nvCxnSpPr>
+          <p:cNvPr id="18" name="Straight Connector 17"/>
+          <p:cNvCxnSpPr/>
+          <p:nvPr/>
+        </p:nvCxnSpPr>
+        <p:spPr>
+          <a:xfrm>
+            <a:off x="1396169" y="2421466"/>
+            <a:ext cx="9407298" cy="0"/>
+          </a:xfrm>
+          <a:prstGeom prst="line">
+            <a:avLst/>
+          </a:prstGeom>
+          <a:ln w="15875"/>
+        </p:spPr>
+        <p:style>
+          <a:lnRef idx="2">
+            <a:schemeClr val="accent1"/>
+          </a:lnRef>
+          <a:fillRef idx="0">
+            <a:schemeClr val="accent1"/>
+          </a:fillRef>
+          <a:effectRef idx="1">
+            <a:schemeClr val="accent1"/>
+          </a:effectRef>
+          <a:fontRef idx="minor">
+            <a:schemeClr val="tx1"/>
+          </a:fontRef>
+        </p:style>
+      </p:cxnSp>
     </p:spTree>
     <p:extLst>
       <p:ext uri="{BB962C8B-B14F-4D97-AF65-F5344CB8AC3E}">
-        <p14:creationId xmlns:p14="http://schemas.microsoft.com/office/powerpoint/2010/main" val="2892346261"/>
+        <p14:creationId xmlns:p14="http://schemas.microsoft.com/office/powerpoint/2010/main" val="2062562769"/>
       </p:ext>
     </p:extLst>
   </p:cSld>
@@ -1958,13 +4295,7 @@
       </p:grpSpPr>
       <p:sp>
         <p:nvSpPr>
-          <p:cNvPr id="2" name="Title 1">
-            <a:extLst>
-              <a:ext uri="{FF2B5EF4-FFF2-40B4-BE49-F238E27FC236}">
-                <a16:creationId xmlns:a16="http://schemas.microsoft.com/office/drawing/2014/main" id="{BF5198E7-A388-4AD3-9C22-E38FEC0FA5E9}"/>
-              </a:ext>
-            </a:extLst>
-          </p:cNvPr>
+          <p:cNvPr id="2" name="Title 1"/>
           <p:cNvSpPr>
             <a:spLocks noGrp="1"/>
           </p:cNvSpPr>
@@ -1981,18 +4312,13 @@
               <a:rPr lang="en-US"/>
               <a:t>Click to edit Master title style</a:t>
             </a:r>
-          </a:p>
-        </p:txBody>
-      </p:sp>
-      <p:sp>
-        <p:nvSpPr>
-          <p:cNvPr id="3" name="Date Placeholder 2">
-            <a:extLst>
-              <a:ext uri="{FF2B5EF4-FFF2-40B4-BE49-F238E27FC236}">
-                <a16:creationId xmlns:a16="http://schemas.microsoft.com/office/drawing/2014/main" id="{CED3C268-BF76-4BBD-B107-6637A8A2CCCA}"/>
-              </a:ext>
-            </a:extLst>
-          </p:cNvPr>
+            <a:endParaRPr lang="en-US" dirty="0"/>
+          </a:p>
+        </p:txBody>
+      </p:sp>
+      <p:sp>
+        <p:nvSpPr>
+          <p:cNvPr id="3" name="Date Placeholder 2"/>
           <p:cNvSpPr>
             <a:spLocks noGrp="1"/>
           </p:cNvSpPr>
@@ -2007,7 +4333,7 @@
           <a:p>
             <a:fld id="{5F762F9F-E6EA-480B-A6EE-0D217F01FE68}" type="datetimeFigureOut">
               <a:rPr lang="en-US" smtClean="0"/>
-              <a:t>2/12/2020</a:t>
+              <a:t>2/13/2020</a:t>
             </a:fld>
             <a:endParaRPr lang="en-US"/>
           </a:p>
@@ -2015,13 +4341,7 @@
       </p:sp>
       <p:sp>
         <p:nvSpPr>
-          <p:cNvPr id="4" name="Footer Placeholder 3">
-            <a:extLst>
-              <a:ext uri="{FF2B5EF4-FFF2-40B4-BE49-F238E27FC236}">
-                <a16:creationId xmlns:a16="http://schemas.microsoft.com/office/drawing/2014/main" id="{1EE42635-4646-4F24-9C1D-1F6925DB64D0}"/>
-              </a:ext>
-            </a:extLst>
-          </p:cNvPr>
+          <p:cNvPr id="4" name="Footer Placeholder 3"/>
           <p:cNvSpPr>
             <a:spLocks noGrp="1"/>
           </p:cNvSpPr>
@@ -2040,13 +4360,7 @@
       </p:sp>
       <p:sp>
         <p:nvSpPr>
-          <p:cNvPr id="5" name="Slide Number Placeholder 4">
-            <a:extLst>
-              <a:ext uri="{FF2B5EF4-FFF2-40B4-BE49-F238E27FC236}">
-                <a16:creationId xmlns:a16="http://schemas.microsoft.com/office/drawing/2014/main" id="{6C17DCAA-E4B6-4AAD-A832-7CEBC68D0B06}"/>
-              </a:ext>
-            </a:extLst>
-          </p:cNvPr>
+          <p:cNvPr id="5" name="Slide Number Placeholder 4"/>
           <p:cNvSpPr>
             <a:spLocks noGrp="1"/>
           </p:cNvSpPr>
@@ -2067,10 +4381,41 @@
           </a:p>
         </p:txBody>
       </p:sp>
+      <p:cxnSp>
+        <p:nvCxnSpPr>
+          <p:cNvPr id="14" name="Straight Connector 13"/>
+          <p:cNvCxnSpPr/>
+          <p:nvPr/>
+        </p:nvCxnSpPr>
+        <p:spPr>
+          <a:xfrm>
+            <a:off x="1396169" y="2421466"/>
+            <a:ext cx="9407298" cy="0"/>
+          </a:xfrm>
+          <a:prstGeom prst="line">
+            <a:avLst/>
+          </a:prstGeom>
+          <a:ln w="15875"/>
+        </p:spPr>
+        <p:style>
+          <a:lnRef idx="2">
+            <a:schemeClr val="accent1"/>
+          </a:lnRef>
+          <a:fillRef idx="0">
+            <a:schemeClr val="accent1"/>
+          </a:fillRef>
+          <a:effectRef idx="1">
+            <a:schemeClr val="accent1"/>
+          </a:effectRef>
+          <a:fontRef idx="minor">
+            <a:schemeClr val="tx1"/>
+          </a:fontRef>
+        </p:style>
+      </p:cxnSp>
     </p:spTree>
     <p:extLst>
       <p:ext uri="{BB962C8B-B14F-4D97-AF65-F5344CB8AC3E}">
-        <p14:creationId xmlns:p14="http://schemas.microsoft.com/office/powerpoint/2010/main" val="3125290659"/>
+        <p14:creationId xmlns:p14="http://schemas.microsoft.com/office/powerpoint/2010/main" val="2421292630"/>
       </p:ext>
     </p:extLst>
   </p:cSld>
@@ -2099,13 +4444,7 @@
       </p:grpSpPr>
       <p:sp>
         <p:nvSpPr>
-          <p:cNvPr id="2" name="Date Placeholder 1">
-            <a:extLst>
-              <a:ext uri="{FF2B5EF4-FFF2-40B4-BE49-F238E27FC236}">
-                <a16:creationId xmlns:a16="http://schemas.microsoft.com/office/drawing/2014/main" id="{C82CF4DD-5C91-41E1-B364-A321D8211212}"/>
-              </a:ext>
-            </a:extLst>
-          </p:cNvPr>
+          <p:cNvPr id="2" name="Date Placeholder 1"/>
           <p:cNvSpPr>
             <a:spLocks noGrp="1"/>
           </p:cNvSpPr>
@@ -2120,7 +4459,7 @@
           <a:p>
             <a:fld id="{5F762F9F-E6EA-480B-A6EE-0D217F01FE68}" type="datetimeFigureOut">
               <a:rPr lang="en-US" smtClean="0"/>
-              <a:t>2/12/2020</a:t>
+              <a:t>2/13/2020</a:t>
             </a:fld>
             <a:endParaRPr lang="en-US"/>
           </a:p>
@@ -2128,13 +4467,7 @@
       </p:sp>
       <p:sp>
         <p:nvSpPr>
-          <p:cNvPr id="3" name="Footer Placeholder 2">
-            <a:extLst>
-              <a:ext uri="{FF2B5EF4-FFF2-40B4-BE49-F238E27FC236}">
-                <a16:creationId xmlns:a16="http://schemas.microsoft.com/office/drawing/2014/main" id="{640C4C7A-01D5-48B3-A440-FDABCD8A96D2}"/>
-              </a:ext>
-            </a:extLst>
-          </p:cNvPr>
+          <p:cNvPr id="3" name="Footer Placeholder 2"/>
           <p:cNvSpPr>
             <a:spLocks noGrp="1"/>
           </p:cNvSpPr>
@@ -2153,13 +4486,7 @@
       </p:sp>
       <p:sp>
         <p:nvSpPr>
-          <p:cNvPr id="4" name="Slide Number Placeholder 3">
-            <a:extLst>
-              <a:ext uri="{FF2B5EF4-FFF2-40B4-BE49-F238E27FC236}">
-                <a16:creationId xmlns:a16="http://schemas.microsoft.com/office/drawing/2014/main" id="{63923C77-1A21-40C0-9F65-FF3D14DF45D8}"/>
-              </a:ext>
-            </a:extLst>
-          </p:cNvPr>
+          <p:cNvPr id="4" name="Slide Number Placeholder 3"/>
           <p:cNvSpPr>
             <a:spLocks noGrp="1"/>
           </p:cNvSpPr>
@@ -2183,7 +4510,7 @@
     </p:spTree>
     <p:extLst>
       <p:ext uri="{BB962C8B-B14F-4D97-AF65-F5344CB8AC3E}">
-        <p14:creationId xmlns:p14="http://schemas.microsoft.com/office/powerpoint/2010/main" val="582808480"/>
+        <p14:creationId xmlns:p14="http://schemas.microsoft.com/office/powerpoint/2010/main" val="3380427665"/>
       </p:ext>
     </p:extLst>
   </p:cSld>
@@ -2212,13 +4539,7 @@
       </p:grpSpPr>
       <p:sp>
         <p:nvSpPr>
-          <p:cNvPr id="2" name="Title 1">
-            <a:extLst>
-              <a:ext uri="{FF2B5EF4-FFF2-40B4-BE49-F238E27FC236}">
-                <a16:creationId xmlns:a16="http://schemas.microsoft.com/office/drawing/2014/main" id="{B4DD24D4-E96E-495E-88E3-6584F83C0142}"/>
-              </a:ext>
-            </a:extLst>
-          </p:cNvPr>
+          <p:cNvPr id="2" name="Title 1"/>
           <p:cNvSpPr>
             <a:spLocks noGrp="1"/>
           </p:cNvSpPr>
@@ -2228,15 +4549,17 @@
         </p:nvSpPr>
         <p:spPr>
           <a:xfrm>
-            <a:off x="839788" y="457200"/>
-            <a:ext cx="3932237" cy="1600200"/>
+            <a:off x="1293811" y="1388534"/>
+            <a:ext cx="3718455" cy="1371600"/>
           </a:xfrm>
         </p:spPr>
         <p:txBody>
-          <a:bodyPr anchor="b"/>
+          <a:bodyPr anchor="b">
+            <a:normAutofit/>
+          </a:bodyPr>
           <a:lstStyle>
-            <a:lvl1pPr>
-              <a:defRPr sz="3200"/>
+            <a:lvl1pPr algn="ctr">
+              <a:defRPr sz="2400" b="0"/>
             </a:lvl1pPr>
           </a:lstStyle>
           <a:p>
@@ -2244,18 +4567,13 @@
               <a:rPr lang="en-US"/>
               <a:t>Click to edit Master title style</a:t>
             </a:r>
-          </a:p>
-        </p:txBody>
-      </p:sp>
-      <p:sp>
-        <p:nvSpPr>
-          <p:cNvPr id="3" name="Content Placeholder 2">
-            <a:extLst>
-              <a:ext uri="{FF2B5EF4-FFF2-40B4-BE49-F238E27FC236}">
-                <a16:creationId xmlns:a16="http://schemas.microsoft.com/office/drawing/2014/main" id="{D346AF3B-818F-4447-98B0-BAA1472C3D2F}"/>
-              </a:ext>
-            </a:extLst>
-          </p:cNvPr>
+            <a:endParaRPr lang="en-US" dirty="0"/>
+          </a:p>
+        </p:txBody>
+      </p:sp>
+      <p:sp>
+        <p:nvSpPr>
+          <p:cNvPr id="3" name="Content Placeholder 2"/>
           <p:cNvSpPr>
             <a:spLocks noGrp="1"/>
           </p:cNvSpPr>
@@ -2265,41 +4583,15 @@
         </p:nvSpPr>
         <p:spPr>
           <a:xfrm>
-            <a:off x="5183188" y="987425"/>
-            <a:ext cx="6172200" cy="4873625"/>
+            <a:off x="5418668" y="982131"/>
+            <a:ext cx="5469466" cy="4893735"/>
           </a:xfrm>
         </p:spPr>
         <p:txBody>
-          <a:bodyPr/>
-          <a:lstStyle>
-            <a:lvl1pPr>
-              <a:defRPr sz="3200"/>
-            </a:lvl1pPr>
-            <a:lvl2pPr>
-              <a:defRPr sz="2800"/>
-            </a:lvl2pPr>
-            <a:lvl3pPr>
-              <a:defRPr sz="2400"/>
-            </a:lvl3pPr>
-            <a:lvl4pPr>
-              <a:defRPr sz="2000"/>
-            </a:lvl4pPr>
-            <a:lvl5pPr>
-              <a:defRPr sz="2000"/>
-            </a:lvl5pPr>
-            <a:lvl6pPr>
-              <a:defRPr sz="2000"/>
-            </a:lvl6pPr>
-            <a:lvl7pPr>
-              <a:defRPr sz="2000"/>
-            </a:lvl7pPr>
-            <a:lvl8pPr>
-              <a:defRPr sz="2000"/>
-            </a:lvl8pPr>
-            <a:lvl9pPr>
-              <a:defRPr sz="2000"/>
-            </a:lvl9pPr>
-          </a:lstStyle>
+          <a:bodyPr anchor="ctr">
+            <a:normAutofit/>
+          </a:bodyPr>
+          <a:lstStyle/>
           <a:p>
             <a:pPr lvl="0"/>
             <a:r>
@@ -2334,18 +4626,13 @@
               <a:rPr lang="en-US"/>
               <a:t>Fifth level</a:t>
             </a:r>
-          </a:p>
-        </p:txBody>
-      </p:sp>
-      <p:sp>
-        <p:nvSpPr>
-          <p:cNvPr id="4" name="Text Placeholder 3">
-            <a:extLst>
-              <a:ext uri="{FF2B5EF4-FFF2-40B4-BE49-F238E27FC236}">
-                <a16:creationId xmlns:a16="http://schemas.microsoft.com/office/drawing/2014/main" id="{6C8F9391-51F3-48B2-81E1-81DCE2E6FD57}"/>
-              </a:ext>
-            </a:extLst>
-          </p:cNvPr>
+            <a:endParaRPr lang="en-US" dirty="0"/>
+          </a:p>
+        </p:txBody>
+      </p:sp>
+      <p:sp>
+        <p:nvSpPr>
+          <p:cNvPr id="4" name="Text Placeholder 3"/>
           <p:cNvSpPr>
             <a:spLocks noGrp="1"/>
           </p:cNvSpPr>
@@ -2355,48 +4642,50 @@
         </p:nvSpPr>
         <p:spPr>
           <a:xfrm>
-            <a:off x="839788" y="2057400"/>
-            <a:ext cx="3932237" cy="3811588"/>
+            <a:off x="1293811" y="3031065"/>
+            <a:ext cx="3718455" cy="2438404"/>
           </a:xfrm>
         </p:spPr>
         <p:txBody>
-          <a:bodyPr/>
+          <a:bodyPr anchor="t">
+            <a:normAutofit/>
+          </a:bodyPr>
           <a:lstStyle>
-            <a:lvl1pPr marL="0" indent="0">
+            <a:lvl1pPr marL="0" indent="0" algn="ctr">
               <a:buNone/>
               <a:defRPr sz="1600"/>
             </a:lvl1pPr>
             <a:lvl2pPr marL="457200" indent="0">
               <a:buNone/>
-              <a:defRPr sz="1400"/>
+              <a:defRPr sz="1200"/>
             </a:lvl2pPr>
             <a:lvl3pPr marL="914400" indent="0">
               <a:buNone/>
-              <a:defRPr sz="1200"/>
+              <a:defRPr sz="1000"/>
             </a:lvl3pPr>
             <a:lvl4pPr marL="1371600" indent="0">
               <a:buNone/>
-              <a:defRPr sz="1000"/>
+              <a:defRPr sz="900"/>
             </a:lvl4pPr>
             <a:lvl5pPr marL="1828800" indent="0">
               <a:buNone/>
-              <a:defRPr sz="1000"/>
+              <a:defRPr sz="900"/>
             </a:lvl5pPr>
             <a:lvl6pPr marL="2286000" indent="0">
               <a:buNone/>
-              <a:defRPr sz="1000"/>
+              <a:defRPr sz="900"/>
             </a:lvl6pPr>
             <a:lvl7pPr marL="2743200" indent="0">
               <a:buNone/>
-              <a:defRPr sz="1000"/>
+              <a:defRPr sz="900"/>
             </a:lvl7pPr>
             <a:lvl8pPr marL="3200400" indent="0">
               <a:buNone/>
-              <a:defRPr sz="1000"/>
+              <a:defRPr sz="900"/>
             </a:lvl8pPr>
             <a:lvl9pPr marL="3657600" indent="0">
               <a:buNone/>
-              <a:defRPr sz="1000"/>
+              <a:defRPr sz="900"/>
             </a:lvl9pPr>
           </a:lstStyle>
           <a:p>
@@ -2410,13 +4699,7 @@
       </p:sp>
       <p:sp>
         <p:nvSpPr>
-          <p:cNvPr id="5" name="Date Placeholder 4">
-            <a:extLst>
-              <a:ext uri="{FF2B5EF4-FFF2-40B4-BE49-F238E27FC236}">
-                <a16:creationId xmlns:a16="http://schemas.microsoft.com/office/drawing/2014/main" id="{5DDB4ACB-66F7-4BBB-8D44-2024317F4E4A}"/>
-              </a:ext>
-            </a:extLst>
-          </p:cNvPr>
+          <p:cNvPr id="5" name="Date Placeholder 4"/>
           <p:cNvSpPr>
             <a:spLocks noGrp="1"/>
           </p:cNvSpPr>
@@ -2431,7 +4714,7 @@
           <a:p>
             <a:fld id="{5F762F9F-E6EA-480B-A6EE-0D217F01FE68}" type="datetimeFigureOut">
               <a:rPr lang="en-US" smtClean="0"/>
-              <a:t>2/12/2020</a:t>
+              <a:t>2/13/2020</a:t>
             </a:fld>
             <a:endParaRPr lang="en-US"/>
           </a:p>
@@ -2439,13 +4722,7 @@
       </p:sp>
       <p:sp>
         <p:nvSpPr>
-          <p:cNvPr id="6" name="Footer Placeholder 5">
-            <a:extLst>
-              <a:ext uri="{FF2B5EF4-FFF2-40B4-BE49-F238E27FC236}">
-                <a16:creationId xmlns:a16="http://schemas.microsoft.com/office/drawing/2014/main" id="{A5542418-847D-4ABA-A2DC-6A414849BA1C}"/>
-              </a:ext>
-            </a:extLst>
-          </p:cNvPr>
+          <p:cNvPr id="6" name="Footer Placeholder 5"/>
           <p:cNvSpPr>
             <a:spLocks noGrp="1"/>
           </p:cNvSpPr>
@@ -2464,13 +4741,7 @@
       </p:sp>
       <p:sp>
         <p:nvSpPr>
-          <p:cNvPr id="7" name="Slide Number Placeholder 6">
-            <a:extLst>
-              <a:ext uri="{FF2B5EF4-FFF2-40B4-BE49-F238E27FC236}">
-                <a16:creationId xmlns:a16="http://schemas.microsoft.com/office/drawing/2014/main" id="{ECDA9587-26E4-43F5-B3DA-4191CE44E82A}"/>
-              </a:ext>
-            </a:extLst>
-          </p:cNvPr>
+          <p:cNvPr id="7" name="Slide Number Placeholder 6"/>
           <p:cNvSpPr>
             <a:spLocks noGrp="1"/>
           </p:cNvSpPr>
@@ -2491,10 +4762,41 @@
           </a:p>
         </p:txBody>
       </p:sp>
+      <p:cxnSp>
+        <p:nvCxnSpPr>
+          <p:cNvPr id="16" name="Straight Connector 15"/>
+          <p:cNvCxnSpPr/>
+          <p:nvPr/>
+        </p:nvCxnSpPr>
+        <p:spPr>
+          <a:xfrm>
+            <a:off x="1396169" y="2912533"/>
+            <a:ext cx="3514498" cy="0"/>
+          </a:xfrm>
+          <a:prstGeom prst="line">
+            <a:avLst/>
+          </a:prstGeom>
+          <a:ln w="15875"/>
+        </p:spPr>
+        <p:style>
+          <a:lnRef idx="2">
+            <a:schemeClr val="accent1"/>
+          </a:lnRef>
+          <a:fillRef idx="0">
+            <a:schemeClr val="accent1"/>
+          </a:fillRef>
+          <a:effectRef idx="1">
+            <a:schemeClr val="accent1"/>
+          </a:effectRef>
+          <a:fontRef idx="minor">
+            <a:schemeClr val="tx1"/>
+          </a:fontRef>
+        </p:style>
+      </p:cxnSp>
     </p:spTree>
     <p:extLst>
       <p:ext uri="{BB962C8B-B14F-4D97-AF65-F5344CB8AC3E}">
-        <p14:creationId xmlns:p14="http://schemas.microsoft.com/office/powerpoint/2010/main" val="4248341970"/>
+        <p14:creationId xmlns:p14="http://schemas.microsoft.com/office/powerpoint/2010/main" val="2487700777"/>
       </p:ext>
     </p:extLst>
   </p:cSld>
@@ -2523,13 +4825,7 @@
       </p:grpSpPr>
       <p:sp>
         <p:nvSpPr>
-          <p:cNvPr id="2" name="Title 1">
-            <a:extLst>
-              <a:ext uri="{FF2B5EF4-FFF2-40B4-BE49-F238E27FC236}">
-                <a16:creationId xmlns:a16="http://schemas.microsoft.com/office/drawing/2014/main" id="{D0DC868E-2066-4FB0-AF45-268762362BD0}"/>
-              </a:ext>
-            </a:extLst>
-          </p:cNvPr>
+          <p:cNvPr id="2" name="Title 1"/>
           <p:cNvSpPr>
             <a:spLocks noGrp="1"/>
           </p:cNvSpPr>
@@ -2539,15 +4835,17 @@
         </p:nvSpPr>
         <p:spPr>
           <a:xfrm>
-            <a:off x="839788" y="457200"/>
-            <a:ext cx="3932237" cy="1600200"/>
+            <a:off x="1295399" y="1883832"/>
+            <a:ext cx="6241816" cy="1371600"/>
           </a:xfrm>
         </p:spPr>
         <p:txBody>
-          <a:bodyPr anchor="b"/>
+          <a:bodyPr anchor="b">
+            <a:normAutofit/>
+          </a:bodyPr>
           <a:lstStyle>
-            <a:lvl1pPr>
-              <a:defRPr sz="3200"/>
+            <a:lvl1pPr algn="ctr">
+              <a:defRPr sz="2800" b="0"/>
             </a:lvl1pPr>
           </a:lstStyle>
           <a:p>
@@ -2555,20 +4853,15 @@
               <a:rPr lang="en-US"/>
               <a:t>Click to edit Master title style</a:t>
             </a:r>
-          </a:p>
-        </p:txBody>
-      </p:sp>
-      <p:sp>
-        <p:nvSpPr>
-          <p:cNvPr id="3" name="Picture Placeholder 2">
-            <a:extLst>
-              <a:ext uri="{FF2B5EF4-FFF2-40B4-BE49-F238E27FC236}">
-                <a16:creationId xmlns:a16="http://schemas.microsoft.com/office/drawing/2014/main" id="{22E92AF3-A038-4E4D-B1E8-8A9A2BDC401B}"/>
-              </a:ext>
-            </a:extLst>
-          </p:cNvPr>
-          <p:cNvSpPr>
-            <a:spLocks noGrp="1"/>
+            <a:endParaRPr lang="en-US" dirty="0"/>
+          </a:p>
+        </p:txBody>
+      </p:sp>
+      <p:sp>
+        <p:nvSpPr>
+          <p:cNvPr id="17" name="Picture Placeholder 2"/>
+          <p:cNvSpPr>
+            <a:spLocks noGrp="1" noChangeAspect="1"/>
           </p:cNvSpPr>
           <p:nvPr>
             <p:ph type="pic" idx="1"/>
@@ -2576,118 +4869,141 @@
         </p:nvSpPr>
         <p:spPr>
           <a:xfrm>
-            <a:off x="5183188" y="987425"/>
-            <a:ext cx="6172200" cy="4873625"/>
+            <a:off x="8094831" y="1041400"/>
+            <a:ext cx="3063347" cy="4775200"/>
           </a:xfrm>
+          <a:prstGeom prst="roundRect">
+            <a:avLst>
+              <a:gd name="adj" fmla="val 0"/>
+            </a:avLst>
+          </a:prstGeom>
+          <a:ln w="57150" cmpd="thickThin">
+            <a:solidFill>
+              <a:schemeClr val="tx1">
+                <a:lumMod val="50000"/>
+                <a:lumOff val="50000"/>
+              </a:schemeClr>
+            </a:solidFill>
+            <a:miter lim="800000"/>
+          </a:ln>
+          <a:effectLst>
+            <a:innerShdw blurRad="57150" dist="38100" dir="14460000">
+              <a:srgbClr val="000000">
+                <a:alpha val="70000"/>
+              </a:srgbClr>
+            </a:innerShdw>
+          </a:effectLst>
         </p:spPr>
         <p:txBody>
-          <a:bodyPr/>
+          <a:bodyPr anchor="t">
+            <a:normAutofit/>
+          </a:bodyPr>
           <a:lstStyle>
-            <a:lvl1pPr marL="0" indent="0">
-              <a:buNone/>
-              <a:defRPr sz="3200"/>
-            </a:lvl1pPr>
-            <a:lvl2pPr marL="457200" indent="0">
-              <a:buNone/>
-              <a:defRPr sz="2800"/>
-            </a:lvl2pPr>
-            <a:lvl3pPr marL="914400" indent="0">
-              <a:buNone/>
-              <a:defRPr sz="2400"/>
-            </a:lvl3pPr>
-            <a:lvl4pPr marL="1371600" indent="0">
-              <a:buNone/>
-              <a:defRPr sz="2000"/>
-            </a:lvl4pPr>
-            <a:lvl5pPr marL="1828800" indent="0">
-              <a:buNone/>
-              <a:defRPr sz="2000"/>
-            </a:lvl5pPr>
-            <a:lvl6pPr marL="2286000" indent="0">
-              <a:buNone/>
-              <a:defRPr sz="2000"/>
-            </a:lvl6pPr>
-            <a:lvl7pPr marL="2743200" indent="0">
-              <a:buNone/>
-              <a:defRPr sz="2000"/>
-            </a:lvl7pPr>
-            <a:lvl8pPr marL="3200400" indent="0">
-              <a:buNone/>
-              <a:defRPr sz="2000"/>
-            </a:lvl8pPr>
-            <a:lvl9pPr marL="3657600" indent="0">
-              <a:buNone/>
-              <a:defRPr sz="2000"/>
-            </a:lvl9pPr>
-          </a:lstStyle>
-          <a:p>
-            <a:endParaRPr lang="en-US"/>
-          </a:p>
-        </p:txBody>
-      </p:sp>
-      <p:sp>
-        <p:nvSpPr>
-          <p:cNvPr id="4" name="Text Placeholder 3">
-            <a:extLst>
-              <a:ext uri="{FF2B5EF4-FFF2-40B4-BE49-F238E27FC236}">
-                <a16:creationId xmlns:a16="http://schemas.microsoft.com/office/drawing/2014/main" id="{7CCB7ACE-51BA-4893-8149-23E0EE3B0346}"/>
-              </a:ext>
-            </a:extLst>
-          </p:cNvPr>
-          <p:cNvSpPr>
-            <a:spLocks noGrp="1"/>
-          </p:cNvSpPr>
-          <p:nvPr>
-            <p:ph type="body" sz="half" idx="2"/>
-          </p:nvPr>
-        </p:nvSpPr>
-        <p:spPr>
-          <a:xfrm>
-            <a:off x="839788" y="2057400"/>
-            <a:ext cx="3932237" cy="3811588"/>
-          </a:xfrm>
-        </p:spPr>
-        <p:txBody>
-          <a:bodyPr/>
-          <a:lstStyle>
-            <a:lvl1pPr marL="0" indent="0">
+            <a:lvl1pPr marL="0" indent="0" algn="ctr">
               <a:buNone/>
               <a:defRPr sz="1600"/>
             </a:lvl1pPr>
             <a:lvl2pPr marL="457200" indent="0">
               <a:buNone/>
-              <a:defRPr sz="1400"/>
+              <a:defRPr sz="1600"/>
             </a:lvl2pPr>
             <a:lvl3pPr marL="914400" indent="0">
               <a:buNone/>
-              <a:defRPr sz="1200"/>
+              <a:defRPr sz="1600"/>
             </a:lvl3pPr>
             <a:lvl4pPr marL="1371600" indent="0">
               <a:buNone/>
-              <a:defRPr sz="1000"/>
+              <a:defRPr sz="1600"/>
             </a:lvl4pPr>
             <a:lvl5pPr marL="1828800" indent="0">
               <a:buNone/>
-              <a:defRPr sz="1000"/>
+              <a:defRPr sz="1600"/>
             </a:lvl5pPr>
             <a:lvl6pPr marL="2286000" indent="0">
               <a:buNone/>
-              <a:defRPr sz="1000"/>
+              <a:defRPr sz="1600"/>
             </a:lvl6pPr>
             <a:lvl7pPr marL="2743200" indent="0">
               <a:buNone/>
-              <a:defRPr sz="1000"/>
+              <a:defRPr sz="1600"/>
             </a:lvl7pPr>
             <a:lvl8pPr marL="3200400" indent="0">
               <a:buNone/>
-              <a:defRPr sz="1000"/>
+              <a:defRPr sz="1600"/>
             </a:lvl8pPr>
             <a:lvl9pPr marL="3657600" indent="0">
               <a:buNone/>
-              <a:defRPr sz="1000"/>
+              <a:defRPr sz="1600"/>
             </a:lvl9pPr>
           </a:lstStyle>
           <a:p>
+            <a:r>
+              <a:rPr lang="en-US"/>
+              <a:t>Click icon to add picture</a:t>
+            </a:r>
+            <a:endParaRPr lang="en-US" dirty="0"/>
+          </a:p>
+        </p:txBody>
+      </p:sp>
+      <p:sp>
+        <p:nvSpPr>
+          <p:cNvPr id="4" name="Text Placeholder 3"/>
+          <p:cNvSpPr>
+            <a:spLocks noGrp="1"/>
+          </p:cNvSpPr>
+          <p:nvPr>
+            <p:ph type="body" sz="half" idx="2"/>
+          </p:nvPr>
+        </p:nvSpPr>
+        <p:spPr>
+          <a:xfrm>
+            <a:off x="1295399" y="3255432"/>
+            <a:ext cx="6241816" cy="1828800"/>
+          </a:xfrm>
+        </p:spPr>
+        <p:txBody>
+          <a:bodyPr anchor="t">
+            <a:normAutofit/>
+          </a:bodyPr>
+          <a:lstStyle>
+            <a:lvl1pPr marL="0" indent="0" algn="ctr">
+              <a:buNone/>
+              <a:defRPr sz="1800"/>
+            </a:lvl1pPr>
+            <a:lvl2pPr marL="457200" indent="0">
+              <a:buNone/>
+              <a:defRPr sz="1200"/>
+            </a:lvl2pPr>
+            <a:lvl3pPr marL="914400" indent="0">
+              <a:buNone/>
+              <a:defRPr sz="1000"/>
+            </a:lvl3pPr>
+            <a:lvl4pPr marL="1371600" indent="0">
+              <a:buNone/>
+              <a:defRPr sz="900"/>
+            </a:lvl4pPr>
+            <a:lvl5pPr marL="1828800" indent="0">
+              <a:buNone/>
+              <a:defRPr sz="900"/>
+            </a:lvl5pPr>
+            <a:lvl6pPr marL="2286000" indent="0">
+              <a:buNone/>
+              <a:defRPr sz="900"/>
+            </a:lvl6pPr>
+            <a:lvl7pPr marL="2743200" indent="0">
+              <a:buNone/>
+              <a:defRPr sz="900"/>
+            </a:lvl7pPr>
+            <a:lvl8pPr marL="3200400" indent="0">
+              <a:buNone/>
+              <a:defRPr sz="900"/>
+            </a:lvl8pPr>
+            <a:lvl9pPr marL="3657600" indent="0">
+              <a:buNone/>
+              <a:defRPr sz="900"/>
+            </a:lvl9pPr>
+          </a:lstStyle>
+          <a:p>
             <a:pPr lvl="0"/>
             <a:r>
               <a:rPr lang="en-US"/>
@@ -2698,13 +5014,7 @@
       </p:sp>
       <p:sp>
         <p:nvSpPr>
-          <p:cNvPr id="5" name="Date Placeholder 4">
-            <a:extLst>
-              <a:ext uri="{FF2B5EF4-FFF2-40B4-BE49-F238E27FC236}">
-                <a16:creationId xmlns:a16="http://schemas.microsoft.com/office/drawing/2014/main" id="{1A4E9F5F-FF82-4BDF-9477-FE3F09D8F1D8}"/>
-              </a:ext>
-            </a:extLst>
-          </p:cNvPr>
+          <p:cNvPr id="5" name="Date Placeholder 4"/>
           <p:cNvSpPr>
             <a:spLocks noGrp="1"/>
           </p:cNvSpPr>
@@ -2719,7 +5029,7 @@
           <a:p>
             <a:fld id="{5F762F9F-E6EA-480B-A6EE-0D217F01FE68}" type="datetimeFigureOut">
               <a:rPr lang="en-US" smtClean="0"/>
-              <a:t>2/12/2020</a:t>
+              <a:t>2/13/2020</a:t>
             </a:fld>
             <a:endParaRPr lang="en-US"/>
           </a:p>
@@ -2727,13 +5037,7 @@
       </p:sp>
       <p:sp>
         <p:nvSpPr>
-          <p:cNvPr id="6" name="Footer Placeholder 5">
-            <a:extLst>
-              <a:ext uri="{FF2B5EF4-FFF2-40B4-BE49-F238E27FC236}">
-                <a16:creationId xmlns:a16="http://schemas.microsoft.com/office/drawing/2014/main" id="{43124B5F-2906-4275-B370-FCA676BA1CEC}"/>
-              </a:ext>
-            </a:extLst>
-          </p:cNvPr>
+          <p:cNvPr id="6" name="Footer Placeholder 5"/>
           <p:cNvSpPr>
             <a:spLocks noGrp="1"/>
           </p:cNvSpPr>
@@ -2752,13 +5056,7 @@
       </p:sp>
       <p:sp>
         <p:nvSpPr>
-          <p:cNvPr id="7" name="Slide Number Placeholder 6">
-            <a:extLst>
-              <a:ext uri="{FF2B5EF4-FFF2-40B4-BE49-F238E27FC236}">
-                <a16:creationId xmlns:a16="http://schemas.microsoft.com/office/drawing/2014/main" id="{ED4BCB64-5EE3-411E-894D-42A06D4186B8}"/>
-              </a:ext>
-            </a:extLst>
-          </p:cNvPr>
+          <p:cNvPr id="7" name="Slide Number Placeholder 6"/>
           <p:cNvSpPr>
             <a:spLocks noGrp="1"/>
           </p:cNvSpPr>
@@ -2782,7 +5080,7 @@
     </p:spTree>
     <p:extLst>
       <p:ext uri="{BB962C8B-B14F-4D97-AF65-F5344CB8AC3E}">
-        <p14:creationId xmlns:p14="http://schemas.microsoft.com/office/powerpoint/2010/main" val="4240849193"/>
+        <p14:creationId xmlns:p14="http://schemas.microsoft.com/office/powerpoint/2010/main" val="2867838804"/>
       </p:ext>
     </p:extLst>
   </p:cSld>
@@ -2796,7 +5094,7 @@
 <p:sldMaster xmlns:a="http://schemas.openxmlformats.org/drawingml/2006/main" xmlns:r="http://schemas.openxmlformats.org/officeDocument/2006/relationships" xmlns:p="http://schemas.openxmlformats.org/presentationml/2006/main">
   <p:cSld>
     <p:bg>
-      <p:bgRef idx="1001">
+      <p:bgRef idx="1003">
         <a:schemeClr val="bg1"/>
       </p:bgRef>
     </p:bg>
@@ -2814,15 +5112,146 @@
           <a:chExt cx="0" cy="0"/>
         </a:xfrm>
       </p:grpSpPr>
-      <p:sp>
-        <p:nvSpPr>
-          <p:cNvPr id="2" name="Title Placeholder 1">
-            <a:extLst>
-              <a:ext uri="{FF2B5EF4-FFF2-40B4-BE49-F238E27FC236}">
-                <a16:creationId xmlns:a16="http://schemas.microsoft.com/office/drawing/2014/main" id="{6374EC2F-8F92-4A8F-AF4F-E01071F614AE}"/>
-              </a:ext>
-            </a:extLst>
-          </p:cNvPr>
+      <p:grpSp>
+        <p:nvGrpSpPr>
+          <p:cNvPr id="7" name="Group 6"/>
+          <p:cNvGrpSpPr/>
+          <p:nvPr/>
+        </p:nvGrpSpPr>
+        <p:grpSpPr>
+          <a:xfrm>
+            <a:off x="-15736" y="0"/>
+            <a:ext cx="12229962" cy="6856214"/>
+            <a:chOff x="-15736" y="0"/>
+            <a:chExt cx="12229962" cy="6856214"/>
+          </a:xfrm>
+        </p:grpSpPr>
+        <p:pic>
+          <p:nvPicPr>
+            <p:cNvPr id="8" name="Picture 7" descr="HD-PanelContent.png"/>
+            <p:cNvPicPr>
+              <a:picLocks noChangeAspect="1"/>
+            </p:cNvPicPr>
+            <p:nvPr/>
+          </p:nvPicPr>
+          <p:blipFill>
+            <a:blip r:embed="rId19">
+              <a:extLst>
+                <a:ext uri="{28A0092B-C50C-407E-A947-70E740481C1C}">
+                  <a14:useLocalDpi xmlns:a14="http://schemas.microsoft.com/office/drawing/2010/main" val="0"/>
+                </a:ext>
+              </a:extLst>
+            </a:blip>
+            <a:stretch>
+              <a:fillRect/>
+            </a:stretch>
+          </p:blipFill>
+          <p:spPr>
+            <a:xfrm>
+              <a:off x="0" y="0"/>
+              <a:ext cx="12188825" cy="6856214"/>
+            </a:xfrm>
+            <a:prstGeom prst="rect">
+              <a:avLst/>
+            </a:prstGeom>
+          </p:spPr>
+        </p:pic>
+        <p:sp>
+          <p:nvSpPr>
+            <p:cNvPr id="9" name="Rectangle 8"/>
+            <p:cNvSpPr/>
+            <p:nvPr/>
+          </p:nvSpPr>
+          <p:spPr>
+            <a:xfrm>
+              <a:off x="608012" y="609600"/>
+              <a:ext cx="10972800" cy="5638800"/>
+            </a:xfrm>
+            <a:prstGeom prst="rect">
+              <a:avLst/>
+            </a:prstGeom>
+            <a:noFill/>
+            <a:ln w="15875" cap="flat">
+              <a:miter lim="800000"/>
+            </a:ln>
+          </p:spPr>
+          <p:style>
+            <a:lnRef idx="1">
+              <a:schemeClr val="accent1"/>
+            </a:lnRef>
+            <a:fillRef idx="3">
+              <a:schemeClr val="accent1"/>
+            </a:fillRef>
+            <a:effectRef idx="2">
+              <a:schemeClr val="accent1"/>
+            </a:effectRef>
+            <a:fontRef idx="minor">
+              <a:schemeClr val="lt1"/>
+            </a:fontRef>
+          </p:style>
+        </p:sp>
+        <p:pic>
+          <p:nvPicPr>
+            <p:cNvPr id="10" name="Picture 9" descr="HDRibbonContent-UniformTrim.png"/>
+            <p:cNvPicPr>
+              <a:picLocks noChangeAspect="1"/>
+            </p:cNvPicPr>
+            <p:nvPr/>
+          </p:nvPicPr>
+          <p:blipFill rotWithShape="1">
+            <a:blip r:embed="rId20">
+              <a:extLst>
+                <a:ext uri="{28A0092B-C50C-407E-A947-70E740481C1C}">
+                  <a14:useLocalDpi xmlns:a14="http://schemas.microsoft.com/office/drawing/2010/main" val="0"/>
+                </a:ext>
+              </a:extLst>
+            </a:blip>
+            <a:srcRect/>
+            <a:stretch/>
+          </p:blipFill>
+          <p:spPr>
+            <a:xfrm>
+              <a:off x="-15736" y="3153832"/>
+              <a:ext cx="777240" cy="606425"/>
+            </a:xfrm>
+            <a:prstGeom prst="rect">
+              <a:avLst/>
+            </a:prstGeom>
+          </p:spPr>
+        </p:pic>
+        <p:pic>
+          <p:nvPicPr>
+            <p:cNvPr id="11" name="Picture 10" descr="HDRibbonContent-UniformTrim.png"/>
+            <p:cNvPicPr>
+              <a:picLocks noChangeAspect="1"/>
+            </p:cNvPicPr>
+            <p:nvPr/>
+          </p:nvPicPr>
+          <p:blipFill rotWithShape="1">
+            <a:blip r:embed="rId20">
+              <a:extLst>
+                <a:ext uri="{28A0092B-C50C-407E-A947-70E740481C1C}">
+                  <a14:useLocalDpi xmlns:a14="http://schemas.microsoft.com/office/drawing/2010/main" val="0"/>
+                </a:ext>
+              </a:extLst>
+            </a:blip>
+            <a:srcRect/>
+            <a:stretch/>
+          </p:blipFill>
+          <p:spPr>
+            <a:xfrm>
+              <a:off x="11436986" y="3153832"/>
+              <a:ext cx="777240" cy="606425"/>
+            </a:xfrm>
+            <a:prstGeom prst="rect">
+              <a:avLst/>
+            </a:prstGeom>
+          </p:spPr>
+        </p:pic>
+      </p:grpSp>
+      <p:sp>
+        <p:nvSpPr>
+          <p:cNvPr id="2" name="Title Placeholder 1"/>
           <p:cNvSpPr>
             <a:spLocks noGrp="1"/>
           </p:cNvSpPr>
@@ -2832,113 +5261,145 @@
         </p:nvSpPr>
         <p:spPr>
           <a:xfrm>
-            <a:off x="838200" y="365125"/>
-            <a:ext cx="10515600" cy="1325563"/>
+            <a:off x="1295402" y="982132"/>
+            <a:ext cx="9601196" cy="1303867"/>
+          </a:xfrm>
+          <a:prstGeom prst="rect">
+            <a:avLst/>
+          </a:prstGeom>
+          <a:effectLst/>
+        </p:spPr>
+        <p:txBody>
+          <a:bodyPr vert="horz" lIns="91440" tIns="45720" rIns="91440" bIns="45720" rtlCol="0" anchor="ctr">
+            <a:normAutofit/>
+          </a:bodyPr>
+          <a:lstStyle/>
+          <a:p>
+            <a:r>
+              <a:rPr lang="en-US"/>
+              <a:t>Click to edit Master title style</a:t>
+            </a:r>
+            <a:endParaRPr lang="en-US" dirty="0"/>
+          </a:p>
+        </p:txBody>
+      </p:sp>
+      <p:sp>
+        <p:nvSpPr>
+          <p:cNvPr id="3" name="Text Placeholder 2"/>
+          <p:cNvSpPr>
+            <a:spLocks noGrp="1"/>
+          </p:cNvSpPr>
+          <p:nvPr>
+            <p:ph type="body" idx="1"/>
+          </p:nvPr>
+        </p:nvSpPr>
+        <p:spPr>
+          <a:xfrm>
+            <a:off x="1295401" y="2556932"/>
+            <a:ext cx="9601196" cy="3318936"/>
           </a:xfrm>
           <a:prstGeom prst="rect">
             <a:avLst/>
           </a:prstGeom>
         </p:spPr>
         <p:txBody>
-          <a:bodyPr vert="horz" lIns="91440" tIns="45720" rIns="91440" bIns="45720" rtlCol="0" anchor="ctr">
+          <a:bodyPr vert="horz" lIns="91440" tIns="45720" rIns="91440" bIns="45720" rtlCol="0" anchor="t">
             <a:normAutofit/>
           </a:bodyPr>
           <a:lstStyle/>
           <a:p>
-            <a:r>
-              <a:rPr lang="en-US"/>
-              <a:t>Click to edit Master title style</a:t>
-            </a:r>
-          </a:p>
-        </p:txBody>
-      </p:sp>
-      <p:sp>
-        <p:nvSpPr>
-          <p:cNvPr id="3" name="Text Placeholder 2">
-            <a:extLst>
-              <a:ext uri="{FF2B5EF4-FFF2-40B4-BE49-F238E27FC236}">
-                <a16:creationId xmlns:a16="http://schemas.microsoft.com/office/drawing/2014/main" id="{AC864337-4BF3-498A-B96A-9FBD93C88C21}"/>
-              </a:ext>
-            </a:extLst>
-          </p:cNvPr>
-          <p:cNvSpPr>
-            <a:spLocks noGrp="1"/>
-          </p:cNvSpPr>
-          <p:nvPr>
-            <p:ph type="body" idx="1"/>
+            <a:pPr lvl="0"/>
+            <a:r>
+              <a:rPr lang="en-US"/>
+              <a:t>Click to edit Master text styles</a:t>
+            </a:r>
+          </a:p>
+          <a:p>
+            <a:pPr lvl="1"/>
+            <a:r>
+              <a:rPr lang="en-US"/>
+              <a:t>Second level</a:t>
+            </a:r>
+          </a:p>
+          <a:p>
+            <a:pPr lvl="2"/>
+            <a:r>
+              <a:rPr lang="en-US"/>
+              <a:t>Third level</a:t>
+            </a:r>
+          </a:p>
+          <a:p>
+            <a:pPr lvl="3"/>
+            <a:r>
+              <a:rPr lang="en-US"/>
+              <a:t>Fourth level</a:t>
+            </a:r>
+          </a:p>
+          <a:p>
+            <a:pPr lvl="4"/>
+            <a:r>
+              <a:rPr lang="en-US"/>
+              <a:t>Fifth level</a:t>
+            </a:r>
+            <a:endParaRPr lang="en-US" dirty="0"/>
+          </a:p>
+        </p:txBody>
+      </p:sp>
+      <p:sp>
+        <p:nvSpPr>
+          <p:cNvPr id="4" name="Date Placeholder 3"/>
+          <p:cNvSpPr>
+            <a:spLocks noGrp="1"/>
+          </p:cNvSpPr>
+          <p:nvPr>
+            <p:ph type="dt" sz="half" idx="2"/>
           </p:nvPr>
         </p:nvSpPr>
         <p:spPr>
           <a:xfrm>
-            <a:off x="838200" y="1825625"/>
-            <a:ext cx="10515600" cy="4351338"/>
+            <a:off x="8677501" y="5969000"/>
+            <a:ext cx="1600200" cy="279400"/>
           </a:xfrm>
           <a:prstGeom prst="rect">
             <a:avLst/>
           </a:prstGeom>
         </p:spPr>
         <p:txBody>
-          <a:bodyPr vert="horz" lIns="91440" tIns="45720" rIns="91440" bIns="45720" rtlCol="0">
-            <a:normAutofit/>
-          </a:bodyPr>
-          <a:lstStyle/>
-          <a:p>
-            <a:pPr lvl="0"/>
-            <a:r>
-              <a:rPr lang="en-US"/>
-              <a:t>Click to edit Master text styles</a:t>
-            </a:r>
-          </a:p>
-          <a:p>
-            <a:pPr lvl="1"/>
-            <a:r>
-              <a:rPr lang="en-US"/>
-              <a:t>Second level</a:t>
-            </a:r>
-          </a:p>
-          <a:p>
-            <a:pPr lvl="2"/>
-            <a:r>
-              <a:rPr lang="en-US"/>
-              <a:t>Third level</a:t>
-            </a:r>
-          </a:p>
-          <a:p>
-            <a:pPr lvl="3"/>
-            <a:r>
-              <a:rPr lang="en-US"/>
-              <a:t>Fourth level</a:t>
-            </a:r>
-          </a:p>
-          <a:p>
-            <a:pPr lvl="4"/>
-            <a:r>
-              <a:rPr lang="en-US"/>
-              <a:t>Fifth level</a:t>
-            </a:r>
-          </a:p>
-        </p:txBody>
-      </p:sp>
-      <p:sp>
-        <p:nvSpPr>
-          <p:cNvPr id="4" name="Date Placeholder 3">
-            <a:extLst>
-              <a:ext uri="{FF2B5EF4-FFF2-40B4-BE49-F238E27FC236}">
-                <a16:creationId xmlns:a16="http://schemas.microsoft.com/office/drawing/2014/main" id="{CDB45AF4-2690-4593-B9ED-366B687166C5}"/>
-              </a:ext>
-            </a:extLst>
-          </p:cNvPr>
-          <p:cNvSpPr>
-            <a:spLocks noGrp="1"/>
-          </p:cNvSpPr>
-          <p:nvPr>
-            <p:ph type="dt" sz="half" idx="2"/>
+          <a:bodyPr vert="horz" lIns="91440" tIns="45720" rIns="91440" bIns="45720" rtlCol="0" anchor="ctr"/>
+          <a:lstStyle>
+            <a:lvl1pPr algn="r">
+              <a:defRPr sz="1000" b="0" i="0">
+                <a:solidFill>
+                  <a:schemeClr val="tx1"/>
+                </a:solidFill>
+                <a:effectLst/>
+                <a:latin typeface="+mn-lt"/>
+              </a:defRPr>
+            </a:lvl1pPr>
+          </a:lstStyle>
+          <a:p>
+            <a:fld id="{5F762F9F-E6EA-480B-A6EE-0D217F01FE68}" type="datetimeFigureOut">
+              <a:rPr lang="en-US" smtClean="0"/>
+              <a:t>2/13/2020</a:t>
+            </a:fld>
+            <a:endParaRPr lang="en-US"/>
+          </a:p>
+        </p:txBody>
+      </p:sp>
+      <p:sp>
+        <p:nvSpPr>
+          <p:cNvPr id="5" name="Footer Placeholder 4"/>
+          <p:cNvSpPr>
+            <a:spLocks noGrp="1"/>
+          </p:cNvSpPr>
+          <p:nvPr>
+            <p:ph type="ftr" sz="quarter" idx="3"/>
           </p:nvPr>
         </p:nvSpPr>
         <p:spPr>
           <a:xfrm>
-            <a:off x="838200" y="6356350"/>
-            <a:ext cx="2743200" cy="365125"/>
+            <a:off x="1295401" y="5969000"/>
+            <a:ext cx="7305900" cy="279400"/>
           </a:xfrm>
           <a:prstGeom prst="rect">
             <a:avLst/>
@@ -2948,44 +5409,34 @@
           <a:bodyPr vert="horz" lIns="91440" tIns="45720" rIns="91440" bIns="45720" rtlCol="0" anchor="ctr"/>
           <a:lstStyle>
             <a:lvl1pPr algn="l">
-              <a:defRPr sz="1200">
-                <a:solidFill>
-                  <a:schemeClr val="tx1">
-                    <a:tint val="75000"/>
-                  </a:schemeClr>
-                </a:solidFill>
+              <a:defRPr sz="1000" b="0" i="0">
+                <a:solidFill>
+                  <a:schemeClr val="tx1"/>
+                </a:solidFill>
+                <a:effectLst/>
+                <a:latin typeface="+mn-lt"/>
               </a:defRPr>
             </a:lvl1pPr>
           </a:lstStyle>
           <a:p>
-            <a:fld id="{5F762F9F-E6EA-480B-A6EE-0D217F01FE68}" type="datetimeFigureOut">
-              <a:rPr lang="en-US" smtClean="0"/>
-              <a:t>2/12/2020</a:t>
-            </a:fld>
             <a:endParaRPr lang="en-US"/>
           </a:p>
         </p:txBody>
       </p:sp>
       <p:sp>
         <p:nvSpPr>
-          <p:cNvPr id="5" name="Footer Placeholder 4">
-            <a:extLst>
-              <a:ext uri="{FF2B5EF4-FFF2-40B4-BE49-F238E27FC236}">
-                <a16:creationId xmlns:a16="http://schemas.microsoft.com/office/drawing/2014/main" id="{3FDB6A99-5803-49E2-9FB9-3FB047E913FA}"/>
-              </a:ext>
-            </a:extLst>
-          </p:cNvPr>
-          <p:cNvSpPr>
-            <a:spLocks noGrp="1"/>
-          </p:cNvSpPr>
-          <p:nvPr>
-            <p:ph type="ftr" sz="quarter" idx="3"/>
+          <p:cNvPr id="6" name="Slide Number Placeholder 5"/>
+          <p:cNvSpPr>
+            <a:spLocks noGrp="1"/>
+          </p:cNvSpPr>
+          <p:nvPr>
+            <p:ph type="sldNum" sz="quarter" idx="4"/>
           </p:nvPr>
         </p:nvSpPr>
         <p:spPr>
           <a:xfrm>
-            <a:off x="4038600" y="6356350"/>
-            <a:ext cx="4114800" cy="365125"/>
+            <a:off x="10353901" y="5969000"/>
+            <a:ext cx="542697" cy="279400"/>
           </a:xfrm>
           <a:prstGeom prst="rect">
             <a:avLst/>
@@ -2994,56 +5445,13 @@
         <p:txBody>
           <a:bodyPr vert="horz" lIns="91440" tIns="45720" rIns="91440" bIns="45720" rtlCol="0" anchor="ctr"/>
           <a:lstStyle>
-            <a:lvl1pPr algn="ctr">
-              <a:defRPr sz="1200">
-                <a:solidFill>
-                  <a:schemeClr val="tx1">
-                    <a:tint val="75000"/>
-                  </a:schemeClr>
-                </a:solidFill>
-              </a:defRPr>
-            </a:lvl1pPr>
-          </a:lstStyle>
-          <a:p>
-            <a:endParaRPr lang="en-US"/>
-          </a:p>
-        </p:txBody>
-      </p:sp>
-      <p:sp>
-        <p:nvSpPr>
-          <p:cNvPr id="6" name="Slide Number Placeholder 5">
-            <a:extLst>
-              <a:ext uri="{FF2B5EF4-FFF2-40B4-BE49-F238E27FC236}">
-                <a16:creationId xmlns:a16="http://schemas.microsoft.com/office/drawing/2014/main" id="{F712AF44-F17E-467F-AF97-676E46E587EC}"/>
-              </a:ext>
-            </a:extLst>
-          </p:cNvPr>
-          <p:cNvSpPr>
-            <a:spLocks noGrp="1"/>
-          </p:cNvSpPr>
-          <p:nvPr>
-            <p:ph type="sldNum" sz="quarter" idx="4"/>
-          </p:nvPr>
-        </p:nvSpPr>
-        <p:spPr>
-          <a:xfrm>
-            <a:off x="8610600" y="6356350"/>
-            <a:ext cx="2743200" cy="365125"/>
-          </a:xfrm>
-          <a:prstGeom prst="rect">
-            <a:avLst/>
-          </a:prstGeom>
-        </p:spPr>
-        <p:txBody>
-          <a:bodyPr vert="horz" lIns="91440" tIns="45720" rIns="91440" bIns="45720" rtlCol="0" anchor="ctr"/>
-          <a:lstStyle>
             <a:lvl1pPr algn="r">
-              <a:defRPr sz="1200">
-                <a:solidFill>
-                  <a:schemeClr val="tx1">
-                    <a:tint val="75000"/>
-                  </a:schemeClr>
-                </a:solidFill>
+              <a:defRPr sz="1000" b="0" i="0">
+                <a:solidFill>
+                  <a:schemeClr val="tx1"/>
+                </a:solidFill>
+                <a:effectLst/>
+                <a:latin typeface="+mn-lt"/>
               </a:defRPr>
             </a:lvl1pPr>
           </a:lstStyle>
@@ -3059,202 +5467,340 @@
     </p:spTree>
     <p:extLst>
       <p:ext uri="{BB962C8B-B14F-4D97-AF65-F5344CB8AC3E}">
-        <p14:creationId xmlns:p14="http://schemas.microsoft.com/office/powerpoint/2010/main" val="942383351"/>
+        <p14:creationId xmlns:p14="http://schemas.microsoft.com/office/powerpoint/2010/main" val="2772584571"/>
       </p:ext>
     </p:extLst>
   </p:cSld>
   <p:clrMap bg1="lt1" tx1="dk1" bg2="lt2" tx2="dk2" accent1="accent1" accent2="accent2" accent3="accent3" accent4="accent4" accent5="accent5" accent6="accent6" hlink="hlink" folHlink="folHlink"/>
   <p:sldLayoutIdLst>
-    <p:sldLayoutId id="2147483649" r:id="rId1"/>
-    <p:sldLayoutId id="2147483650" r:id="rId2"/>
-    <p:sldLayoutId id="2147483651" r:id="rId3"/>
-    <p:sldLayoutId id="2147483652" r:id="rId4"/>
-    <p:sldLayoutId id="2147483653" r:id="rId5"/>
-    <p:sldLayoutId id="2147483654" r:id="rId6"/>
-    <p:sldLayoutId id="2147483655" r:id="rId7"/>
-    <p:sldLayoutId id="2147483656" r:id="rId8"/>
-    <p:sldLayoutId id="2147483657" r:id="rId9"/>
-    <p:sldLayoutId id="2147483658" r:id="rId10"/>
-    <p:sldLayoutId id="2147483659" r:id="rId11"/>
+    <p:sldLayoutId id="2147483739" r:id="rId1"/>
+    <p:sldLayoutId id="2147483740" r:id="rId2"/>
+    <p:sldLayoutId id="2147483741" r:id="rId3"/>
+    <p:sldLayoutId id="2147483742" r:id="rId4"/>
+    <p:sldLayoutId id="2147483743" r:id="rId5"/>
+    <p:sldLayoutId id="2147483744" r:id="rId6"/>
+    <p:sldLayoutId id="2147483745" r:id="rId7"/>
+    <p:sldLayoutId id="2147483746" r:id="rId8"/>
+    <p:sldLayoutId id="2147483747" r:id="rId9"/>
+    <p:sldLayoutId id="2147483748" r:id="rId10"/>
+    <p:sldLayoutId id="2147483749" r:id="rId11"/>
+    <p:sldLayoutId id="2147483750" r:id="rId12"/>
+    <p:sldLayoutId id="2147483751" r:id="rId13"/>
+    <p:sldLayoutId id="2147483752" r:id="rId14"/>
+    <p:sldLayoutId id="2147483753" r:id="rId15"/>
+    <p:sldLayoutId id="2147483754" r:id="rId16"/>
+    <p:sldLayoutId id="2147483755" r:id="rId17"/>
   </p:sldLayoutIdLst>
   <p:txStyles>
     <p:titleStyle>
-      <a:lvl1pPr algn="l" defTabSz="914400" rtl="0" eaLnBrk="1" latinLnBrk="0" hangingPunct="1">
-        <a:lnSpc>
-          <a:spcPct val="90000"/>
-        </a:lnSpc>
+      <a:lvl1pPr algn="ctr" defTabSz="457200" rtl="0" eaLnBrk="1" latinLnBrk="0" hangingPunct="1">
         <a:spcBef>
           <a:spcPct val="0"/>
         </a:spcBef>
         <a:buNone/>
-        <a:defRPr sz="4400" kern="1200">
+        <a:defRPr sz="4400" kern="1200" cap="none">
+          <a:ln w="3175" cmpd="sng">
+            <a:noFill/>
+          </a:ln>
           <a:solidFill>
-            <a:schemeClr val="tx1"/>
+            <a:schemeClr val="tx1">
+              <a:lumMod val="85000"/>
+              <a:lumOff val="15000"/>
+            </a:schemeClr>
           </a:solidFill>
+          <a:effectLst/>
           <a:latin typeface="+mj-lt"/>
           <a:ea typeface="+mj-ea"/>
           <a:cs typeface="+mj-cs"/>
         </a:defRPr>
       </a:lvl1pPr>
+      <a:lvl2pPr eaLnBrk="1" hangingPunct="1">
+        <a:defRPr>
+          <a:solidFill>
+            <a:schemeClr val="tx2"/>
+          </a:solidFill>
+        </a:defRPr>
+      </a:lvl2pPr>
+      <a:lvl3pPr eaLnBrk="1" hangingPunct="1">
+        <a:defRPr>
+          <a:solidFill>
+            <a:schemeClr val="tx2"/>
+          </a:solidFill>
+        </a:defRPr>
+      </a:lvl3pPr>
+      <a:lvl4pPr eaLnBrk="1" hangingPunct="1">
+        <a:defRPr>
+          <a:solidFill>
+            <a:schemeClr val="tx2"/>
+          </a:solidFill>
+        </a:defRPr>
+      </a:lvl4pPr>
+      <a:lvl5pPr eaLnBrk="1" hangingPunct="1">
+        <a:defRPr>
+          <a:solidFill>
+            <a:schemeClr val="tx2"/>
+          </a:solidFill>
+        </a:defRPr>
+      </a:lvl5pPr>
+      <a:lvl6pPr eaLnBrk="1" hangingPunct="1">
+        <a:defRPr>
+          <a:solidFill>
+            <a:schemeClr val="tx2"/>
+          </a:solidFill>
+        </a:defRPr>
+      </a:lvl6pPr>
+      <a:lvl7pPr eaLnBrk="1" hangingPunct="1">
+        <a:defRPr>
+          <a:solidFill>
+            <a:schemeClr val="tx2"/>
+          </a:solidFill>
+        </a:defRPr>
+      </a:lvl7pPr>
+      <a:lvl8pPr eaLnBrk="1" hangingPunct="1">
+        <a:defRPr>
+          <a:solidFill>
+            <a:schemeClr val="tx2"/>
+          </a:solidFill>
+        </a:defRPr>
+      </a:lvl8pPr>
+      <a:lvl9pPr eaLnBrk="1" hangingPunct="1">
+        <a:defRPr>
+          <a:solidFill>
+            <a:schemeClr val="tx2"/>
+          </a:solidFill>
+        </a:defRPr>
+      </a:lvl9pPr>
     </p:titleStyle>
     <p:bodyStyle>
-      <a:lvl1pPr marL="228600" indent="-228600" algn="l" defTabSz="914400" rtl="0" eaLnBrk="1" latinLnBrk="0" hangingPunct="1">
-        <a:lnSpc>
-          <a:spcPct val="90000"/>
-        </a:lnSpc>
+      <a:lvl1pPr marL="285750" indent="-285750" algn="l" defTabSz="457200" rtl="0" eaLnBrk="1" latinLnBrk="0" hangingPunct="1">
         <a:spcBef>
-          <a:spcPts val="1000"/>
+          <a:spcPct val="20000"/>
         </a:spcBef>
-        <a:buFont typeface="Arial" panose="020B0604020202020204" pitchFamily="34" charset="0"/>
+        <a:spcAft>
+          <a:spcPts val="600"/>
+        </a:spcAft>
+        <a:buClr>
+          <a:schemeClr val="accent1"/>
+        </a:buClr>
+        <a:buSzPct val="115000"/>
+        <a:buFont typeface="Arial"/>
         <a:buChar char="•"/>
-        <a:defRPr sz="2800" kern="1200">
+        <a:defRPr sz="2400" kern="1200" cap="none">
           <a:solidFill>
-            <a:schemeClr val="tx1"/>
+            <a:schemeClr val="tx1">
+              <a:lumMod val="85000"/>
+              <a:lumOff val="15000"/>
+            </a:schemeClr>
           </a:solidFill>
+          <a:effectLst/>
           <a:latin typeface="+mn-lt"/>
           <a:ea typeface="+mn-ea"/>
           <a:cs typeface="+mn-cs"/>
         </a:defRPr>
       </a:lvl1pPr>
-      <a:lvl2pPr marL="685800" indent="-228600" algn="l" defTabSz="914400" rtl="0" eaLnBrk="1" latinLnBrk="0" hangingPunct="1">
-        <a:lnSpc>
-          <a:spcPct val="90000"/>
-        </a:lnSpc>
+      <a:lvl2pPr marL="742950" indent="-285750" algn="l" defTabSz="457200" rtl="0" eaLnBrk="1" latinLnBrk="0" hangingPunct="1">
         <a:spcBef>
-          <a:spcPts val="500"/>
+          <a:spcPct val="20000"/>
         </a:spcBef>
-        <a:buFont typeface="Arial" panose="020B0604020202020204" pitchFamily="34" charset="0"/>
+        <a:spcAft>
+          <a:spcPts val="600"/>
+        </a:spcAft>
+        <a:buClr>
+          <a:schemeClr val="accent1"/>
+        </a:buClr>
+        <a:buSzPct val="115000"/>
+        <a:buFont typeface="Arial"/>
         <a:buChar char="•"/>
-        <a:defRPr sz="2400" kern="1200">
+        <a:defRPr sz="2000" kern="1200" cap="none">
           <a:solidFill>
-            <a:schemeClr val="tx1"/>
+            <a:schemeClr val="tx1">
+              <a:lumMod val="85000"/>
+              <a:lumOff val="15000"/>
+            </a:schemeClr>
           </a:solidFill>
+          <a:effectLst/>
           <a:latin typeface="+mn-lt"/>
           <a:ea typeface="+mn-ea"/>
           <a:cs typeface="+mn-cs"/>
         </a:defRPr>
       </a:lvl2pPr>
-      <a:lvl3pPr marL="1143000" indent="-228600" algn="l" defTabSz="914400" rtl="0" eaLnBrk="1" latinLnBrk="0" hangingPunct="1">
-        <a:lnSpc>
-          <a:spcPct val="90000"/>
-        </a:lnSpc>
+      <a:lvl3pPr marL="1200150" indent="-285750" algn="l" defTabSz="457200" rtl="0" eaLnBrk="1" latinLnBrk="0" hangingPunct="1">
         <a:spcBef>
-          <a:spcPts val="500"/>
+          <a:spcPct val="20000"/>
         </a:spcBef>
-        <a:buFont typeface="Arial" panose="020B0604020202020204" pitchFamily="34" charset="0"/>
+        <a:spcAft>
+          <a:spcPts val="600"/>
+        </a:spcAft>
+        <a:buClr>
+          <a:schemeClr val="accent1"/>
+        </a:buClr>
+        <a:buSzPct val="115000"/>
+        <a:buFont typeface="Arial"/>
         <a:buChar char="•"/>
-        <a:defRPr sz="2000" kern="1200">
+        <a:defRPr sz="1800" kern="1200" cap="none">
           <a:solidFill>
-            <a:schemeClr val="tx1"/>
+            <a:schemeClr val="tx1">
+              <a:lumMod val="85000"/>
+              <a:lumOff val="15000"/>
+            </a:schemeClr>
           </a:solidFill>
+          <a:effectLst/>
           <a:latin typeface="+mn-lt"/>
           <a:ea typeface="+mn-ea"/>
           <a:cs typeface="+mn-cs"/>
         </a:defRPr>
       </a:lvl3pPr>
-      <a:lvl4pPr marL="1600200" indent="-228600" algn="l" defTabSz="914400" rtl="0" eaLnBrk="1" latinLnBrk="0" hangingPunct="1">
-        <a:lnSpc>
-          <a:spcPct val="90000"/>
-        </a:lnSpc>
+      <a:lvl4pPr marL="1543050" indent="-171450" algn="l" defTabSz="457200" rtl="0" eaLnBrk="1" latinLnBrk="0" hangingPunct="1">
         <a:spcBef>
-          <a:spcPts val="500"/>
+          <a:spcPct val="20000"/>
         </a:spcBef>
-        <a:buFont typeface="Arial" panose="020B0604020202020204" pitchFamily="34" charset="0"/>
+        <a:spcAft>
+          <a:spcPts val="600"/>
+        </a:spcAft>
+        <a:buClr>
+          <a:schemeClr val="accent1"/>
+        </a:buClr>
+        <a:buSzPct val="115000"/>
+        <a:buFont typeface="Arial"/>
         <a:buChar char="•"/>
-        <a:defRPr sz="1800" kern="1200">
+        <a:defRPr sz="1600" kern="1200" cap="none">
           <a:solidFill>
-            <a:schemeClr val="tx1"/>
+            <a:schemeClr val="tx1">
+              <a:lumMod val="85000"/>
+              <a:lumOff val="15000"/>
+            </a:schemeClr>
           </a:solidFill>
+          <a:effectLst/>
           <a:latin typeface="+mn-lt"/>
           <a:ea typeface="+mn-ea"/>
           <a:cs typeface="+mn-cs"/>
         </a:defRPr>
       </a:lvl4pPr>
-      <a:lvl5pPr marL="2057400" indent="-228600" algn="l" defTabSz="914400" rtl="0" eaLnBrk="1" latinLnBrk="0" hangingPunct="1">
-        <a:lnSpc>
-          <a:spcPct val="90000"/>
-        </a:lnSpc>
+      <a:lvl5pPr marL="2000250" indent="-171450" algn="l" defTabSz="457200" rtl="0" eaLnBrk="1" latinLnBrk="0" hangingPunct="1">
         <a:spcBef>
-          <a:spcPts val="500"/>
+          <a:spcPct val="20000"/>
         </a:spcBef>
-        <a:buFont typeface="Arial" panose="020B0604020202020204" pitchFamily="34" charset="0"/>
+        <a:spcAft>
+          <a:spcPts val="600"/>
+        </a:spcAft>
+        <a:buClr>
+          <a:schemeClr val="accent1"/>
+        </a:buClr>
+        <a:buSzPct val="115000"/>
+        <a:buFont typeface="Arial"/>
         <a:buChar char="•"/>
-        <a:defRPr sz="1800" kern="1200">
+        <a:defRPr sz="1400" kern="1200" cap="none">
           <a:solidFill>
-            <a:schemeClr val="tx1"/>
+            <a:schemeClr val="tx1">
+              <a:lumMod val="85000"/>
+              <a:lumOff val="15000"/>
+            </a:schemeClr>
           </a:solidFill>
+          <a:effectLst/>
           <a:latin typeface="+mn-lt"/>
           <a:ea typeface="+mn-ea"/>
           <a:cs typeface="+mn-cs"/>
         </a:defRPr>
       </a:lvl5pPr>
-      <a:lvl6pPr marL="2514600" indent="-228600" algn="l" defTabSz="914400" rtl="0" eaLnBrk="1" latinLnBrk="0" hangingPunct="1">
-        <a:lnSpc>
-          <a:spcPct val="90000"/>
-        </a:lnSpc>
+      <a:lvl6pPr marL="2514600" indent="-228600" algn="l" defTabSz="457200" rtl="0" eaLnBrk="1" latinLnBrk="0" hangingPunct="1">
         <a:spcBef>
-          <a:spcPts val="500"/>
+          <a:spcPct val="20000"/>
         </a:spcBef>
-        <a:buFont typeface="Arial" panose="020B0604020202020204" pitchFamily="34" charset="0"/>
+        <a:spcAft>
+          <a:spcPts val="600"/>
+        </a:spcAft>
+        <a:buClr>
+          <a:schemeClr val="accent1"/>
+        </a:buClr>
+        <a:buSzPct val="115000"/>
+        <a:buFont typeface="Arial"/>
         <a:buChar char="•"/>
-        <a:defRPr sz="1800" kern="1200">
+        <a:defRPr sz="1400" kern="1200" cap="none">
           <a:solidFill>
-            <a:schemeClr val="tx1"/>
+            <a:schemeClr val="tx1">
+              <a:lumMod val="85000"/>
+              <a:lumOff val="15000"/>
+            </a:schemeClr>
           </a:solidFill>
+          <a:effectLst/>
           <a:latin typeface="+mn-lt"/>
           <a:ea typeface="+mn-ea"/>
           <a:cs typeface="+mn-cs"/>
         </a:defRPr>
       </a:lvl6pPr>
-      <a:lvl7pPr marL="2971800" indent="-228600" algn="l" defTabSz="914400" rtl="0" eaLnBrk="1" latinLnBrk="0" hangingPunct="1">
-        <a:lnSpc>
-          <a:spcPct val="90000"/>
-        </a:lnSpc>
+      <a:lvl7pPr marL="2971800" indent="-228600" algn="l" defTabSz="457200" rtl="0" eaLnBrk="1" latinLnBrk="0" hangingPunct="1">
         <a:spcBef>
-          <a:spcPts val="500"/>
+          <a:spcPct val="20000"/>
         </a:spcBef>
-        <a:buFont typeface="Arial" panose="020B0604020202020204" pitchFamily="34" charset="0"/>
+        <a:spcAft>
+          <a:spcPts val="600"/>
+        </a:spcAft>
+        <a:buClr>
+          <a:schemeClr val="accent1"/>
+        </a:buClr>
+        <a:buSzPct val="115000"/>
+        <a:buFont typeface="Arial"/>
         <a:buChar char="•"/>
-        <a:defRPr sz="1800" kern="1200">
+        <a:defRPr sz="1400" kern="1200" cap="none">
           <a:solidFill>
-            <a:schemeClr val="tx1"/>
+            <a:schemeClr val="tx1">
+              <a:lumMod val="85000"/>
+              <a:lumOff val="15000"/>
+            </a:schemeClr>
           </a:solidFill>
+          <a:effectLst/>
           <a:latin typeface="+mn-lt"/>
           <a:ea typeface="+mn-ea"/>
           <a:cs typeface="+mn-cs"/>
         </a:defRPr>
       </a:lvl7pPr>
-      <a:lvl8pPr marL="3429000" indent="-228600" algn="l" defTabSz="914400" rtl="0" eaLnBrk="1" latinLnBrk="0" hangingPunct="1">
-        <a:lnSpc>
-          <a:spcPct val="90000"/>
-        </a:lnSpc>
+      <a:lvl8pPr marL="3429000" indent="-228600" algn="l" defTabSz="457200" rtl="0" eaLnBrk="1" latinLnBrk="0" hangingPunct="1">
         <a:spcBef>
-          <a:spcPts val="500"/>
+          <a:spcPct val="20000"/>
         </a:spcBef>
-        <a:buFont typeface="Arial" panose="020B0604020202020204" pitchFamily="34" charset="0"/>
+        <a:spcAft>
+          <a:spcPts val="600"/>
+        </a:spcAft>
+        <a:buClr>
+          <a:schemeClr val="accent1"/>
+        </a:buClr>
+        <a:buSzPct val="115000"/>
+        <a:buFont typeface="Arial"/>
         <a:buChar char="•"/>
-        <a:defRPr sz="1800" kern="1200">
+        <a:defRPr sz="1400" kern="1200" cap="none">
           <a:solidFill>
-            <a:schemeClr val="tx1"/>
+            <a:schemeClr val="tx1">
+              <a:lumMod val="85000"/>
+              <a:lumOff val="15000"/>
+            </a:schemeClr>
           </a:solidFill>
+          <a:effectLst/>
           <a:latin typeface="+mn-lt"/>
           <a:ea typeface="+mn-ea"/>
           <a:cs typeface="+mn-cs"/>
         </a:defRPr>
       </a:lvl8pPr>
-      <a:lvl9pPr marL="3886200" indent="-228600" algn="l" defTabSz="914400" rtl="0" eaLnBrk="1" latinLnBrk="0" hangingPunct="1">
-        <a:lnSpc>
-          <a:spcPct val="90000"/>
-        </a:lnSpc>
+      <a:lvl9pPr marL="3886200" indent="-228600" algn="l" defTabSz="457200" rtl="0" eaLnBrk="1" latinLnBrk="0" hangingPunct="1">
         <a:spcBef>
-          <a:spcPts val="500"/>
+          <a:spcPct val="20000"/>
         </a:spcBef>
-        <a:buFont typeface="Arial" panose="020B0604020202020204" pitchFamily="34" charset="0"/>
+        <a:spcAft>
+          <a:spcPts val="600"/>
+        </a:spcAft>
+        <a:buClr>
+          <a:schemeClr val="accent1"/>
+        </a:buClr>
+        <a:buSzPct val="115000"/>
+        <a:buFont typeface="Arial"/>
         <a:buChar char="•"/>
-        <a:defRPr sz="1800" kern="1200">
+        <a:defRPr sz="1400" kern="1200" cap="none">
           <a:solidFill>
-            <a:schemeClr val="tx1"/>
+            <a:schemeClr val="tx1">
+              <a:lumMod val="85000"/>
+              <a:lumOff val="15000"/>
+            </a:schemeClr>
           </a:solidFill>
+          <a:effectLst/>
           <a:latin typeface="+mn-lt"/>
           <a:ea typeface="+mn-ea"/>
           <a:cs typeface="+mn-cs"/>
@@ -3265,7 +5811,7 @@
       <a:defPPr>
         <a:defRPr lang="en-US"/>
       </a:defPPr>
-      <a:lvl1pPr marL="0" algn="l" defTabSz="914400" rtl="0" eaLnBrk="1" latinLnBrk="0" hangingPunct="1">
+      <a:lvl1pPr marL="0" algn="l" defTabSz="457200" rtl="0" eaLnBrk="1" latinLnBrk="0" hangingPunct="1">
         <a:defRPr sz="1800" kern="1200">
           <a:solidFill>
             <a:schemeClr val="tx1"/>
@@ -3275,7 +5821,7 @@
           <a:cs typeface="+mn-cs"/>
         </a:defRPr>
       </a:lvl1pPr>
-      <a:lvl2pPr marL="457200" algn="l" defTabSz="914400" rtl="0" eaLnBrk="1" latinLnBrk="0" hangingPunct="1">
+      <a:lvl2pPr marL="457200" algn="l" defTabSz="457200" rtl="0" eaLnBrk="1" latinLnBrk="0" hangingPunct="1">
         <a:defRPr sz="1800" kern="1200">
           <a:solidFill>
             <a:schemeClr val="tx1"/>
@@ -3285,7 +5831,7 @@
           <a:cs typeface="+mn-cs"/>
         </a:defRPr>
       </a:lvl2pPr>
-      <a:lvl3pPr marL="914400" algn="l" defTabSz="914400" rtl="0" eaLnBrk="1" latinLnBrk="0" hangingPunct="1">
+      <a:lvl3pPr marL="914400" algn="l" defTabSz="457200" rtl="0" eaLnBrk="1" latinLnBrk="0" hangingPunct="1">
         <a:defRPr sz="1800" kern="1200">
           <a:solidFill>
             <a:schemeClr val="tx1"/>
@@ -3295,7 +5841,7 @@
           <a:cs typeface="+mn-cs"/>
         </a:defRPr>
       </a:lvl3pPr>
-      <a:lvl4pPr marL="1371600" algn="l" defTabSz="914400" rtl="0" eaLnBrk="1" latinLnBrk="0" hangingPunct="1">
+      <a:lvl4pPr marL="1371600" algn="l" defTabSz="457200" rtl="0" eaLnBrk="1" latinLnBrk="0" hangingPunct="1">
         <a:defRPr sz="1800" kern="1200">
           <a:solidFill>
             <a:schemeClr val="tx1"/>
@@ -3305,7 +5851,7 @@
           <a:cs typeface="+mn-cs"/>
         </a:defRPr>
       </a:lvl4pPr>
-      <a:lvl5pPr marL="1828800" algn="l" defTabSz="914400" rtl="0" eaLnBrk="1" latinLnBrk="0" hangingPunct="1">
+      <a:lvl5pPr marL="1828800" algn="l" defTabSz="457200" rtl="0" eaLnBrk="1" latinLnBrk="0" hangingPunct="1">
         <a:defRPr sz="1800" kern="1200">
           <a:solidFill>
             <a:schemeClr val="tx1"/>
@@ -3315,7 +5861,7 @@
           <a:cs typeface="+mn-cs"/>
         </a:defRPr>
       </a:lvl5pPr>
-      <a:lvl6pPr marL="2286000" algn="l" defTabSz="914400" rtl="0" eaLnBrk="1" latinLnBrk="0" hangingPunct="1">
+      <a:lvl6pPr marL="2286000" algn="l" defTabSz="457200" rtl="0" eaLnBrk="1" latinLnBrk="0" hangingPunct="1">
         <a:defRPr sz="1800" kern="1200">
           <a:solidFill>
             <a:schemeClr val="tx1"/>
@@ -3325,7 +5871,7 @@
           <a:cs typeface="+mn-cs"/>
         </a:defRPr>
       </a:lvl6pPr>
-      <a:lvl7pPr marL="2743200" algn="l" defTabSz="914400" rtl="0" eaLnBrk="1" latinLnBrk="0" hangingPunct="1">
+      <a:lvl7pPr marL="2743200" algn="l" defTabSz="457200" rtl="0" eaLnBrk="1" latinLnBrk="0" hangingPunct="1">
         <a:defRPr sz="1800" kern="1200">
           <a:solidFill>
             <a:schemeClr val="tx1"/>
@@ -3335,7 +5881,7 @@
           <a:cs typeface="+mn-cs"/>
         </a:defRPr>
       </a:lvl7pPr>
-      <a:lvl8pPr marL="3200400" algn="l" defTabSz="914400" rtl="0" eaLnBrk="1" latinLnBrk="0" hangingPunct="1">
+      <a:lvl8pPr marL="3200400" algn="l" defTabSz="457200" rtl="0" eaLnBrk="1" latinLnBrk="0" hangingPunct="1">
         <a:defRPr sz="1800" kern="1200">
           <a:solidFill>
             <a:schemeClr val="tx1"/>
@@ -3345,7 +5891,7 @@
           <a:cs typeface="+mn-cs"/>
         </a:defRPr>
       </a:lvl8pPr>
-      <a:lvl9pPr marL="3657600" algn="l" defTabSz="914400" rtl="0" eaLnBrk="1" latinLnBrk="0" hangingPunct="1">
+      <a:lvl9pPr marL="3657600" algn="l" defTabSz="457200" rtl="0" eaLnBrk="1" latinLnBrk="0" hangingPunct="1">
         <a:defRPr sz="1800" kern="1200">
           <a:solidFill>
             <a:schemeClr val="tx1"/>
@@ -3424,7 +5970,9 @@
         </p:nvSpPr>
         <p:spPr/>
         <p:txBody>
-          <a:bodyPr/>
+          <a:bodyPr>
+            <a:normAutofit lnSpcReduction="10000"/>
+          </a:bodyPr>
           <a:lstStyle/>
           <a:p>
             <a:r>
@@ -3522,15 +6070,10 @@
             <p:ph idx="1"/>
           </p:nvPr>
         </p:nvSpPr>
-        <p:spPr>
-          <a:xfrm>
-            <a:off x="838200" y="1825625"/>
-            <a:ext cx="10515600" cy="4351338"/>
-          </a:xfrm>
-        </p:spPr>
+        <p:spPr/>
         <p:txBody>
           <a:bodyPr>
-            <a:normAutofit/>
+            <a:normAutofit fontScale="92500" lnSpcReduction="20000"/>
           </a:bodyPr>
           <a:lstStyle/>
           <a:p>
@@ -3690,6 +6233,15 @@
           <a:p>
             <a:r>
               <a:rPr lang="en-CA" dirty="0"/>
+              <a:t>Based on the S programming language</a:t>
+            </a:r>
+          </a:p>
+          <a:p>
+            <a:endParaRPr lang="en-CA" dirty="0"/>
+          </a:p>
+          <a:p>
+            <a:r>
+              <a:rPr lang="en-CA" dirty="0"/>
               <a:t>Interactive by design</a:t>
             </a:r>
           </a:p>
@@ -3779,7 +6331,9 @@
         </p:nvSpPr>
         <p:spPr/>
         <p:txBody>
-          <a:bodyPr/>
+          <a:bodyPr>
+            <a:normAutofit fontScale="92500" lnSpcReduction="20000"/>
+          </a:bodyPr>
           <a:lstStyle/>
           <a:p>
             <a:r>
@@ -4012,7 +6566,7 @@
         <p:spPr/>
         <p:txBody>
           <a:bodyPr>
-            <a:normAutofit/>
+            <a:normAutofit fontScale="92500" lnSpcReduction="10000"/>
           </a:bodyPr>
           <a:lstStyle/>
           <a:p>
@@ -4044,6 +6598,22 @@
             <a:r>
               <a:rPr lang="en-CA" dirty="0"/>
               <a:t>Makes your life a lot easier during data analysis</a:t>
+            </a:r>
+          </a:p>
+          <a:p>
+            <a:endParaRPr lang="en-CA" dirty="0"/>
+          </a:p>
+          <a:p>
+            <a:r>
+              <a:rPr lang="en-CA" dirty="0"/>
+              <a:t>All about writing code assuming someone else will be trying to use it</a:t>
+            </a:r>
+          </a:p>
+          <a:p>
+            <a:pPr lvl="1"/>
+            <a:r>
+              <a:rPr lang="en-CA" dirty="0"/>
+              <a:t>You in 3 months are essentially a different person!</a:t>
             </a:r>
             <a:endParaRPr lang="en-US" dirty="0"/>
           </a:p>
@@ -4127,7 +6697,7 @@
         <p:spPr/>
         <p:txBody>
           <a:bodyPr>
-            <a:normAutofit/>
+            <a:normAutofit fontScale="92500"/>
           </a:bodyPr>
           <a:lstStyle/>
           <a:p>
@@ -4138,7 +6708,7 @@
             </a:r>
             <a:r>
               <a:rPr lang="en-CA" dirty="0"/>
-              <a:t>standardize your variable and function names. Use the same names across R scripts</a:t>
+              <a:t>standardize your variable and function names. Use the same names across R scripts. Ideally, use descriptive names</a:t>
             </a:r>
           </a:p>
           <a:p>
@@ -4252,7 +6822,7 @@
         <p:spPr/>
         <p:txBody>
           <a:bodyPr>
-            <a:normAutofit fontScale="92500" lnSpcReduction="10000"/>
+            <a:normAutofit fontScale="70000" lnSpcReduction="20000"/>
           </a:bodyPr>
           <a:lstStyle/>
           <a:p>
@@ -4483,7 +7053,11 @@
           <a:bodyPr/>
           <a:lstStyle/>
           <a:p>
-            <a:endParaRPr lang="en-US"/>
+            <a:r>
+              <a:rPr lang="en-CA" dirty="0"/>
+              <a:t>Interpreting Errors</a:t>
+            </a:r>
+            <a:endParaRPr lang="en-US" dirty="0"/>
           </a:p>
         </p:txBody>
       </p:sp>
@@ -4508,7 +7082,409 @@
           <a:bodyPr/>
           <a:lstStyle/>
           <a:p>
-            <a:endParaRPr lang="en-US"/>
+            <a:r>
+              <a:rPr lang="en-CA" dirty="0"/>
+              <a:t>Read the error carefully! They *usually* direct you to the source of the problem</a:t>
+            </a:r>
+          </a:p>
+          <a:p>
+            <a:r>
+              <a:rPr lang="en-CA" dirty="0"/>
+              <a:t>If you can’t figure out the issue, try Google, Stack Exchange, Twitter</a:t>
+            </a:r>
+          </a:p>
+          <a:p>
+            <a:r>
+              <a:rPr lang="en-CA" dirty="0"/>
+              <a:t>If you can’t find an answer to your issue, post on Stack Exchange</a:t>
+            </a:r>
+            <a:endParaRPr lang="en-US" dirty="0"/>
+          </a:p>
+        </p:txBody>
+      </p:sp>
+      <p:sp>
+        <p:nvSpPr>
+          <p:cNvPr id="4" name="Rectangle 1">
+            <a:extLst>
+              <a:ext uri="{FF2B5EF4-FFF2-40B4-BE49-F238E27FC236}">
+                <a16:creationId xmlns:a16="http://schemas.microsoft.com/office/drawing/2014/main" id="{1B8D009C-C469-4E2A-ABDA-83F203EE80D8}"/>
+              </a:ext>
+            </a:extLst>
+          </p:cNvPr>
+          <p:cNvSpPr>
+            <a:spLocks noChangeArrowheads="1"/>
+          </p:cNvSpPr>
+          <p:nvPr/>
+        </p:nvSpPr>
+        <p:spPr bwMode="auto">
+          <a:xfrm>
+            <a:off x="2892164" y="4695521"/>
+            <a:ext cx="6136295" cy="369332"/>
+          </a:xfrm>
+          <a:prstGeom prst="rect">
+            <a:avLst/>
+          </a:prstGeom>
+          <a:solidFill>
+            <a:srgbClr val="0F0F0F"/>
+          </a:solidFill>
+          <a:ln>
+            <a:noFill/>
+          </a:ln>
+          <a:effectLst/>
+          <a:extLst>
+            <a:ext uri="{91240B29-F687-4F45-9708-019B960494DF}">
+              <a14:hiddenLine xmlns:a14="http://schemas.microsoft.com/office/drawing/2010/main" w="9525">
+                <a:solidFill>
+                  <a:schemeClr val="tx1"/>
+                </a:solidFill>
+                <a:miter lim="800000"/>
+                <a:headEnd/>
+                <a:tailEnd/>
+              </a14:hiddenLine>
+            </a:ext>
+            <a:ext uri="{AF507438-7753-43E0-B8FC-AC1667EBCBE1}">
+              <a14:hiddenEffects xmlns:a14="http://schemas.microsoft.com/office/drawing/2010/main">
+                <a:effectLst>
+                  <a:outerShdw dist="35921" dir="2700000" algn="ctr" rotWithShape="0">
+                    <a:schemeClr val="bg2"/>
+                  </a:outerShdw>
+                </a:effectLst>
+              </a14:hiddenEffects>
+            </a:ext>
+          </a:extLst>
+        </p:spPr>
+        <p:txBody>
+          <a:bodyPr vert="horz" wrap="none" lIns="0" tIns="0" rIns="0" bIns="0" numCol="1" anchor="ctr" anchorCtr="0" compatLnSpc="1">
+            <a:prstTxWarp prst="textNoShape">
+              <a:avLst/>
+            </a:prstTxWarp>
+            <a:spAutoFit/>
+          </a:bodyPr>
+          <a:lstStyle/>
+          <a:p>
+            <a:pPr marL="0" marR="0" lvl="0" indent="0" algn="l" defTabSz="914400" rtl="0" eaLnBrk="0" fontAlgn="base" latinLnBrk="0" hangingPunct="0">
+              <a:lnSpc>
+                <a:spcPct val="100000"/>
+              </a:lnSpc>
+              <a:spcBef>
+                <a:spcPct val="0"/>
+              </a:spcBef>
+              <a:spcAft>
+                <a:spcPct val="0"/>
+              </a:spcAft>
+              <a:buClrTx/>
+              <a:buSzTx/>
+              <a:buFontTx/>
+              <a:buNone/>
+              <a:tabLst/>
+            </a:pPr>
+            <a:r>
+              <a:rPr kumimoji="0" lang="en-US" altLang="en-US" sz="1200" b="0" i="0" u="none" strike="noStrike" cap="none" normalizeH="0" baseline="0" dirty="0">
+                <a:ln>
+                  <a:noFill/>
+                </a:ln>
+                <a:solidFill>
+                  <a:srgbClr val="339999"/>
+                </a:solidFill>
+                <a:effectLst/>
+                <a:latin typeface="Lucida Console" panose="020B0609040504020204" pitchFamily="49" charset="0"/>
+              </a:rPr>
+              <a:t>cannot open file '</a:t>
+            </a:r>
+            <a:r>
+              <a:rPr kumimoji="0" lang="en-US" altLang="en-US" sz="1200" b="0" i="0" u="none" strike="noStrike" cap="none" normalizeH="0" baseline="0" dirty="0" err="1">
+                <a:ln>
+                  <a:noFill/>
+                </a:ln>
+                <a:solidFill>
+                  <a:srgbClr val="339999"/>
+                </a:solidFill>
+                <a:effectLst/>
+                <a:latin typeface="Lucida Console" panose="020B0609040504020204" pitchFamily="49" charset="0"/>
+              </a:rPr>
+              <a:t>light_responses</a:t>
+            </a:r>
+            <a:r>
+              <a:rPr kumimoji="0" lang="en-US" altLang="en-US" sz="1200" b="0" i="0" u="none" strike="noStrike" cap="none" normalizeH="0" baseline="0" dirty="0">
+                <a:ln>
+                  <a:noFill/>
+                </a:ln>
+                <a:solidFill>
+                  <a:srgbClr val="339999"/>
+                </a:solidFill>
+                <a:effectLst/>
+                <a:latin typeface="Lucida Console" panose="020B0609040504020204" pitchFamily="49" charset="0"/>
+              </a:rPr>
+              <a:t>': No such file or </a:t>
+            </a:r>
+            <a:r>
+              <a:rPr kumimoji="0" lang="en-US" altLang="en-US" sz="1200" b="0" i="0" u="none" strike="noStrike" cap="none" normalizeH="0" baseline="0" dirty="0" err="1">
+                <a:ln>
+                  <a:noFill/>
+                </a:ln>
+                <a:solidFill>
+                  <a:srgbClr val="339999"/>
+                </a:solidFill>
+                <a:effectLst/>
+                <a:latin typeface="Lucida Console" panose="020B0609040504020204" pitchFamily="49" charset="0"/>
+              </a:rPr>
+              <a:t>directoryError</a:t>
+            </a:r>
+            <a:endParaRPr kumimoji="0" lang="en-US" altLang="en-US" sz="1200" b="0" i="0" u="none" strike="noStrike" cap="none" normalizeH="0" baseline="0" dirty="0">
+              <a:ln>
+                <a:noFill/>
+              </a:ln>
+              <a:solidFill>
+                <a:srgbClr val="339999"/>
+              </a:solidFill>
+              <a:effectLst/>
+              <a:latin typeface="Lucida Console" panose="020B0609040504020204" pitchFamily="49" charset="0"/>
+            </a:endParaRPr>
+          </a:p>
+          <a:p>
+            <a:pPr marL="0" marR="0" lvl="0" indent="0" algn="l" defTabSz="914400" rtl="0" eaLnBrk="0" fontAlgn="base" latinLnBrk="0" hangingPunct="0">
+              <a:lnSpc>
+                <a:spcPct val="100000"/>
+              </a:lnSpc>
+              <a:spcBef>
+                <a:spcPct val="0"/>
+              </a:spcBef>
+              <a:spcAft>
+                <a:spcPct val="0"/>
+              </a:spcAft>
+              <a:buClrTx/>
+              <a:buSzTx/>
+              <a:buFontTx/>
+              <a:buNone/>
+              <a:tabLst/>
+            </a:pPr>
+            <a:r>
+              <a:rPr kumimoji="0" lang="en-US" altLang="en-US" sz="1200" b="0" i="0" u="none" strike="noStrike" cap="none" normalizeH="0" baseline="0" dirty="0">
+                <a:ln>
+                  <a:noFill/>
+                </a:ln>
+                <a:solidFill>
+                  <a:srgbClr val="339999"/>
+                </a:solidFill>
+                <a:effectLst/>
+                <a:latin typeface="Lucida Console" panose="020B0609040504020204" pitchFamily="49" charset="0"/>
+              </a:rPr>
+              <a:t> in file(file, "rt") : cannot open the connection</a:t>
+            </a:r>
+            <a:endParaRPr kumimoji="0" lang="en-US" altLang="en-US" sz="1200" b="0" i="0" u="none" strike="noStrike" cap="none" normalizeH="0" baseline="0" dirty="0">
+              <a:ln>
+                <a:noFill/>
+              </a:ln>
+              <a:solidFill>
+                <a:schemeClr val="tx1"/>
+              </a:solidFill>
+              <a:effectLst/>
+              <a:latin typeface="Arial" panose="020B0604020202020204" pitchFamily="34" charset="0"/>
+            </a:endParaRPr>
+          </a:p>
+        </p:txBody>
+      </p:sp>
+      <p:sp>
+        <p:nvSpPr>
+          <p:cNvPr id="5" name="Rectangle 2">
+            <a:extLst>
+              <a:ext uri="{FF2B5EF4-FFF2-40B4-BE49-F238E27FC236}">
+                <a16:creationId xmlns:a16="http://schemas.microsoft.com/office/drawing/2014/main" id="{15553324-4010-4D58-8A31-DF66208A628E}"/>
+              </a:ext>
+            </a:extLst>
+          </p:cNvPr>
+          <p:cNvSpPr>
+            <a:spLocks noChangeArrowheads="1"/>
+          </p:cNvSpPr>
+          <p:nvPr/>
+        </p:nvSpPr>
+        <p:spPr bwMode="auto">
+          <a:xfrm>
+            <a:off x="1568742" y="5598869"/>
+            <a:ext cx="3440044" cy="184666"/>
+          </a:xfrm>
+          <a:prstGeom prst="rect">
+            <a:avLst/>
+          </a:prstGeom>
+          <a:solidFill>
+            <a:srgbClr val="0F0F0F"/>
+          </a:solidFill>
+          <a:ln>
+            <a:noFill/>
+          </a:ln>
+          <a:effectLst/>
+          <a:extLst>
+            <a:ext uri="{91240B29-F687-4F45-9708-019B960494DF}">
+              <a14:hiddenLine xmlns:a14="http://schemas.microsoft.com/office/drawing/2010/main" w="9525">
+                <a:solidFill>
+                  <a:schemeClr val="tx1"/>
+                </a:solidFill>
+                <a:miter lim="800000"/>
+                <a:headEnd/>
+                <a:tailEnd/>
+              </a14:hiddenLine>
+            </a:ext>
+            <a:ext uri="{AF507438-7753-43E0-B8FC-AC1667EBCBE1}">
+              <a14:hiddenEffects xmlns:a14="http://schemas.microsoft.com/office/drawing/2010/main">
+                <a:effectLst>
+                  <a:outerShdw dist="35921" dir="2700000" algn="ctr" rotWithShape="0">
+                    <a:schemeClr val="bg2"/>
+                  </a:outerShdw>
+                </a:effectLst>
+              </a14:hiddenEffects>
+            </a:ext>
+          </a:extLst>
+        </p:spPr>
+        <p:txBody>
+          <a:bodyPr vert="horz" wrap="none" lIns="0" tIns="0" rIns="0" bIns="0" numCol="1" anchor="ctr" anchorCtr="0" compatLnSpc="1">
+            <a:prstTxWarp prst="textNoShape">
+              <a:avLst/>
+            </a:prstTxWarp>
+            <a:spAutoFit/>
+          </a:bodyPr>
+          <a:lstStyle/>
+          <a:p>
+            <a:pPr marL="0" marR="0" lvl="0" indent="0" algn="l" defTabSz="914400" rtl="0" eaLnBrk="0" fontAlgn="base" latinLnBrk="0" hangingPunct="0">
+              <a:lnSpc>
+                <a:spcPct val="100000"/>
+              </a:lnSpc>
+              <a:spcBef>
+                <a:spcPct val="0"/>
+              </a:spcBef>
+              <a:spcAft>
+                <a:spcPct val="0"/>
+              </a:spcAft>
+              <a:buClrTx/>
+              <a:buSzTx/>
+              <a:buFontTx/>
+              <a:buNone/>
+              <a:tabLst/>
+            </a:pPr>
+            <a:r>
+              <a:rPr kumimoji="0" lang="en-US" altLang="en-US" sz="1200" b="0" i="0" u="none" strike="noStrike" cap="none" normalizeH="0" baseline="0" dirty="0">
+                <a:ln>
+                  <a:noFill/>
+                </a:ln>
+                <a:solidFill>
+                  <a:srgbClr val="339999"/>
+                </a:solidFill>
+                <a:effectLst/>
+                <a:latin typeface="Lucida Console" panose="020B0609040504020204" pitchFamily="49" charset="0"/>
+              </a:rPr>
+              <a:t>Error: unexpected numeric constant in</a:t>
+            </a:r>
+            <a:endParaRPr kumimoji="0" lang="en-US" altLang="en-US" sz="1200" b="0" i="0" u="none" strike="noStrike" cap="none" normalizeH="0" baseline="0" dirty="0">
+              <a:ln>
+                <a:noFill/>
+              </a:ln>
+              <a:solidFill>
+                <a:schemeClr val="tx1"/>
+              </a:solidFill>
+              <a:effectLst/>
+              <a:latin typeface="Arial" panose="020B0604020202020204" pitchFamily="34" charset="0"/>
+            </a:endParaRPr>
+          </a:p>
+        </p:txBody>
+      </p:sp>
+      <p:sp>
+        <p:nvSpPr>
+          <p:cNvPr id="6" name="Rectangle 3">
+            <a:extLst>
+              <a:ext uri="{FF2B5EF4-FFF2-40B4-BE49-F238E27FC236}">
+                <a16:creationId xmlns:a16="http://schemas.microsoft.com/office/drawing/2014/main" id="{3003BDB9-B610-457C-ACFD-F836B58167FD}"/>
+              </a:ext>
+            </a:extLst>
+          </p:cNvPr>
+          <p:cNvSpPr>
+            <a:spLocks noChangeArrowheads="1"/>
+          </p:cNvSpPr>
+          <p:nvPr/>
+        </p:nvSpPr>
+        <p:spPr bwMode="auto">
+          <a:xfrm>
+            <a:off x="6459523" y="5691202"/>
+            <a:ext cx="3811941" cy="184666"/>
+          </a:xfrm>
+          <a:prstGeom prst="rect">
+            <a:avLst/>
+          </a:prstGeom>
+          <a:solidFill>
+            <a:srgbClr val="0F0F0F"/>
+          </a:solidFill>
+          <a:ln>
+            <a:noFill/>
+          </a:ln>
+          <a:effectLst/>
+          <a:extLst>
+            <a:ext uri="{91240B29-F687-4F45-9708-019B960494DF}">
+              <a14:hiddenLine xmlns:a14="http://schemas.microsoft.com/office/drawing/2010/main" w="9525">
+                <a:solidFill>
+                  <a:schemeClr val="tx1"/>
+                </a:solidFill>
+                <a:miter lim="800000"/>
+                <a:headEnd/>
+                <a:tailEnd/>
+              </a14:hiddenLine>
+            </a:ext>
+            <a:ext uri="{AF507438-7753-43E0-B8FC-AC1667EBCBE1}">
+              <a14:hiddenEffects xmlns:a14="http://schemas.microsoft.com/office/drawing/2010/main">
+                <a:effectLst>
+                  <a:outerShdw dist="35921" dir="2700000" algn="ctr" rotWithShape="0">
+                    <a:schemeClr val="bg2"/>
+                  </a:outerShdw>
+                </a:effectLst>
+              </a14:hiddenEffects>
+            </a:ext>
+          </a:extLst>
+        </p:spPr>
+        <p:txBody>
+          <a:bodyPr vert="horz" wrap="none" lIns="0" tIns="0" rIns="0" bIns="0" numCol="1" anchor="ctr" anchorCtr="0" compatLnSpc="1">
+            <a:prstTxWarp prst="textNoShape">
+              <a:avLst/>
+            </a:prstTxWarp>
+            <a:spAutoFit/>
+          </a:bodyPr>
+          <a:lstStyle/>
+          <a:p>
+            <a:pPr marL="0" marR="0" lvl="0" indent="0" algn="l" defTabSz="914400" rtl="0" eaLnBrk="0" fontAlgn="base" latinLnBrk="0" hangingPunct="0">
+              <a:lnSpc>
+                <a:spcPct val="100000"/>
+              </a:lnSpc>
+              <a:spcBef>
+                <a:spcPct val="0"/>
+              </a:spcBef>
+              <a:spcAft>
+                <a:spcPct val="0"/>
+              </a:spcAft>
+              <a:buClrTx/>
+              <a:buSzTx/>
+              <a:buFontTx/>
+              <a:buNone/>
+              <a:tabLst/>
+            </a:pPr>
+            <a:r>
+              <a:rPr kumimoji="0" lang="en-US" altLang="en-US" sz="1200" b="0" i="0" u="none" strike="noStrike" cap="none" normalizeH="0" baseline="0">
+                <a:ln>
+                  <a:noFill/>
+                </a:ln>
+                <a:solidFill>
+                  <a:srgbClr val="339999"/>
+                </a:solidFill>
+                <a:effectLst/>
+                <a:latin typeface="Lucida Console" panose="020B0609040504020204" pitchFamily="49" charset="0"/>
+              </a:rPr>
+              <a:t>Error in def(8) : could not find function</a:t>
+            </a:r>
+            <a:endParaRPr kumimoji="0" lang="en-US" altLang="en-US" sz="1200" b="0" i="0" u="none" strike="noStrike" cap="none" normalizeH="0" baseline="0">
+              <a:ln>
+                <a:noFill/>
+              </a:ln>
+              <a:solidFill>
+                <a:schemeClr val="tx1"/>
+              </a:solidFill>
+              <a:effectLst/>
+              <a:latin typeface="Arial" panose="020B0604020202020204" pitchFamily="34" charset="0"/>
+            </a:endParaRPr>
           </a:p>
         </p:txBody>
       </p:sp>
@@ -4526,9 +7502,9 @@
 </file>
 
 <file path=ppt/theme/theme1.xml><?xml version="1.0" encoding="utf-8"?>
-<a:theme xmlns:a="http://schemas.openxmlformats.org/drawingml/2006/main" name="Office Theme">
+<a:theme xmlns:a="http://schemas.openxmlformats.org/drawingml/2006/main" name="Organic">
   <a:themeElements>
-    <a:clrScheme name="Office">
+    <a:clrScheme name="Organic">
       <a:dk1>
         <a:sysClr val="windowText" lastClr="000000"/>
       </a:dk1>
@@ -4536,44 +7512,79 @@
         <a:sysClr val="window" lastClr="FFFFFF"/>
       </a:lt1>
       <a:dk2>
-        <a:srgbClr val="44546A"/>
+        <a:srgbClr val="212121"/>
       </a:dk2>
       <a:lt2>
-        <a:srgbClr val="E7E6E6"/>
+        <a:srgbClr val="DADADA"/>
       </a:lt2>
       <a:accent1>
-        <a:srgbClr val="4472C4"/>
+        <a:srgbClr val="83992A"/>
       </a:accent1>
       <a:accent2>
-        <a:srgbClr val="ED7D31"/>
+        <a:srgbClr val="3C9770"/>
       </a:accent2>
       <a:accent3>
-        <a:srgbClr val="A5A5A5"/>
+        <a:srgbClr val="44709D"/>
       </a:accent3>
       <a:accent4>
-        <a:srgbClr val="FFC000"/>
+        <a:srgbClr val="A23C33"/>
       </a:accent4>
       <a:accent5>
-        <a:srgbClr val="5B9BD5"/>
+        <a:srgbClr val="D97828"/>
       </a:accent5>
       <a:accent6>
-        <a:srgbClr val="70AD47"/>
+        <a:srgbClr val="DEB340"/>
       </a:accent6>
       <a:hlink>
-        <a:srgbClr val="0563C1"/>
+        <a:srgbClr val="A8BF4D"/>
       </a:hlink>
       <a:folHlink>
-        <a:srgbClr val="954F72"/>
+        <a:srgbClr val="B4CA80"/>
       </a:folHlink>
     </a:clrScheme>
-    <a:fontScheme name="Office">
+    <a:fontScheme name="Organic">
       <a:majorFont>
-        <a:latin typeface="Calibri Light" panose="020F0302020204030204"/>
+        <a:latin typeface="Garamond" panose="02020404030301010803"/>
         <a:ea typeface=""/>
         <a:cs typeface=""/>
-        <a:font script="Jpan" typeface="游ゴシック Light"/>
-        <a:font script="Hang" typeface="맑은 고딕"/>
-        <a:font script="Hans" typeface="等线 Light"/>
+        <a:font script="Jpan" typeface="ＭＳ Ｐゴシック"/>
+        <a:font script="Hang" typeface="돋움"/>
+        <a:font script="Hans" typeface="方正舒体"/>
+        <a:font script="Hant" typeface="微軟正黑體"/>
+        <a:font script="Arab" typeface="Arial"/>
+        <a:font script="Hebr" typeface="Arial"/>
+        <a:font script="Thai" typeface="Cordia New"/>
+        <a:font script="Ethi" typeface="Nyala"/>
+        <a:font script="Beng" typeface="Vrinda"/>
+        <a:font script="Gujr" typeface="Shruti"/>
+        <a:font script="Khmr" typeface="DaunPenh"/>
+        <a:font script="Knda" typeface="Tunga"/>
+        <a:font script="Guru" typeface="Raavi"/>
+        <a:font script="Cans" typeface="Euphemia"/>
+        <a:font script="Cher" typeface="Plantagenet Cherokee"/>
+        <a:font script="Yiii" typeface="Microsoft Yi Baiti"/>
+        <a:font script="Tibt" typeface="Microsoft Himalaya"/>
+        <a:font script="Thaa" typeface="MV Boli"/>
+        <a:font script="Deva" typeface="Mangal"/>
+        <a:font script="Telu" typeface="Gautami"/>
+        <a:font script="Taml" typeface="Latha"/>
+        <a:font script="Syrc" typeface="Estrangelo Edessa"/>
+        <a:font script="Orya" typeface="Kalinga"/>
+        <a:font script="Mlym" typeface="Kartika"/>
+        <a:font script="Laoo" typeface="DokChampa"/>
+        <a:font script="Sinh" typeface="Iskoola Pota"/>
+        <a:font script="Mong" typeface="Mongolian Baiti"/>
+        <a:font script="Viet" typeface="Arial"/>
+        <a:font script="Uigh" typeface="Microsoft Uighur"/>
+        <a:font script="Geor" typeface="Sylfaen"/>
+      </a:majorFont>
+      <a:minorFont>
+        <a:latin typeface="Garamond" panose="02020404030301010803"/>
+        <a:ea typeface=""/>
+        <a:cs typeface=""/>
+        <a:font script="Jpan" typeface="ＭＳ Ｐ明朝"/>
+        <a:font script="Hang" typeface="바탕"/>
+        <a:font script="Hans" typeface="方正舒体"/>
         <a:font script="Hant" typeface="新細明體"/>
         <a:font script="Arab" typeface="Times New Roman"/>
         <a:font script="Hebr" typeface="Times New Roman"/>
@@ -4601,78 +7612,9 @@
         <a:font script="Viet" typeface="Times New Roman"/>
         <a:font script="Uigh" typeface="Microsoft Uighur"/>
         <a:font script="Geor" typeface="Sylfaen"/>
-        <a:font script="Armn" typeface="Arial"/>
-        <a:font script="Bugi" typeface="Leelawadee UI"/>
-        <a:font script="Bopo" typeface="Microsoft JhengHei"/>
-        <a:font script="Java" typeface="Javanese Text"/>
-        <a:font script="Lisu" typeface="Segoe UI"/>
-        <a:font script="Mymr" typeface="Myanmar Text"/>
-        <a:font script="Nkoo" typeface="Ebrima"/>
-        <a:font script="Olck" typeface="Nirmala UI"/>
-        <a:font script="Osma" typeface="Ebrima"/>
-        <a:font script="Phag" typeface="Phagspa"/>
-        <a:font script="Syrn" typeface="Estrangelo Edessa"/>
-        <a:font script="Syrj" typeface="Estrangelo Edessa"/>
-        <a:font script="Syre" typeface="Estrangelo Edessa"/>
-        <a:font script="Sora" typeface="Nirmala UI"/>
-        <a:font script="Tale" typeface="Microsoft Tai Le"/>
-        <a:font script="Talu" typeface="Microsoft New Tai Lue"/>
-        <a:font script="Tfng" typeface="Ebrima"/>
-      </a:majorFont>
-      <a:minorFont>
-        <a:latin typeface="Calibri" panose="020F0502020204030204"/>
-        <a:ea typeface=""/>
-        <a:cs typeface=""/>
-        <a:font script="Jpan" typeface="游ゴシック"/>
-        <a:font script="Hang" typeface="맑은 고딕"/>
-        <a:font script="Hans" typeface="等线"/>
-        <a:font script="Hant" typeface="新細明體"/>
-        <a:font script="Arab" typeface="Arial"/>
-        <a:font script="Hebr" typeface="Arial"/>
-        <a:font script="Thai" typeface="Cordia New"/>
-        <a:font script="Ethi" typeface="Nyala"/>
-        <a:font script="Beng" typeface="Vrinda"/>
-        <a:font script="Gujr" typeface="Shruti"/>
-        <a:font script="Khmr" typeface="DaunPenh"/>
-        <a:font script="Knda" typeface="Tunga"/>
-        <a:font script="Guru" typeface="Raavi"/>
-        <a:font script="Cans" typeface="Euphemia"/>
-        <a:font script="Cher" typeface="Plantagenet Cherokee"/>
-        <a:font script="Yiii" typeface="Microsoft Yi Baiti"/>
-        <a:font script="Tibt" typeface="Microsoft Himalaya"/>
-        <a:font script="Thaa" typeface="MV Boli"/>
-        <a:font script="Deva" typeface="Mangal"/>
-        <a:font script="Telu" typeface="Gautami"/>
-        <a:font script="Taml" typeface="Latha"/>
-        <a:font script="Syrc" typeface="Estrangelo Edessa"/>
-        <a:font script="Orya" typeface="Kalinga"/>
-        <a:font script="Mlym" typeface="Kartika"/>
-        <a:font script="Laoo" typeface="DokChampa"/>
-        <a:font script="Sinh" typeface="Iskoola Pota"/>
-        <a:font script="Mong" typeface="Mongolian Baiti"/>
-        <a:font script="Viet" typeface="Arial"/>
-        <a:font script="Uigh" typeface="Microsoft Uighur"/>
-        <a:font script="Geor" typeface="Sylfaen"/>
-        <a:font script="Armn" typeface="Arial"/>
-        <a:font script="Bugi" typeface="Leelawadee UI"/>
-        <a:font script="Bopo" typeface="Microsoft JhengHei"/>
-        <a:font script="Java" typeface="Javanese Text"/>
-        <a:font script="Lisu" typeface="Segoe UI"/>
-        <a:font script="Mymr" typeface="Myanmar Text"/>
-        <a:font script="Nkoo" typeface="Ebrima"/>
-        <a:font script="Olck" typeface="Nirmala UI"/>
-        <a:font script="Osma" typeface="Ebrima"/>
-        <a:font script="Phag" typeface="Phagspa"/>
-        <a:font script="Syrn" typeface="Estrangelo Edessa"/>
-        <a:font script="Syrj" typeface="Estrangelo Edessa"/>
-        <a:font script="Syre" typeface="Estrangelo Edessa"/>
-        <a:font script="Sora" typeface="Nirmala UI"/>
-        <a:font script="Tale" typeface="Microsoft Tai Le"/>
-        <a:font script="Talu" typeface="Microsoft New Tai Lue"/>
-        <a:font script="Tfng" typeface="Ebrima"/>
       </a:minorFont>
     </a:fontScheme>
-    <a:fmtScheme name="Office">
+    <a:fmtScheme name="Organic">
       <a:fillStyleLst>
         <a:solidFill>
           <a:schemeClr val="phClr"/>
@@ -4681,76 +7623,54 @@
           <a:gsLst>
             <a:gs pos="0">
               <a:schemeClr val="phClr">
+                <a:tint val="60000"/>
                 <a:lumMod val="110000"/>
-                <a:satMod val="105000"/>
-                <a:tint val="67000"/>
-              </a:schemeClr>
-            </a:gs>
-            <a:gs pos="50000">
-              <a:schemeClr val="phClr">
-                <a:lumMod val="105000"/>
-                <a:satMod val="103000"/>
-                <a:tint val="73000"/>
               </a:schemeClr>
             </a:gs>
             <a:gs pos="100000">
               <a:schemeClr val="phClr">
-                <a:lumMod val="105000"/>
-                <a:satMod val="109000"/>
-                <a:tint val="81000"/>
+                <a:tint val="82000"/>
               </a:schemeClr>
             </a:gs>
           </a:gsLst>
           <a:lin ang="5400000" scaled="0"/>
         </a:gradFill>
-        <a:gradFill rotWithShape="1">
-          <a:gsLst>
-            <a:gs pos="0">
+        <a:blipFill>
+          <a:blip xmlns:r="http://schemas.openxmlformats.org/officeDocument/2006/relationships" r:embed="rId1">
+            <a:duotone>
               <a:schemeClr val="phClr">
-                <a:satMod val="103000"/>
-                <a:lumMod val="102000"/>
+                <a:shade val="74000"/>
+                <a:satMod val="130000"/>
+                <a:lumMod val="90000"/>
+              </a:schemeClr>
+              <a:schemeClr val="phClr">
                 <a:tint val="94000"/>
+                <a:satMod val="120000"/>
+                <a:lumMod val="104000"/>
               </a:schemeClr>
-            </a:gs>
-            <a:gs pos="50000">
-              <a:schemeClr val="phClr">
-                <a:satMod val="110000"/>
-                <a:lumMod val="100000"/>
-                <a:shade val="100000"/>
-              </a:schemeClr>
-            </a:gs>
-            <a:gs pos="100000">
-              <a:schemeClr val="phClr">
-                <a:lumMod val="99000"/>
-                <a:satMod val="120000"/>
-                <a:shade val="78000"/>
-              </a:schemeClr>
-            </a:gs>
-          </a:gsLst>
-          <a:lin ang="5400000" scaled="0"/>
-        </a:gradFill>
+            </a:duotone>
+          </a:blip>
+          <a:tile tx="0" ty="0" sx="100000" sy="100000" flip="none" algn="tl"/>
+        </a:blipFill>
       </a:fillStyleLst>
       <a:lnStyleLst>
-        <a:ln w="6350" cap="flat" cmpd="sng" algn="ctr">
+        <a:ln w="9525" cap="flat" cmpd="sng" algn="ctr">
           <a:solidFill>
             <a:schemeClr val="phClr"/>
           </a:solidFill>
           <a:prstDash val="solid"/>
-          <a:miter lim="800000"/>
         </a:ln>
-        <a:ln w="12700" cap="flat" cmpd="sng" algn="ctr">
+        <a:ln w="15875" cap="flat" cmpd="sng" algn="ctr">
           <a:solidFill>
             <a:schemeClr val="phClr"/>
           </a:solidFill>
           <a:prstDash val="solid"/>
-          <a:miter lim="800000"/>
         </a:ln>
-        <a:ln w="19050" cap="flat" cmpd="sng" algn="ctr">
+        <a:ln w="25400" cap="flat" cmpd="sng" algn="ctr">
           <a:solidFill>
             <a:schemeClr val="phClr"/>
           </a:solidFill>
           <a:prstDash val="solid"/>
-          <a:miter lim="800000"/>
         </a:ln>
       </a:lnStyleLst>
       <a:effectStyleLst>
@@ -4758,13 +7678,19 @@
           <a:effectLst/>
         </a:effectStyle>
         <a:effectStyle>
-          <a:effectLst/>
+          <a:effectLst>
+            <a:innerShdw blurRad="25400" dist="12700" dir="13500000">
+              <a:srgbClr val="000000">
+                <a:alpha val="45000"/>
+              </a:srgbClr>
+            </a:innerShdw>
+          </a:effectLst>
         </a:effectStyle>
         <a:effectStyle>
           <a:effectLst>
-            <a:outerShdw blurRad="57150" dist="19050" dir="5400000" algn="ctr" rotWithShape="0">
+            <a:outerShdw blurRad="38100" dist="25400" dir="5400000" rotWithShape="0">
               <a:srgbClr val="000000">
-                <a:alpha val="63000"/>
+                <a:alpha val="60000"/>
               </a:srgbClr>
             </a:outerShdw>
           </a:effectLst>
@@ -4774,39 +7700,27 @@
         <a:solidFill>
           <a:schemeClr val="phClr"/>
         </a:solidFill>
-        <a:solidFill>
-          <a:schemeClr val="phClr">
-            <a:tint val="95000"/>
-            <a:satMod val="170000"/>
-          </a:schemeClr>
-        </a:solidFill>
         <a:gradFill rotWithShape="1">
           <a:gsLst>
             <a:gs pos="0">
               <a:schemeClr val="phClr">
-                <a:tint val="93000"/>
-                <a:satMod val="150000"/>
-                <a:shade val="98000"/>
-                <a:lumMod val="102000"/>
-              </a:schemeClr>
-            </a:gs>
-            <a:gs pos="50000">
-              <a:schemeClr val="phClr">
-                <a:tint val="98000"/>
-                <a:satMod val="130000"/>
-                <a:shade val="90000"/>
-                <a:lumMod val="103000"/>
+                <a:tint val="90000"/>
+                <a:lumMod val="110000"/>
               </a:schemeClr>
             </a:gs>
             <a:gs pos="100000">
               <a:schemeClr val="phClr">
-                <a:shade val="63000"/>
-                <a:satMod val="120000"/>
+                <a:shade val="88000"/>
+                <a:lumMod val="98000"/>
               </a:schemeClr>
             </a:gs>
           </a:gsLst>
           <a:lin ang="5400000" scaled="0"/>
         </a:gradFill>
+        <a:blipFill>
+          <a:blip xmlns:r="http://schemas.openxmlformats.org/officeDocument/2006/relationships" r:embed="rId2"/>
+          <a:stretch/>
+        </a:blipFill>
       </a:bgFillStyleLst>
     </a:fmtScheme>
   </a:themeElements>
@@ -4814,7 +7728,7 @@
   <a:extraClrSchemeLst/>
   <a:extLst>
     <a:ext uri="{05A4C25C-085E-4340-85A3-A5531E510DB2}">
-      <thm15:themeFamily xmlns:thm15="http://schemas.microsoft.com/office/thememl/2012/main" name="Office Theme" id="{62F939B6-93AF-4DB8-9C6B-D6C7DFDC589F}" vid="{4A3C46E8-61CC-4603-A589-7422A47A8E4A}"/>
+      <thm15:themeFamily xmlns:thm15="http://schemas.microsoft.com/office/thememl/2012/main" name="Organic" id="{28CDC826-8792-45C0-861B-85EB3ADEDA33}" vid="{7DAC20F1-423D-49E2-BD0B-50532748BAD0}"/>
     </a:ext>
   </a:extLst>
 </a:theme>

--- a/Beginner Workshop/Introductory Concepts in R.pptx
+++ b/Beginner Workshop/Introductory Concepts in R.pptx
@@ -15,6 +15,7 @@
     <p:sldId id="261" r:id="rId9"/>
     <p:sldId id="262" r:id="rId10"/>
     <p:sldId id="263" r:id="rId11"/>
+    <p:sldId id="266" r:id="rId12"/>
   </p:sldIdLst>
   <p:sldSz cx="12192000" cy="6858000"/>
   <p:notesSz cx="6858000" cy="9144000"/>
@@ -152,6 +153,11 @@
         <p14:section name="Resources" id="{0E96B1A4-2441-41EC-AD5D-D14B47B3E824}">
           <p14:sldIdLst>
             <p14:sldId id="263"/>
+          </p14:sldIdLst>
+        </p14:section>
+        <p14:section name="Twitter Accounts" id="{2DAF2351-903D-4215-97A3-319EBC60C315}">
+          <p14:sldIdLst>
+            <p14:sldId id="266"/>
           </p14:sldIdLst>
         </p14:section>
       </p14:sectionLst>
@@ -494,7 +500,7 @@
           <a:p>
             <a:fld id="{5F762F9F-E6EA-480B-A6EE-0D217F01FE68}" type="datetimeFigureOut">
               <a:rPr lang="en-US" smtClean="0"/>
-              <a:t>2/13/2020</a:t>
+              <a:t>2/17/2020</a:t>
             </a:fld>
             <a:endParaRPr lang="en-US"/>
           </a:p>
@@ -818,7 +824,7 @@
           <a:p>
             <a:fld id="{5F762F9F-E6EA-480B-A6EE-0D217F01FE68}" type="datetimeFigureOut">
               <a:rPr lang="en-US" smtClean="0"/>
-              <a:t>2/13/2020</a:t>
+              <a:t>2/17/2020</a:t>
             </a:fld>
             <a:endParaRPr lang="en-US"/>
           </a:p>
@@ -1066,7 +1072,7 @@
           <a:p>
             <a:fld id="{5F762F9F-E6EA-480B-A6EE-0D217F01FE68}" type="datetimeFigureOut">
               <a:rPr lang="en-US" smtClean="0"/>
-              <a:t>2/13/2020</a:t>
+              <a:t>2/17/2020</a:t>
             </a:fld>
             <a:endParaRPr lang="en-US"/>
           </a:p>
@@ -1405,7 +1411,7 @@
           <a:p>
             <a:fld id="{5F762F9F-E6EA-480B-A6EE-0D217F01FE68}" type="datetimeFigureOut">
               <a:rPr lang="en-US" smtClean="0"/>
-              <a:t>2/13/2020</a:t>
+              <a:t>2/17/2020</a:t>
             </a:fld>
             <a:endParaRPr lang="en-US"/>
           </a:p>
@@ -1752,7 +1758,7 @@
           <a:p>
             <a:fld id="{5F762F9F-E6EA-480B-A6EE-0D217F01FE68}" type="datetimeFigureOut">
               <a:rPr lang="en-US" smtClean="0"/>
-              <a:t>2/13/2020</a:t>
+              <a:t>2/17/2020</a:t>
             </a:fld>
             <a:endParaRPr lang="en-US"/>
           </a:p>
@@ -2126,7 +2132,7 @@
           <a:p>
             <a:fld id="{5F762F9F-E6EA-480B-A6EE-0D217F01FE68}" type="datetimeFigureOut">
               <a:rPr lang="en-US" smtClean="0"/>
-              <a:t>2/13/2020</a:t>
+              <a:t>2/17/2020</a:t>
             </a:fld>
             <a:endParaRPr lang="en-US"/>
           </a:p>
@@ -2596,7 +2602,7 @@
           <a:p>
             <a:fld id="{5F762F9F-E6EA-480B-A6EE-0D217F01FE68}" type="datetimeFigureOut">
               <a:rPr lang="en-US" smtClean="0"/>
-              <a:t>2/13/2020</a:t>
+              <a:t>2/17/2020</a:t>
             </a:fld>
             <a:endParaRPr lang="en-US"/>
           </a:p>
@@ -2801,7 +2807,7 @@
           <a:p>
             <a:fld id="{5F762F9F-E6EA-480B-A6EE-0D217F01FE68}" type="datetimeFigureOut">
               <a:rPr lang="en-US" smtClean="0"/>
-              <a:t>2/13/2020</a:t>
+              <a:t>2/17/2020</a:t>
             </a:fld>
             <a:endParaRPr lang="en-US"/>
           </a:p>
@@ -3012,7 +3018,7 @@
           <a:p>
             <a:fld id="{5F762F9F-E6EA-480B-A6EE-0D217F01FE68}" type="datetimeFigureOut">
               <a:rPr lang="en-US" smtClean="0"/>
-              <a:t>2/13/2020</a:t>
+              <a:t>2/17/2020</a:t>
             </a:fld>
             <a:endParaRPr lang="en-US"/>
           </a:p>
@@ -3244,7 +3250,7 @@
           <a:p>
             <a:fld id="{5F762F9F-E6EA-480B-A6EE-0D217F01FE68}" type="datetimeFigureOut">
               <a:rPr lang="en-US" smtClean="0"/>
-              <a:t>2/13/2020</a:t>
+              <a:t>2/17/2020</a:t>
             </a:fld>
             <a:endParaRPr lang="en-US"/>
           </a:p>
@@ -3492,7 +3498,7 @@
           <a:p>
             <a:fld id="{5F762F9F-E6EA-480B-A6EE-0D217F01FE68}" type="datetimeFigureOut">
               <a:rPr lang="en-US" smtClean="0"/>
-              <a:t>2/13/2020</a:t>
+              <a:t>2/17/2020</a:t>
             </a:fld>
             <a:endParaRPr lang="en-US"/>
           </a:p>
@@ -3790,7 +3796,7 @@
           <a:p>
             <a:fld id="{5F762F9F-E6EA-480B-A6EE-0D217F01FE68}" type="datetimeFigureOut">
               <a:rPr lang="en-US" smtClean="0"/>
-              <a:t>2/13/2020</a:t>
+              <a:t>2/17/2020</a:t>
             </a:fld>
             <a:endParaRPr lang="en-US"/>
           </a:p>
@@ -4184,7 +4190,7 @@
           <a:p>
             <a:fld id="{5F762F9F-E6EA-480B-A6EE-0D217F01FE68}" type="datetimeFigureOut">
               <a:rPr lang="en-US" smtClean="0"/>
-              <a:t>2/13/2020</a:t>
+              <a:t>2/17/2020</a:t>
             </a:fld>
             <a:endParaRPr lang="en-US"/>
           </a:p>
@@ -4333,7 +4339,7 @@
           <a:p>
             <a:fld id="{5F762F9F-E6EA-480B-A6EE-0D217F01FE68}" type="datetimeFigureOut">
               <a:rPr lang="en-US" smtClean="0"/>
-              <a:t>2/13/2020</a:t>
+              <a:t>2/17/2020</a:t>
             </a:fld>
             <a:endParaRPr lang="en-US"/>
           </a:p>
@@ -4459,7 +4465,7 @@
           <a:p>
             <a:fld id="{5F762F9F-E6EA-480B-A6EE-0D217F01FE68}" type="datetimeFigureOut">
               <a:rPr lang="en-US" smtClean="0"/>
-              <a:t>2/13/2020</a:t>
+              <a:t>2/17/2020</a:t>
             </a:fld>
             <a:endParaRPr lang="en-US"/>
           </a:p>
@@ -4714,7 +4720,7 @@
           <a:p>
             <a:fld id="{5F762F9F-E6EA-480B-A6EE-0D217F01FE68}" type="datetimeFigureOut">
               <a:rPr lang="en-US" smtClean="0"/>
-              <a:t>2/13/2020</a:t>
+              <a:t>2/17/2020</a:t>
             </a:fld>
             <a:endParaRPr lang="en-US"/>
           </a:p>
@@ -5029,7 +5035,7 @@
           <a:p>
             <a:fld id="{5F762F9F-E6EA-480B-A6EE-0D217F01FE68}" type="datetimeFigureOut">
               <a:rPr lang="en-US" smtClean="0"/>
-              <a:t>2/13/2020</a:t>
+              <a:t>2/17/2020</a:t>
             </a:fld>
             <a:endParaRPr lang="en-US"/>
           </a:p>
@@ -5380,7 +5386,7 @@
           <a:p>
             <a:fld id="{5F762F9F-E6EA-480B-A6EE-0D217F01FE68}" type="datetimeFigureOut">
               <a:rPr lang="en-US" smtClean="0"/>
-              <a:t>2/13/2020</a:t>
+              <a:t>2/17/2020</a:t>
             </a:fld>
             <a:endParaRPr lang="en-US"/>
           </a:p>
@@ -6155,6 +6161,158 @@
 </p:sld>
 </file>
 
+<file path=ppt/slides/slide11.xml><?xml version="1.0" encoding="utf-8"?>
+<p:sld xmlns:a="http://schemas.openxmlformats.org/drawingml/2006/main" xmlns:r="http://schemas.openxmlformats.org/officeDocument/2006/relationships" xmlns:p="http://schemas.openxmlformats.org/presentationml/2006/main">
+  <p:cSld>
+    <p:spTree>
+      <p:nvGrpSpPr>
+        <p:cNvPr id="1" name=""/>
+        <p:cNvGrpSpPr/>
+        <p:nvPr/>
+      </p:nvGrpSpPr>
+      <p:grpSpPr>
+        <a:xfrm>
+          <a:off x="0" y="0"/>
+          <a:ext cx="0" cy="0"/>
+          <a:chOff x="0" y="0"/>
+          <a:chExt cx="0" cy="0"/>
+        </a:xfrm>
+      </p:grpSpPr>
+      <p:sp>
+        <p:nvSpPr>
+          <p:cNvPr id="2" name="Title 1">
+            <a:extLst>
+              <a:ext uri="{FF2B5EF4-FFF2-40B4-BE49-F238E27FC236}">
+                <a16:creationId xmlns:a16="http://schemas.microsoft.com/office/drawing/2014/main" id="{49D0496A-4EF9-4484-9DA7-4BC5D1D7DC81}"/>
+              </a:ext>
+            </a:extLst>
+          </p:cNvPr>
+          <p:cNvSpPr>
+            <a:spLocks noGrp="1"/>
+          </p:cNvSpPr>
+          <p:nvPr>
+            <p:ph type="title"/>
+          </p:nvPr>
+        </p:nvSpPr>
+        <p:spPr/>
+        <p:txBody>
+          <a:bodyPr/>
+          <a:lstStyle/>
+          <a:p>
+            <a:r>
+              <a:rPr lang="en-CA" dirty="0"/>
+              <a:t>Helpful Twitter Users to Follow</a:t>
+            </a:r>
+            <a:endParaRPr lang="en-US" dirty="0"/>
+          </a:p>
+        </p:txBody>
+      </p:sp>
+      <p:sp>
+        <p:nvSpPr>
+          <p:cNvPr id="3" name="Content Placeholder 2">
+            <a:extLst>
+              <a:ext uri="{FF2B5EF4-FFF2-40B4-BE49-F238E27FC236}">
+                <a16:creationId xmlns:a16="http://schemas.microsoft.com/office/drawing/2014/main" id="{E3D627FD-F9D8-4AA3-8AAC-75ED22EC986D}"/>
+              </a:ext>
+            </a:extLst>
+          </p:cNvPr>
+          <p:cNvSpPr>
+            <a:spLocks noGrp="1"/>
+          </p:cNvSpPr>
+          <p:nvPr>
+            <p:ph idx="1"/>
+          </p:nvPr>
+        </p:nvSpPr>
+        <p:spPr/>
+        <p:txBody>
+          <a:bodyPr/>
+          <a:lstStyle/>
+          <a:p>
+            <a:r>
+              <a:rPr lang="en-CA" dirty="0"/>
+              <a:t>@</a:t>
+            </a:r>
+            <a:r>
+              <a:rPr lang="en-CA" dirty="0" err="1"/>
+              <a:t>hadleywickham</a:t>
+            </a:r>
+            <a:r>
+              <a:rPr lang="en-CA" dirty="0"/>
+              <a:t> – </a:t>
+            </a:r>
+            <a:r>
+              <a:rPr lang="en-CA" dirty="0" err="1"/>
+              <a:t>tidyverse</a:t>
+            </a:r>
+            <a:r>
+              <a:rPr lang="en-CA" dirty="0"/>
+              <a:t>/R generally</a:t>
+            </a:r>
+          </a:p>
+          <a:p>
+            <a:r>
+              <a:rPr lang="en-CA" dirty="0"/>
+              <a:t>@</a:t>
+            </a:r>
+            <a:r>
+              <a:rPr lang="en-CA" dirty="0" err="1"/>
+              <a:t>StackOverflowR</a:t>
+            </a:r>
+            <a:r>
+              <a:rPr lang="en-CA" dirty="0"/>
+              <a:t> – R FAQ general</a:t>
+            </a:r>
+          </a:p>
+          <a:p>
+            <a:r>
+              <a:rPr lang="en-CA" dirty="0"/>
+              <a:t>@R-bloggers – R techniques</a:t>
+            </a:r>
+          </a:p>
+          <a:p>
+            <a:r>
+              <a:rPr lang="en-CA" dirty="0"/>
+              <a:t>@</a:t>
+            </a:r>
+            <a:r>
+              <a:rPr lang="en-CA" dirty="0" err="1"/>
+              <a:t>LittleMissData</a:t>
+            </a:r>
+            <a:r>
+              <a:rPr lang="en-CA" dirty="0"/>
+              <a:t> – Data science and data visualization</a:t>
+            </a:r>
+          </a:p>
+          <a:p>
+            <a:r>
+              <a:rPr lang="en-CA" dirty="0"/>
+              <a:t>@</a:t>
+            </a:r>
+            <a:r>
+              <a:rPr lang="en-CA" dirty="0" err="1"/>
+              <a:t>thegoodphyte</a:t>
+            </a:r>
+            <a:r>
+              <a:rPr lang="en-CA" dirty="0"/>
+              <a:t> – Biostatistics in R</a:t>
+            </a:r>
+            <a:endParaRPr lang="en-US" dirty="0"/>
+          </a:p>
+        </p:txBody>
+      </p:sp>
+    </p:spTree>
+    <p:extLst>
+      <p:ext uri="{BB962C8B-B14F-4D97-AF65-F5344CB8AC3E}">
+        <p14:creationId xmlns:p14="http://schemas.microsoft.com/office/powerpoint/2010/main" val="3485766902"/>
+      </p:ext>
+    </p:extLst>
+  </p:cSld>
+  <p:clrMapOvr>
+    <a:masterClrMapping/>
+  </p:clrMapOvr>
+</p:sld>
+</file>
+
 <file path=ppt/slides/slide2.xml><?xml version="1.0" encoding="utf-8"?>
 <p:sld xmlns:a="http://schemas.openxmlformats.org/drawingml/2006/main" xmlns:r="http://schemas.openxmlformats.org/officeDocument/2006/relationships" xmlns:p="http://schemas.openxmlformats.org/presentationml/2006/main">
   <p:cSld>

--- a/Beginner Workshop/Introductory Concepts in R.pptx
+++ b/Beginner Workshop/Introductory Concepts in R.pptx
@@ -16,6 +16,7 @@
     <p:sldId id="262" r:id="rId10"/>
     <p:sldId id="263" r:id="rId11"/>
     <p:sldId id="266" r:id="rId12"/>
+    <p:sldId id="267" r:id="rId13"/>
   </p:sldIdLst>
   <p:sldSz cx="12192000" cy="6858000"/>
   <p:notesSz cx="6858000" cy="9144000"/>
@@ -158,6 +159,7 @@
         <p14:section name="Twitter Accounts" id="{2DAF2351-903D-4215-97A3-319EBC60C315}">
           <p14:sldIdLst>
             <p14:sldId id="266"/>
+            <p14:sldId id="267"/>
           </p14:sldIdLst>
         </p14:section>
       </p14:sectionLst>
@@ -500,7 +502,7 @@
           <a:p>
             <a:fld id="{5F762F9F-E6EA-480B-A6EE-0D217F01FE68}" type="datetimeFigureOut">
               <a:rPr lang="en-US" smtClean="0"/>
-              <a:t>2/17/2020</a:t>
+              <a:t>3/4/2020</a:t>
             </a:fld>
             <a:endParaRPr lang="en-US"/>
           </a:p>
@@ -824,7 +826,7 @@
           <a:p>
             <a:fld id="{5F762F9F-E6EA-480B-A6EE-0D217F01FE68}" type="datetimeFigureOut">
               <a:rPr lang="en-US" smtClean="0"/>
-              <a:t>2/17/2020</a:t>
+              <a:t>3/4/2020</a:t>
             </a:fld>
             <a:endParaRPr lang="en-US"/>
           </a:p>
@@ -1072,7 +1074,7 @@
           <a:p>
             <a:fld id="{5F762F9F-E6EA-480B-A6EE-0D217F01FE68}" type="datetimeFigureOut">
               <a:rPr lang="en-US" smtClean="0"/>
-              <a:t>2/17/2020</a:t>
+              <a:t>3/4/2020</a:t>
             </a:fld>
             <a:endParaRPr lang="en-US"/>
           </a:p>
@@ -1411,7 +1413,7 @@
           <a:p>
             <a:fld id="{5F762F9F-E6EA-480B-A6EE-0D217F01FE68}" type="datetimeFigureOut">
               <a:rPr lang="en-US" smtClean="0"/>
-              <a:t>2/17/2020</a:t>
+              <a:t>3/4/2020</a:t>
             </a:fld>
             <a:endParaRPr lang="en-US"/>
           </a:p>
@@ -1758,7 +1760,7 @@
           <a:p>
             <a:fld id="{5F762F9F-E6EA-480B-A6EE-0D217F01FE68}" type="datetimeFigureOut">
               <a:rPr lang="en-US" smtClean="0"/>
-              <a:t>2/17/2020</a:t>
+              <a:t>3/4/2020</a:t>
             </a:fld>
             <a:endParaRPr lang="en-US"/>
           </a:p>
@@ -2132,7 +2134,7 @@
           <a:p>
             <a:fld id="{5F762F9F-E6EA-480B-A6EE-0D217F01FE68}" type="datetimeFigureOut">
               <a:rPr lang="en-US" smtClean="0"/>
-              <a:t>2/17/2020</a:t>
+              <a:t>3/4/2020</a:t>
             </a:fld>
             <a:endParaRPr lang="en-US"/>
           </a:p>
@@ -2602,7 +2604,7 @@
           <a:p>
             <a:fld id="{5F762F9F-E6EA-480B-A6EE-0D217F01FE68}" type="datetimeFigureOut">
               <a:rPr lang="en-US" smtClean="0"/>
-              <a:t>2/17/2020</a:t>
+              <a:t>3/4/2020</a:t>
             </a:fld>
             <a:endParaRPr lang="en-US"/>
           </a:p>
@@ -2807,7 +2809,7 @@
           <a:p>
             <a:fld id="{5F762F9F-E6EA-480B-A6EE-0D217F01FE68}" type="datetimeFigureOut">
               <a:rPr lang="en-US" smtClean="0"/>
-              <a:t>2/17/2020</a:t>
+              <a:t>3/4/2020</a:t>
             </a:fld>
             <a:endParaRPr lang="en-US"/>
           </a:p>
@@ -3018,7 +3020,7 @@
           <a:p>
             <a:fld id="{5F762F9F-E6EA-480B-A6EE-0D217F01FE68}" type="datetimeFigureOut">
               <a:rPr lang="en-US" smtClean="0"/>
-              <a:t>2/17/2020</a:t>
+              <a:t>3/4/2020</a:t>
             </a:fld>
             <a:endParaRPr lang="en-US"/>
           </a:p>
@@ -3250,7 +3252,7 @@
           <a:p>
             <a:fld id="{5F762F9F-E6EA-480B-A6EE-0D217F01FE68}" type="datetimeFigureOut">
               <a:rPr lang="en-US" smtClean="0"/>
-              <a:t>2/17/2020</a:t>
+              <a:t>3/4/2020</a:t>
             </a:fld>
             <a:endParaRPr lang="en-US"/>
           </a:p>
@@ -3498,7 +3500,7 @@
           <a:p>
             <a:fld id="{5F762F9F-E6EA-480B-A6EE-0D217F01FE68}" type="datetimeFigureOut">
               <a:rPr lang="en-US" smtClean="0"/>
-              <a:t>2/17/2020</a:t>
+              <a:t>3/4/2020</a:t>
             </a:fld>
             <a:endParaRPr lang="en-US"/>
           </a:p>
@@ -3796,7 +3798,7 @@
           <a:p>
             <a:fld id="{5F762F9F-E6EA-480B-A6EE-0D217F01FE68}" type="datetimeFigureOut">
               <a:rPr lang="en-US" smtClean="0"/>
-              <a:t>2/17/2020</a:t>
+              <a:t>3/4/2020</a:t>
             </a:fld>
             <a:endParaRPr lang="en-US"/>
           </a:p>
@@ -4190,7 +4192,7 @@
           <a:p>
             <a:fld id="{5F762F9F-E6EA-480B-A6EE-0D217F01FE68}" type="datetimeFigureOut">
               <a:rPr lang="en-US" smtClean="0"/>
-              <a:t>2/17/2020</a:t>
+              <a:t>3/4/2020</a:t>
             </a:fld>
             <a:endParaRPr lang="en-US"/>
           </a:p>
@@ -4339,7 +4341,7 @@
           <a:p>
             <a:fld id="{5F762F9F-E6EA-480B-A6EE-0D217F01FE68}" type="datetimeFigureOut">
               <a:rPr lang="en-US" smtClean="0"/>
-              <a:t>2/17/2020</a:t>
+              <a:t>3/4/2020</a:t>
             </a:fld>
             <a:endParaRPr lang="en-US"/>
           </a:p>
@@ -4465,7 +4467,7 @@
           <a:p>
             <a:fld id="{5F762F9F-E6EA-480B-A6EE-0D217F01FE68}" type="datetimeFigureOut">
               <a:rPr lang="en-US" smtClean="0"/>
-              <a:t>2/17/2020</a:t>
+              <a:t>3/4/2020</a:t>
             </a:fld>
             <a:endParaRPr lang="en-US"/>
           </a:p>
@@ -4720,7 +4722,7 @@
           <a:p>
             <a:fld id="{5F762F9F-E6EA-480B-A6EE-0D217F01FE68}" type="datetimeFigureOut">
               <a:rPr lang="en-US" smtClean="0"/>
-              <a:t>2/17/2020</a:t>
+              <a:t>3/4/2020</a:t>
             </a:fld>
             <a:endParaRPr lang="en-US"/>
           </a:p>
@@ -5035,7 +5037,7 @@
           <a:p>
             <a:fld id="{5F762F9F-E6EA-480B-A6EE-0D217F01FE68}" type="datetimeFigureOut">
               <a:rPr lang="en-US" smtClean="0"/>
-              <a:t>2/17/2020</a:t>
+              <a:t>3/4/2020</a:t>
             </a:fld>
             <a:endParaRPr lang="en-US"/>
           </a:p>
@@ -5386,7 +5388,7 @@
           <a:p>
             <a:fld id="{5F762F9F-E6EA-480B-A6EE-0D217F01FE68}" type="datetimeFigureOut">
               <a:rPr lang="en-US" smtClean="0"/>
-              <a:t>2/17/2020</a:t>
+              <a:t>3/4/2020</a:t>
             </a:fld>
             <a:endParaRPr lang="en-US"/>
           </a:p>
@@ -6313,6 +6315,104 @@
 </p:sld>
 </file>
 
+<file path=ppt/slides/slide12.xml><?xml version="1.0" encoding="utf-8"?>
+<p:sld xmlns:a="http://schemas.openxmlformats.org/drawingml/2006/main" xmlns:r="http://schemas.openxmlformats.org/officeDocument/2006/relationships" xmlns:p="http://schemas.openxmlformats.org/presentationml/2006/main">
+  <p:cSld>
+    <p:spTree>
+      <p:nvGrpSpPr>
+        <p:cNvPr id="1" name=""/>
+        <p:cNvGrpSpPr/>
+        <p:nvPr/>
+      </p:nvGrpSpPr>
+      <p:grpSpPr>
+        <a:xfrm>
+          <a:off x="0" y="0"/>
+          <a:ext cx="0" cy="0"/>
+          <a:chOff x="0" y="0"/>
+          <a:chExt cx="0" cy="0"/>
+        </a:xfrm>
+      </p:grpSpPr>
+      <p:sp>
+        <p:nvSpPr>
+          <p:cNvPr id="2" name="Title 1">
+            <a:extLst>
+              <a:ext uri="{FF2B5EF4-FFF2-40B4-BE49-F238E27FC236}">
+                <a16:creationId xmlns:a16="http://schemas.microsoft.com/office/drawing/2014/main" id="{B146E0C2-3F9C-4839-BE0A-C3C0528F2BE4}"/>
+              </a:ext>
+            </a:extLst>
+          </p:cNvPr>
+          <p:cNvSpPr>
+            <a:spLocks noGrp="1"/>
+          </p:cNvSpPr>
+          <p:nvPr>
+            <p:ph type="title"/>
+          </p:nvPr>
+        </p:nvSpPr>
+        <p:spPr/>
+        <p:txBody>
+          <a:bodyPr/>
+          <a:lstStyle/>
+          <a:p>
+            <a:r>
+              <a:rPr lang="en-CA" dirty="0"/>
+              <a:t>Contact Information</a:t>
+            </a:r>
+            <a:endParaRPr lang="en-US" dirty="0"/>
+          </a:p>
+        </p:txBody>
+      </p:sp>
+      <p:sp>
+        <p:nvSpPr>
+          <p:cNvPr id="3" name="Content Placeholder 2">
+            <a:extLst>
+              <a:ext uri="{FF2B5EF4-FFF2-40B4-BE49-F238E27FC236}">
+                <a16:creationId xmlns:a16="http://schemas.microsoft.com/office/drawing/2014/main" id="{4C6D725C-3AAF-4EEE-A7AF-6D953D828CD2}"/>
+              </a:ext>
+            </a:extLst>
+          </p:cNvPr>
+          <p:cNvSpPr>
+            <a:spLocks noGrp="1"/>
+          </p:cNvSpPr>
+          <p:nvPr>
+            <p:ph idx="1"/>
+          </p:nvPr>
+        </p:nvSpPr>
+        <p:spPr/>
+        <p:txBody>
+          <a:bodyPr/>
+          <a:lstStyle/>
+          <a:p>
+            <a:r>
+              <a:rPr lang="en-CA" dirty="0"/>
+              <a:t>UNM Email: jstinziano@unm.edu</a:t>
+            </a:r>
+          </a:p>
+          <a:p>
+            <a:r>
+              <a:rPr lang="en-CA" dirty="0"/>
+              <a:t>Twitter: @</a:t>
+            </a:r>
+            <a:r>
+              <a:rPr lang="en-CA" dirty="0" err="1"/>
+              <a:t>JosephStinziano</a:t>
+            </a:r>
+            <a:endParaRPr lang="en-US" dirty="0"/>
+          </a:p>
+        </p:txBody>
+      </p:sp>
+    </p:spTree>
+    <p:extLst>
+      <p:ext uri="{BB962C8B-B14F-4D97-AF65-F5344CB8AC3E}">
+        <p14:creationId xmlns:p14="http://schemas.microsoft.com/office/powerpoint/2010/main" val="2321567798"/>
+      </p:ext>
+    </p:extLst>
+  </p:cSld>
+  <p:clrMapOvr>
+    <a:masterClrMapping/>
+  </p:clrMapOvr>
+</p:sld>
+</file>
+
 <file path=ppt/slides/slide2.xml><?xml version="1.0" encoding="utf-8"?>
 <p:sld xmlns:a="http://schemas.openxmlformats.org/drawingml/2006/main" xmlns:r="http://schemas.openxmlformats.org/officeDocument/2006/relationships" xmlns:p="http://schemas.openxmlformats.org/presentationml/2006/main">
   <p:cSld>

--- a/Beginner Workshop/Introductory Concepts in R.pptx
+++ b/Beginner Workshop/Introductory Concepts in R.pptx
@@ -6396,6 +6396,13 @@
               <a:rPr lang="en-CA" dirty="0" err="1"/>
               <a:t>JosephStinziano</a:t>
             </a:r>
+            <a:endParaRPr lang="en-CA" dirty="0"/>
+          </a:p>
+          <a:p>
+            <a:r>
+              <a:rPr lang="en-CA"/>
+              <a:t>CAST 1468</a:t>
+            </a:r>
             <a:endParaRPr lang="en-US" dirty="0"/>
           </a:p>
         </p:txBody>
